--- a/AdditionalResources/Air Quality and Asthma.pptx
+++ b/AdditionalResources/Air Quality and Asthma.pptx
@@ -12,12 +12,12 @@
     <p:sldId id="257" r:id="rId3"/>
     <p:sldId id="262" r:id="rId4"/>
     <p:sldId id="258" r:id="rId5"/>
-    <p:sldId id="268" r:id="rId6"/>
-    <p:sldId id="269" r:id="rId7"/>
-    <p:sldId id="270" r:id="rId8"/>
-    <p:sldId id="271" r:id="rId9"/>
-    <p:sldId id="266" r:id="rId10"/>
-    <p:sldId id="259" r:id="rId11"/>
+    <p:sldId id="270" r:id="rId6"/>
+    <p:sldId id="274" r:id="rId7"/>
+    <p:sldId id="273" r:id="rId8"/>
+    <p:sldId id="268" r:id="rId9"/>
+    <p:sldId id="275" r:id="rId10"/>
+    <p:sldId id="266" r:id="rId11"/>
     <p:sldId id="261" r:id="rId12"/>
     <p:sldId id="263" r:id="rId13"/>
     <p:sldId id="267" r:id="rId14"/>
@@ -6929,7 +6929,7 @@
           <a:p>
             <a:fld id="{085B006D-0066-4565-9D71-1B5A68ED6F7E}" type="datetimeFigureOut">
               <a:rPr lang="en-US" smtClean="0"/>
-              <a:t>10/9/2018</a:t>
+              <a:t>10/10/2018</a:t>
             </a:fld>
             <a:endParaRPr lang="en-US"/>
           </a:p>
@@ -7241,52 +7241,45 @@
           <a:lstStyle/>
           <a:p>
             <a:r>
-              <a:rPr lang="en-US" sz="1200" b="0" i="0" kern="1200" dirty="0">
-                <a:solidFill>
-                  <a:schemeClr val="tx1"/>
-                </a:solidFill>
-                <a:effectLst/>
-                <a:latin typeface="+mn-lt"/>
-                <a:ea typeface="+mn-ea"/>
-                <a:cs typeface="+mn-cs"/>
-              </a:rPr>
-              <a:t>EPA calculates the AQI for five major air pollutants regulated by the Clean Air Act: ground-level ozone, particle pollution (also known as particulate matter), carbon monoxide, sulfur dioxide, and nitrogen dioxide.</a:t>
+              <a:rPr lang="en-US" dirty="0"/>
+              <a:t>California data is pushed</a:t>
             </a:r>
           </a:p>
           <a:p>
-            <a:endParaRPr lang="en-US" sz="1200" b="0" i="0" kern="1200" dirty="0">
-              <a:solidFill>
-                <a:schemeClr val="tx1"/>
-              </a:solidFill>
-              <a:effectLst/>
-              <a:latin typeface="+mn-lt"/>
-              <a:ea typeface="+mn-ea"/>
-              <a:cs typeface="+mn-cs"/>
-            </a:endParaRPr>
-          </a:p>
-          <a:p>
             <a:r>
-              <a:rPr lang="en-US" sz="1200" b="0" i="0" kern="1200" dirty="0">
-                <a:solidFill>
-                  <a:schemeClr val="tx1"/>
-                </a:solidFill>
-                <a:effectLst/>
-                <a:latin typeface="+mn-lt"/>
-                <a:ea typeface="+mn-ea"/>
-                <a:cs typeface="+mn-cs"/>
-              </a:rPr>
-              <a:t>Think of the AQI as a yardstick that runs from 0 to 500. The higher the AQI value, the greater the level of air pollution and the greater the health concern.</a:t>
+              <a:rPr lang="en-US" dirty="0" err="1"/>
+              <a:t>Ttests.prevalence</a:t>
+            </a:r>
+            <a:r>
+              <a:rPr lang="en-US" dirty="0"/>
+              <a:t> rates – not significant</a:t>
+            </a:r>
+          </a:p>
+          <a:p>
+            <a:endParaRPr lang="en-US" dirty="0"/>
+          </a:p>
+          <a:p>
+            <a:r>
+              <a:rPr lang="en-US" dirty="0"/>
+              <a:t>Next steps:</a:t>
+            </a:r>
+          </a:p>
+          <a:p>
+            <a:r>
+              <a:rPr lang="en-US" dirty="0"/>
+              <a:t>User input</a:t>
+            </a:r>
+          </a:p>
+          <a:p>
+            <a:r>
+              <a:rPr lang="en-US" dirty="0"/>
+              <a:t>Counties </a:t>
+            </a:r>
+            <a:r>
+              <a:rPr lang="en-US" dirty="0" err="1"/>
+              <a:t>gmaps</a:t>
             </a:r>
             <a:endParaRPr lang="en-US" dirty="0"/>
-          </a:p>
-          <a:p>
-            <a:endParaRPr lang="en-US" dirty="0"/>
-          </a:p>
-          <a:p>
-            <a:r>
-              <a:rPr lang="en-US" dirty="0"/>
-              <a:t>https://cfpub.epa.gov/airnow/index.cfm?action=aqibasics.aqi</a:t>
-            </a:r>
           </a:p>
         </p:txBody>
       </p:sp>
@@ -7307,7 +7300,7 @@
           <a:p>
             <a:fld id="{13CEA0C7-3025-45C3-BEEA-11305AF04EFD}" type="slidenum">
               <a:rPr lang="en-US" smtClean="0"/>
-              <a:t>2</a:t>
+              <a:t>1</a:t>
             </a:fld>
             <a:endParaRPr lang="en-US"/>
           </a:p>
@@ -7316,7 +7309,7 @@
     </p:spTree>
     <p:extLst>
       <p:ext uri="{BB962C8B-B14F-4D97-AF65-F5344CB8AC3E}">
-        <p14:creationId xmlns:p14="http://schemas.microsoft.com/office/powerpoint/2010/main" val="4252001796"/>
+        <p14:creationId xmlns:p14="http://schemas.microsoft.com/office/powerpoint/2010/main" val="4227347857"/>
       </p:ext>
     </p:extLst>
   </p:cSld>
@@ -7371,14 +7364,51 @@
           <a:lstStyle/>
           <a:p>
             <a:r>
-              <a:rPr lang="en-US" dirty="0"/>
-              <a:t>https://www.cdc.gov/asthma/most_recent_data_states.htm</a:t>
+              <a:rPr lang="en-US" sz="1200" b="0" i="0" kern="1200" dirty="0">
+                <a:solidFill>
+                  <a:schemeClr val="tx1"/>
+                </a:solidFill>
+                <a:effectLst/>
+                <a:latin typeface="+mn-lt"/>
+                <a:ea typeface="+mn-ea"/>
+                <a:cs typeface="+mn-cs"/>
+              </a:rPr>
+              <a:t>EPA calculates the AQI for five major air pollutants regulated by the Clean Air Act: ground-level ozone, particle pollution (also known as particulate matter), carbon monoxide, sulfur dioxide, and nitrogen dioxide.</a:t>
             </a:r>
+          </a:p>
+          <a:p>
+            <a:endParaRPr lang="en-US" sz="1200" b="0" i="0" kern="1200" dirty="0">
+              <a:solidFill>
+                <a:schemeClr val="tx1"/>
+              </a:solidFill>
+              <a:effectLst/>
+              <a:latin typeface="+mn-lt"/>
+              <a:ea typeface="+mn-ea"/>
+              <a:cs typeface="+mn-cs"/>
+            </a:endParaRPr>
+          </a:p>
+          <a:p>
+            <a:r>
+              <a:rPr lang="en-US" sz="1200" b="0" i="0" kern="1200" dirty="0">
+                <a:solidFill>
+                  <a:schemeClr val="tx1"/>
+                </a:solidFill>
+                <a:effectLst/>
+                <a:latin typeface="+mn-lt"/>
+                <a:ea typeface="+mn-ea"/>
+                <a:cs typeface="+mn-cs"/>
+              </a:rPr>
+              <a:t>Think of the AQI as a yardstick that runs from 0 to 500. The higher the AQI value, the greater the level of air pollution and the greater the health concern.</a:t>
+            </a:r>
+            <a:endParaRPr lang="en-US" dirty="0"/>
+          </a:p>
+          <a:p>
+            <a:endParaRPr lang="en-US" dirty="0"/>
           </a:p>
           <a:p>
             <a:r>
               <a:rPr lang="en-US" dirty="0"/>
-              <a:t>Try to locate state/city data for air quality</a:t>
+              <a:t>https://cfpub.epa.gov/airnow/index.cfm?action=aqibasics.aqi</a:t>
             </a:r>
           </a:p>
         </p:txBody>
@@ -7400,7 +7430,7 @@
           <a:p>
             <a:fld id="{13CEA0C7-3025-45C3-BEEA-11305AF04EFD}" type="slidenum">
               <a:rPr lang="en-US" smtClean="0"/>
-              <a:t>9</a:t>
+              <a:t>2</a:t>
             </a:fld>
             <a:endParaRPr lang="en-US"/>
           </a:p>
@@ -7409,7 +7439,7 @@
     </p:spTree>
     <p:extLst>
       <p:ext uri="{BB962C8B-B14F-4D97-AF65-F5344CB8AC3E}">
-        <p14:creationId xmlns:p14="http://schemas.microsoft.com/office/powerpoint/2010/main" val="931430249"/>
+        <p14:creationId xmlns:p14="http://schemas.microsoft.com/office/powerpoint/2010/main" val="4252001796"/>
       </p:ext>
     </p:extLst>
   </p:cSld>
@@ -7463,10 +7493,30 @@
           <a:bodyPr/>
           <a:lstStyle/>
           <a:p>
+            <a:pPr marL="0" marR="0" lvl="0" indent="0" algn="l" defTabSz="914400" rtl="0" eaLnBrk="1" fontAlgn="auto" latinLnBrk="0" hangingPunct="1">
+              <a:lnSpc>
+                <a:spcPct val="100000"/>
+              </a:lnSpc>
+              <a:spcBef>
+                <a:spcPts val="0"/>
+              </a:spcBef>
+              <a:spcAft>
+                <a:spcPts val="0"/>
+              </a:spcAft>
+              <a:buClrTx/>
+              <a:buSzTx/>
+              <a:buFontTx/>
+              <a:buNone/>
+              <a:tabLst/>
+              <a:defRPr/>
+            </a:pPr>
             <a:r>
               <a:rPr lang="en-US" dirty="0"/>
-              <a:t>http://worldpopulationreview.com/states/</a:t>
+              <a:t>% of GA counties where air quality does not meet national standards by year</a:t>
             </a:r>
+          </a:p>
+          <a:p>
+            <a:endParaRPr lang="en-US" dirty="0"/>
           </a:p>
         </p:txBody>
       </p:sp>
@@ -7487,7 +7537,7 @@
           <a:p>
             <a:fld id="{13CEA0C7-3025-45C3-BEEA-11305AF04EFD}" type="slidenum">
               <a:rPr lang="en-US" smtClean="0"/>
-              <a:t>10</a:t>
+              <a:t>4</a:t>
             </a:fld>
             <a:endParaRPr lang="en-US"/>
           </a:p>
@@ -7496,7 +7546,7 @@
     </p:spTree>
     <p:extLst>
       <p:ext uri="{BB962C8B-B14F-4D97-AF65-F5344CB8AC3E}">
-        <p14:creationId xmlns:p14="http://schemas.microsoft.com/office/powerpoint/2010/main" val="566977152"/>
+        <p14:creationId xmlns:p14="http://schemas.microsoft.com/office/powerpoint/2010/main" val="3226983427"/>
       </p:ext>
     </p:extLst>
   </p:cSld>
@@ -7507,6 +7557,416 @@
 </file>
 
 <file path=ppt/notesSlides/notesSlide4.xml><?xml version="1.0" encoding="utf-8"?>
+<p:notes xmlns:a="http://schemas.openxmlformats.org/drawingml/2006/main" xmlns:r="http://schemas.openxmlformats.org/officeDocument/2006/relationships" xmlns:p="http://schemas.openxmlformats.org/presentationml/2006/main">
+  <p:cSld>
+    <p:spTree>
+      <p:nvGrpSpPr>
+        <p:cNvPr id="1" name=""/>
+        <p:cNvGrpSpPr/>
+        <p:nvPr/>
+      </p:nvGrpSpPr>
+      <p:grpSpPr>
+        <a:xfrm>
+          <a:off x="0" y="0"/>
+          <a:ext cx="0" cy="0"/>
+          <a:chOff x="0" y="0"/>
+          <a:chExt cx="0" cy="0"/>
+        </a:xfrm>
+      </p:grpSpPr>
+      <p:sp>
+        <p:nvSpPr>
+          <p:cNvPr id="2" name="Slide Image Placeholder 1"/>
+          <p:cNvSpPr>
+            <a:spLocks noGrp="1" noRot="1" noChangeAspect="1"/>
+          </p:cNvSpPr>
+          <p:nvPr>
+            <p:ph type="sldImg"/>
+          </p:nvPr>
+        </p:nvSpPr>
+        <p:spPr/>
+      </p:sp>
+      <p:sp>
+        <p:nvSpPr>
+          <p:cNvPr id="3" name="Notes Placeholder 2"/>
+          <p:cNvSpPr>
+            <a:spLocks noGrp="1"/>
+          </p:cNvSpPr>
+          <p:nvPr>
+            <p:ph type="body" idx="1"/>
+          </p:nvPr>
+        </p:nvSpPr>
+        <p:spPr/>
+        <p:txBody>
+          <a:bodyPr/>
+          <a:lstStyle/>
+          <a:p>
+            <a:pPr marL="0" marR="0" lvl="0" indent="0" algn="l" defTabSz="914400" rtl="0" eaLnBrk="1" fontAlgn="auto" latinLnBrk="0" hangingPunct="1">
+              <a:lnSpc>
+                <a:spcPct val="100000"/>
+              </a:lnSpc>
+              <a:spcBef>
+                <a:spcPts val="0"/>
+              </a:spcBef>
+              <a:spcAft>
+                <a:spcPts val="0"/>
+              </a:spcAft>
+              <a:buClrTx/>
+              <a:buSzTx/>
+              <a:buFontTx/>
+              <a:buNone/>
+              <a:tabLst/>
+              <a:defRPr/>
+            </a:pPr>
+            <a:r>
+              <a:rPr lang="en-US" dirty="0"/>
+              <a:t>Asthma prevalence scatter plots by year</a:t>
+            </a:r>
+          </a:p>
+          <a:p>
+            <a:endParaRPr lang="en-US" dirty="0"/>
+          </a:p>
+        </p:txBody>
+      </p:sp>
+      <p:sp>
+        <p:nvSpPr>
+          <p:cNvPr id="4" name="Slide Number Placeholder 3"/>
+          <p:cNvSpPr>
+            <a:spLocks noGrp="1"/>
+          </p:cNvSpPr>
+          <p:nvPr>
+            <p:ph type="sldNum" sz="quarter" idx="5"/>
+          </p:nvPr>
+        </p:nvSpPr>
+        <p:spPr/>
+        <p:txBody>
+          <a:bodyPr/>
+          <a:lstStyle/>
+          <a:p>
+            <a:fld id="{13CEA0C7-3025-45C3-BEEA-11305AF04EFD}" type="slidenum">
+              <a:rPr lang="en-US" smtClean="0"/>
+              <a:t>5</a:t>
+            </a:fld>
+            <a:endParaRPr lang="en-US"/>
+          </a:p>
+        </p:txBody>
+      </p:sp>
+    </p:spTree>
+    <p:extLst>
+      <p:ext uri="{BB962C8B-B14F-4D97-AF65-F5344CB8AC3E}">
+        <p14:creationId xmlns:p14="http://schemas.microsoft.com/office/powerpoint/2010/main" val="116042216"/>
+      </p:ext>
+    </p:extLst>
+  </p:cSld>
+  <p:clrMapOvr>
+    <a:masterClrMapping/>
+  </p:clrMapOvr>
+</p:notes>
+</file>
+
+<file path=ppt/notesSlides/notesSlide5.xml><?xml version="1.0" encoding="utf-8"?>
+<p:notes xmlns:a="http://schemas.openxmlformats.org/drawingml/2006/main" xmlns:r="http://schemas.openxmlformats.org/officeDocument/2006/relationships" xmlns:p="http://schemas.openxmlformats.org/presentationml/2006/main">
+  <p:cSld>
+    <p:spTree>
+      <p:nvGrpSpPr>
+        <p:cNvPr id="1" name=""/>
+        <p:cNvGrpSpPr/>
+        <p:nvPr/>
+      </p:nvGrpSpPr>
+      <p:grpSpPr>
+        <a:xfrm>
+          <a:off x="0" y="0"/>
+          <a:ext cx="0" cy="0"/>
+          <a:chOff x="0" y="0"/>
+          <a:chExt cx="0" cy="0"/>
+        </a:xfrm>
+      </p:grpSpPr>
+      <p:sp>
+        <p:nvSpPr>
+          <p:cNvPr id="2" name="Slide Image Placeholder 1"/>
+          <p:cNvSpPr>
+            <a:spLocks noGrp="1" noRot="1" noChangeAspect="1"/>
+          </p:cNvSpPr>
+          <p:nvPr>
+            <p:ph type="sldImg"/>
+          </p:nvPr>
+        </p:nvSpPr>
+        <p:spPr/>
+      </p:sp>
+      <p:sp>
+        <p:nvSpPr>
+          <p:cNvPr id="3" name="Notes Placeholder 2"/>
+          <p:cNvSpPr>
+            <a:spLocks noGrp="1"/>
+          </p:cNvSpPr>
+          <p:nvPr>
+            <p:ph type="body" idx="1"/>
+          </p:nvPr>
+        </p:nvSpPr>
+        <p:spPr/>
+        <p:txBody>
+          <a:bodyPr/>
+          <a:lstStyle/>
+          <a:p>
+            <a:r>
+              <a:rPr lang="en-US" dirty="0"/>
+              <a:t>Urban / rural stats - # good days ratio</a:t>
+            </a:r>
+          </a:p>
+          <a:p>
+            <a:r>
+              <a:rPr lang="en-US" dirty="0" err="1"/>
+              <a:t>Ttest</a:t>
+            </a:r>
+            <a:r>
+              <a:rPr lang="en-US" dirty="0"/>
+              <a:t> median AQI between </a:t>
+            </a:r>
+            <a:r>
+              <a:rPr lang="en-US" dirty="0" err="1"/>
+              <a:t>urb</a:t>
+            </a:r>
+            <a:r>
+              <a:rPr lang="en-US" dirty="0"/>
+              <a:t> / rural – significant</a:t>
+            </a:r>
+          </a:p>
+        </p:txBody>
+      </p:sp>
+      <p:sp>
+        <p:nvSpPr>
+          <p:cNvPr id="4" name="Slide Number Placeholder 3"/>
+          <p:cNvSpPr>
+            <a:spLocks noGrp="1"/>
+          </p:cNvSpPr>
+          <p:nvPr>
+            <p:ph type="sldNum" sz="quarter" idx="5"/>
+          </p:nvPr>
+        </p:nvSpPr>
+        <p:spPr/>
+        <p:txBody>
+          <a:bodyPr/>
+          <a:lstStyle/>
+          <a:p>
+            <a:fld id="{13CEA0C7-3025-45C3-BEEA-11305AF04EFD}" type="slidenum">
+              <a:rPr lang="en-US" smtClean="0"/>
+              <a:t>8</a:t>
+            </a:fld>
+            <a:endParaRPr lang="en-US"/>
+          </a:p>
+        </p:txBody>
+      </p:sp>
+    </p:spTree>
+    <p:extLst>
+      <p:ext uri="{BB962C8B-B14F-4D97-AF65-F5344CB8AC3E}">
+        <p14:creationId xmlns:p14="http://schemas.microsoft.com/office/powerpoint/2010/main" val="1187719279"/>
+      </p:ext>
+    </p:extLst>
+  </p:cSld>
+  <p:clrMapOvr>
+    <a:masterClrMapping/>
+  </p:clrMapOvr>
+</p:notes>
+</file>
+
+<file path=ppt/notesSlides/notesSlide6.xml><?xml version="1.0" encoding="utf-8"?>
+<p:notes xmlns:a="http://schemas.openxmlformats.org/drawingml/2006/main" xmlns:r="http://schemas.openxmlformats.org/officeDocument/2006/relationships" xmlns:p="http://schemas.openxmlformats.org/presentationml/2006/main">
+  <p:cSld>
+    <p:spTree>
+      <p:nvGrpSpPr>
+        <p:cNvPr id="1" name=""/>
+        <p:cNvGrpSpPr/>
+        <p:nvPr/>
+      </p:nvGrpSpPr>
+      <p:grpSpPr>
+        <a:xfrm>
+          <a:off x="0" y="0"/>
+          <a:ext cx="0" cy="0"/>
+          <a:chOff x="0" y="0"/>
+          <a:chExt cx="0" cy="0"/>
+        </a:xfrm>
+      </p:grpSpPr>
+      <p:sp>
+        <p:nvSpPr>
+          <p:cNvPr id="2" name="Slide Image Placeholder 1"/>
+          <p:cNvSpPr>
+            <a:spLocks noGrp="1" noRot="1" noChangeAspect="1"/>
+          </p:cNvSpPr>
+          <p:nvPr>
+            <p:ph type="sldImg"/>
+          </p:nvPr>
+        </p:nvSpPr>
+        <p:spPr/>
+      </p:sp>
+      <p:sp>
+        <p:nvSpPr>
+          <p:cNvPr id="3" name="Notes Placeholder 2"/>
+          <p:cNvSpPr>
+            <a:spLocks noGrp="1"/>
+          </p:cNvSpPr>
+          <p:nvPr>
+            <p:ph type="body" idx="1"/>
+          </p:nvPr>
+        </p:nvSpPr>
+        <p:spPr/>
+        <p:txBody>
+          <a:bodyPr/>
+          <a:lstStyle/>
+          <a:p>
+            <a:r>
+              <a:rPr lang="en-US" dirty="0"/>
+              <a:t>Urban / rural stats - # good days ratio</a:t>
+            </a:r>
+          </a:p>
+          <a:p>
+            <a:r>
+              <a:rPr lang="en-US" dirty="0" err="1"/>
+              <a:t>Ttest</a:t>
+            </a:r>
+            <a:r>
+              <a:rPr lang="en-US" dirty="0"/>
+              <a:t> median AQI between </a:t>
+            </a:r>
+            <a:r>
+              <a:rPr lang="en-US" dirty="0" err="1"/>
+              <a:t>urb</a:t>
+            </a:r>
+            <a:r>
+              <a:rPr lang="en-US" dirty="0"/>
+              <a:t> / rural – significant</a:t>
+            </a:r>
+          </a:p>
+        </p:txBody>
+      </p:sp>
+      <p:sp>
+        <p:nvSpPr>
+          <p:cNvPr id="4" name="Slide Number Placeholder 3"/>
+          <p:cNvSpPr>
+            <a:spLocks noGrp="1"/>
+          </p:cNvSpPr>
+          <p:nvPr>
+            <p:ph type="sldNum" sz="quarter" idx="5"/>
+          </p:nvPr>
+        </p:nvSpPr>
+        <p:spPr/>
+        <p:txBody>
+          <a:bodyPr/>
+          <a:lstStyle/>
+          <a:p>
+            <a:fld id="{13CEA0C7-3025-45C3-BEEA-11305AF04EFD}" type="slidenum">
+              <a:rPr lang="en-US" smtClean="0"/>
+              <a:t>9</a:t>
+            </a:fld>
+            <a:endParaRPr lang="en-US"/>
+          </a:p>
+        </p:txBody>
+      </p:sp>
+    </p:spTree>
+    <p:extLst>
+      <p:ext uri="{BB962C8B-B14F-4D97-AF65-F5344CB8AC3E}">
+        <p14:creationId xmlns:p14="http://schemas.microsoft.com/office/powerpoint/2010/main" val="980072028"/>
+      </p:ext>
+    </p:extLst>
+  </p:cSld>
+  <p:clrMapOvr>
+    <a:masterClrMapping/>
+  </p:clrMapOvr>
+</p:notes>
+</file>
+
+<file path=ppt/notesSlides/notesSlide7.xml><?xml version="1.0" encoding="utf-8"?>
+<p:notes xmlns:a="http://schemas.openxmlformats.org/drawingml/2006/main" xmlns:r="http://schemas.openxmlformats.org/officeDocument/2006/relationships" xmlns:p="http://schemas.openxmlformats.org/presentationml/2006/main">
+  <p:cSld>
+    <p:spTree>
+      <p:nvGrpSpPr>
+        <p:cNvPr id="1" name=""/>
+        <p:cNvGrpSpPr/>
+        <p:nvPr/>
+      </p:nvGrpSpPr>
+      <p:grpSpPr>
+        <a:xfrm>
+          <a:off x="0" y="0"/>
+          <a:ext cx="0" cy="0"/>
+          <a:chOff x="0" y="0"/>
+          <a:chExt cx="0" cy="0"/>
+        </a:xfrm>
+      </p:grpSpPr>
+      <p:sp>
+        <p:nvSpPr>
+          <p:cNvPr id="2" name="Slide Image Placeholder 1"/>
+          <p:cNvSpPr>
+            <a:spLocks noGrp="1" noRot="1" noChangeAspect="1"/>
+          </p:cNvSpPr>
+          <p:nvPr>
+            <p:ph type="sldImg"/>
+          </p:nvPr>
+        </p:nvSpPr>
+        <p:spPr/>
+      </p:sp>
+      <p:sp>
+        <p:nvSpPr>
+          <p:cNvPr id="3" name="Notes Placeholder 2"/>
+          <p:cNvSpPr>
+            <a:spLocks noGrp="1"/>
+          </p:cNvSpPr>
+          <p:nvPr>
+            <p:ph type="body" idx="1"/>
+          </p:nvPr>
+        </p:nvSpPr>
+        <p:spPr/>
+        <p:txBody>
+          <a:bodyPr/>
+          <a:lstStyle/>
+          <a:p>
+            <a:r>
+              <a:rPr lang="en-US" dirty="0"/>
+              <a:t>https://www.cdc.gov/asthma/most_recent_data_states.htm</a:t>
+            </a:r>
+          </a:p>
+          <a:p>
+            <a:r>
+              <a:rPr lang="en-US" dirty="0"/>
+              <a:t>Try to locate state/city data for air quality</a:t>
+            </a:r>
+          </a:p>
+        </p:txBody>
+      </p:sp>
+      <p:sp>
+        <p:nvSpPr>
+          <p:cNvPr id="4" name="Slide Number Placeholder 3"/>
+          <p:cNvSpPr>
+            <a:spLocks noGrp="1"/>
+          </p:cNvSpPr>
+          <p:nvPr>
+            <p:ph type="sldNum" sz="quarter" idx="5"/>
+          </p:nvPr>
+        </p:nvSpPr>
+        <p:spPr/>
+        <p:txBody>
+          <a:bodyPr/>
+          <a:lstStyle/>
+          <a:p>
+            <a:fld id="{13CEA0C7-3025-45C3-BEEA-11305AF04EFD}" type="slidenum">
+              <a:rPr lang="en-US" smtClean="0"/>
+              <a:t>10</a:t>
+            </a:fld>
+            <a:endParaRPr lang="en-US"/>
+          </a:p>
+        </p:txBody>
+      </p:sp>
+    </p:spTree>
+    <p:extLst>
+      <p:ext uri="{BB962C8B-B14F-4D97-AF65-F5344CB8AC3E}">
+        <p14:creationId xmlns:p14="http://schemas.microsoft.com/office/powerpoint/2010/main" val="931430249"/>
+      </p:ext>
+    </p:extLst>
+  </p:cSld>
+  <p:clrMapOvr>
+    <a:masterClrMapping/>
+  </p:clrMapOvr>
+</p:notes>
+</file>
+
+<file path=ppt/notesSlides/notesSlide8.xml><?xml version="1.0" encoding="utf-8"?>
 <p:notes xmlns:a="http://schemas.openxmlformats.org/drawingml/2006/main" xmlns:r="http://schemas.openxmlformats.org/officeDocument/2006/relationships" xmlns:p="http://schemas.openxmlformats.org/presentationml/2006/main">
   <p:cSld>
     <p:spTree>
@@ -8330,7 +8790,7 @@
           <a:p>
             <a:fld id="{30FC925E-8D2B-459A-9C4F-722B9A87B07B}" type="datetimeFigureOut">
               <a:rPr lang="en-US" smtClean="0"/>
-              <a:t>10/9/2018</a:t>
+              <a:t>10/10/2018</a:t>
             </a:fld>
             <a:endParaRPr lang="en-US"/>
           </a:p>
@@ -8581,7 +9041,7 @@
           <a:p>
             <a:fld id="{30FC925E-8D2B-459A-9C4F-722B9A87B07B}" type="datetimeFigureOut">
               <a:rPr lang="en-US" smtClean="0"/>
-              <a:t>10/9/2018</a:t>
+              <a:t>10/10/2018</a:t>
             </a:fld>
             <a:endParaRPr lang="en-US"/>
           </a:p>
@@ -8895,7 +9355,7 @@
           <a:p>
             <a:fld id="{30FC925E-8D2B-459A-9C4F-722B9A87B07B}" type="datetimeFigureOut">
               <a:rPr lang="en-US" smtClean="0"/>
-              <a:t>10/9/2018</a:t>
+              <a:t>10/10/2018</a:t>
             </a:fld>
             <a:endParaRPr lang="en-US"/>
           </a:p>
@@ -9236,7 +9696,7 @@
           <a:p>
             <a:fld id="{30FC925E-8D2B-459A-9C4F-722B9A87B07B}" type="datetimeFigureOut">
               <a:rPr lang="en-US" smtClean="0"/>
-              <a:t>10/9/2018</a:t>
+              <a:t>10/10/2018</a:t>
             </a:fld>
             <a:endParaRPr lang="en-US"/>
           </a:p>
@@ -9550,7 +10010,7 @@
           <a:p>
             <a:fld id="{30FC925E-8D2B-459A-9C4F-722B9A87B07B}" type="datetimeFigureOut">
               <a:rPr lang="en-US" smtClean="0"/>
-              <a:t>10/9/2018</a:t>
+              <a:t>10/10/2018</a:t>
             </a:fld>
             <a:endParaRPr lang="en-US"/>
           </a:p>
@@ -9943,7 +10403,7 @@
           <a:p>
             <a:fld id="{30FC925E-8D2B-459A-9C4F-722B9A87B07B}" type="datetimeFigureOut">
               <a:rPr lang="en-US" smtClean="0"/>
-              <a:t>10/9/2018</a:t>
+              <a:t>10/10/2018</a:t>
             </a:fld>
             <a:endParaRPr lang="en-US"/>
           </a:p>
@@ -10113,7 +10573,7 @@
           <a:p>
             <a:fld id="{30FC925E-8D2B-459A-9C4F-722B9A87B07B}" type="datetimeFigureOut">
               <a:rPr lang="en-US" smtClean="0"/>
-              <a:t>10/9/2018</a:t>
+              <a:t>10/10/2018</a:t>
             </a:fld>
             <a:endParaRPr lang="en-US"/>
           </a:p>
@@ -10293,7 +10753,7 @@
           <a:p>
             <a:fld id="{30FC925E-8D2B-459A-9C4F-722B9A87B07B}" type="datetimeFigureOut">
               <a:rPr lang="en-US" smtClean="0"/>
-              <a:t>10/9/2018</a:t>
+              <a:t>10/10/2018</a:t>
             </a:fld>
             <a:endParaRPr lang="en-US"/>
           </a:p>
@@ -10469,7 +10929,7 @@
           <a:p>
             <a:fld id="{30FC925E-8D2B-459A-9C4F-722B9A87B07B}" type="datetimeFigureOut">
               <a:rPr lang="en-US" smtClean="0"/>
-              <a:t>10/9/2018</a:t>
+              <a:t>10/10/2018</a:t>
             </a:fld>
             <a:endParaRPr lang="en-US"/>
           </a:p>
@@ -10716,7 +11176,7 @@
           <a:p>
             <a:fld id="{30FC925E-8D2B-459A-9C4F-722B9A87B07B}" type="datetimeFigureOut">
               <a:rPr lang="en-US" smtClean="0"/>
-              <a:t>10/9/2018</a:t>
+              <a:t>10/10/2018</a:t>
             </a:fld>
             <a:endParaRPr lang="en-US"/>
           </a:p>
@@ -10948,7 +11408,7 @@
           <a:p>
             <a:fld id="{30FC925E-8D2B-459A-9C4F-722B9A87B07B}" type="datetimeFigureOut">
               <a:rPr lang="en-US" smtClean="0"/>
-              <a:t>10/9/2018</a:t>
+              <a:t>10/10/2018</a:t>
             </a:fld>
             <a:endParaRPr lang="en-US"/>
           </a:p>
@@ -11322,7 +11782,7 @@
           <a:p>
             <a:fld id="{30FC925E-8D2B-459A-9C4F-722B9A87B07B}" type="datetimeFigureOut">
               <a:rPr lang="en-US" smtClean="0"/>
-              <a:t>10/9/2018</a:t>
+              <a:t>10/10/2018</a:t>
             </a:fld>
             <a:endParaRPr lang="en-US"/>
           </a:p>
@@ -11445,7 +11905,7 @@
           <a:p>
             <a:fld id="{30FC925E-8D2B-459A-9C4F-722B9A87B07B}" type="datetimeFigureOut">
               <a:rPr lang="en-US" smtClean="0"/>
-              <a:t>10/9/2018</a:t>
+              <a:t>10/10/2018</a:t>
             </a:fld>
             <a:endParaRPr lang="en-US"/>
           </a:p>
@@ -11540,7 +12000,7 @@
           <a:p>
             <a:fld id="{30FC925E-8D2B-459A-9C4F-722B9A87B07B}" type="datetimeFigureOut">
               <a:rPr lang="en-US" smtClean="0"/>
-              <a:t>10/9/2018</a:t>
+              <a:t>10/10/2018</a:t>
             </a:fld>
             <a:endParaRPr lang="en-US"/>
           </a:p>
@@ -11795,7 +12255,7 @@
           <a:p>
             <a:fld id="{30FC925E-8D2B-459A-9C4F-722B9A87B07B}" type="datetimeFigureOut">
               <a:rPr lang="en-US" smtClean="0"/>
-              <a:t>10/9/2018</a:t>
+              <a:t>10/10/2018</a:t>
             </a:fld>
             <a:endParaRPr lang="en-US"/>
           </a:p>
@@ -12058,7 +12518,7 @@
           <a:p>
             <a:fld id="{30FC925E-8D2B-459A-9C4F-722B9A87B07B}" type="datetimeFigureOut">
               <a:rPr lang="en-US" smtClean="0"/>
-              <a:t>10/9/2018</a:t>
+              <a:t>10/10/2018</a:t>
             </a:fld>
             <a:endParaRPr lang="en-US"/>
           </a:p>
@@ -12801,7 +13261,7 @@
           <a:p>
             <a:fld id="{30FC925E-8D2B-459A-9C4F-722B9A87B07B}" type="datetimeFigureOut">
               <a:rPr lang="en-US" smtClean="0"/>
-              <a:t>10/9/2018</a:t>
+              <a:t>10/10/2018</a:t>
             </a:fld>
             <a:endParaRPr lang="en-US"/>
           </a:p>
@@ -13452,7 +13912,7 @@
           <p:cNvPr id="2" name="Title 1">
             <a:extLst>
               <a:ext uri="{FF2B5EF4-FFF2-40B4-BE49-F238E27FC236}">
-                <a16:creationId xmlns:a16="http://schemas.microsoft.com/office/drawing/2014/main" id="{D64FCD35-E5E3-453B-A6BC-841D664E73DB}"/>
+                <a16:creationId xmlns:a16="http://schemas.microsoft.com/office/drawing/2014/main" id="{8058F766-D0DC-4867-8123-D66AF24A8E94}"/>
               </a:ext>
             </a:extLst>
           </p:cNvPr>
@@ -13470,61 +13930,56 @@
           <a:p>
             <a:r>
               <a:rPr lang="en-US" dirty="0"/>
-              <a:t>Comparing Atlanta, Philadelphia, Boston / Georgia, Michigan, North Carolina</a:t>
+              <a:t>Asthma Prevalence by State</a:t>
             </a:r>
           </a:p>
         </p:txBody>
       </p:sp>
-      <p:sp>
-        <p:nvSpPr>
-          <p:cNvPr id="3" name="Content Placeholder 2">
+      <p:pic>
+        <p:nvPicPr>
+          <p:cNvPr id="7" name="Content Placeholder 6" descr="A picture containing text, map&#10;&#10;Description generated with very high confidence">
             <a:extLst>
               <a:ext uri="{FF2B5EF4-FFF2-40B4-BE49-F238E27FC236}">
-                <a16:creationId xmlns:a16="http://schemas.microsoft.com/office/drawing/2014/main" id="{CBF7B3C2-A608-4FB9-8201-126B412610C2}"/>
+                <a16:creationId xmlns:a16="http://schemas.microsoft.com/office/drawing/2014/main" id="{13938ABB-9B36-4A13-A0AE-3A1C9544FDA1}"/>
               </a:ext>
             </a:extLst>
           </p:cNvPr>
-          <p:cNvSpPr>
-            <a:spLocks noGrp="1"/>
-          </p:cNvSpPr>
+          <p:cNvPicPr>
+            <a:picLocks noGrp="1" noChangeAspect="1"/>
+          </p:cNvPicPr>
           <p:nvPr>
             <p:ph idx="1"/>
           </p:nvPr>
-        </p:nvSpPr>
-        <p:spPr/>
-        <p:txBody>
-          <a:bodyPr/>
-          <a:lstStyle/>
-          <a:p>
-            <a:r>
-              <a:rPr lang="en-US" dirty="0"/>
-              <a:t>Population</a:t>
-            </a:r>
-          </a:p>
-          <a:p>
-            <a:r>
-              <a:rPr lang="en-US" dirty="0"/>
-              <a:t>Asthma prevalence over time</a:t>
-            </a:r>
-          </a:p>
-          <a:p>
-            <a:r>
-              <a:rPr lang="en-US" dirty="0"/>
-              <a:t>Air Quality over time</a:t>
-            </a:r>
-          </a:p>
-          <a:p>
-            <a:r>
-              <a:rPr lang="en-US" dirty="0"/>
-              <a:t>Notable trends</a:t>
-            </a:r>
-          </a:p>
-        </p:txBody>
-      </p:sp>
+        </p:nvPicPr>
+        <p:blipFill rotWithShape="1">
+          <a:blip r:embed="rId3">
+            <a:extLst>
+              <a:ext uri="{28A0092B-C50C-407E-A947-70E740481C1C}">
+                <a14:useLocalDpi xmlns:a14="http://schemas.microsoft.com/office/drawing/2010/main" val="0"/>
+              </a:ext>
+            </a:extLst>
+          </a:blip>
+          <a:srcRect l="10729" r="21068"/>
+          <a:stretch/>
+        </p:blipFill>
+        <p:spPr>
+          <a:xfrm>
+            <a:off x="622562" y="1527281"/>
+            <a:ext cx="8431306" cy="4831896"/>
+          </a:xfrm>
+          <a:effectLst>
+            <a:outerShdw blurRad="50800" dist="38100" dir="5400000" algn="t" rotWithShape="0">
+              <a:prstClr val="black">
+                <a:alpha val="40000"/>
+              </a:prstClr>
+            </a:outerShdw>
+          </a:effectLst>
+        </p:spPr>
+      </p:pic>
     </p:spTree>
     <p:extLst>
       <p:ext uri="{BB962C8B-B14F-4D97-AF65-F5344CB8AC3E}">
-        <p14:creationId xmlns:p14="http://schemas.microsoft.com/office/powerpoint/2010/main" val="3201549102"/>
+        <p14:creationId xmlns:p14="http://schemas.microsoft.com/office/powerpoint/2010/main" val="1810008845"/>
       </p:ext>
     </p:extLst>
   </p:cSld>
@@ -15477,6 +15932,14 @@
 <file path=ppt/slides/slide4.xml><?xml version="1.0" encoding="utf-8"?>
 <p:sld xmlns:a="http://schemas.openxmlformats.org/drawingml/2006/main" xmlns:r="http://schemas.openxmlformats.org/officeDocument/2006/relationships" xmlns:p="http://schemas.openxmlformats.org/presentationml/2006/main">
   <p:cSld>
+    <p:bg>
+      <p:bgPr>
+        <a:solidFill>
+          <a:schemeClr val="bg1"/>
+        </a:solidFill>
+        <a:effectLst/>
+      </p:bgPr>
+    </p:bg>
     <p:spTree>
       <p:nvGrpSpPr>
         <p:cNvPr id="1" name=""/>
@@ -15507,6 +15970,622 @@
             <p:ph type="title"/>
           </p:nvPr>
         </p:nvSpPr>
+        <p:spPr>
+          <a:xfrm>
+            <a:off x="542274" y="99650"/>
+            <a:ext cx="8709301" cy="1320800"/>
+          </a:xfrm>
+        </p:spPr>
+        <p:txBody>
+          <a:bodyPr anchor="ctr">
+            <a:normAutofit/>
+          </a:bodyPr>
+          <a:lstStyle/>
+          <a:p>
+            <a:r>
+              <a:rPr lang="en-US" dirty="0"/>
+              <a:t>Georgia | By County (2017)</a:t>
+            </a:r>
+          </a:p>
+        </p:txBody>
+      </p:sp>
+      <p:pic>
+        <p:nvPicPr>
+          <p:cNvPr id="5" name="Picture 4">
+            <a:extLst>
+              <a:ext uri="{FF2B5EF4-FFF2-40B4-BE49-F238E27FC236}">
+                <a16:creationId xmlns:a16="http://schemas.microsoft.com/office/drawing/2014/main" id="{CED1AF48-91C2-481F-B24E-14D3D9733BF8}"/>
+              </a:ext>
+            </a:extLst>
+          </p:cNvPr>
+          <p:cNvPicPr>
+            <a:picLocks noChangeAspect="1"/>
+          </p:cNvPicPr>
+          <p:nvPr/>
+        </p:nvPicPr>
+        <p:blipFill rotWithShape="1">
+          <a:blip r:embed="rId3">
+            <a:extLst>
+              <a:ext uri="{28A0092B-C50C-407E-A947-70E740481C1C}">
+                <a14:useLocalDpi xmlns:a14="http://schemas.microsoft.com/office/drawing/2010/main" val="0"/>
+              </a:ext>
+            </a:extLst>
+          </a:blip>
+          <a:srcRect l="36479" t="12964" r="31702"/>
+          <a:stretch/>
+        </p:blipFill>
+        <p:spPr>
+          <a:xfrm>
+            <a:off x="542275" y="1513544"/>
+            <a:ext cx="4853436" cy="5177572"/>
+          </a:xfrm>
+          <a:prstGeom prst="rect">
+            <a:avLst/>
+          </a:prstGeom>
+          <a:effectLst>
+            <a:outerShdw blurRad="50800" dist="38100" dir="5400000" algn="t" rotWithShape="0">
+              <a:prstClr val="black">
+                <a:alpha val="40000"/>
+              </a:prstClr>
+            </a:outerShdw>
+          </a:effectLst>
+        </p:spPr>
+      </p:pic>
+      <p:pic>
+        <p:nvPicPr>
+          <p:cNvPr id="11" name="Content Placeholder 10">
+            <a:extLst>
+              <a:ext uri="{FF2B5EF4-FFF2-40B4-BE49-F238E27FC236}">
+                <a16:creationId xmlns:a16="http://schemas.microsoft.com/office/drawing/2014/main" id="{9E44D04A-2E16-466D-B8B1-8892031C3205}"/>
+              </a:ext>
+            </a:extLst>
+          </p:cNvPr>
+          <p:cNvPicPr>
+            <a:picLocks noGrp="1" noChangeAspect="1"/>
+          </p:cNvPicPr>
+          <p:nvPr>
+            <p:ph idx="1"/>
+          </p:nvPr>
+        </p:nvPicPr>
+        <p:blipFill>
+          <a:blip r:embed="rId4"/>
+          <a:stretch>
+            <a:fillRect/>
+          </a:stretch>
+        </p:blipFill>
+        <p:spPr>
+          <a:xfrm>
+            <a:off x="5535230" y="1809378"/>
+            <a:ext cx="6511382" cy="4093880"/>
+          </a:xfrm>
+          <a:prstGeom prst="rect">
+            <a:avLst/>
+          </a:prstGeom>
+          <a:effectLst>
+            <a:outerShdw blurRad="50800" dist="38100" dir="5400000" algn="t" rotWithShape="0">
+              <a:prstClr val="black">
+                <a:alpha val="40000"/>
+              </a:prstClr>
+            </a:outerShdw>
+          </a:effectLst>
+        </p:spPr>
+      </p:pic>
+    </p:spTree>
+    <p:extLst>
+      <p:ext uri="{BB962C8B-B14F-4D97-AF65-F5344CB8AC3E}">
+        <p14:creationId xmlns:p14="http://schemas.microsoft.com/office/powerpoint/2010/main" val="481949155"/>
+      </p:ext>
+    </p:extLst>
+  </p:cSld>
+  <p:clrMapOvr>
+    <a:masterClrMapping/>
+  </p:clrMapOvr>
+</p:sld>
+</file>
+
+<file path=ppt/slides/slide5.xml><?xml version="1.0" encoding="utf-8"?>
+<p:sld xmlns:a="http://schemas.openxmlformats.org/drawingml/2006/main" xmlns:r="http://schemas.openxmlformats.org/officeDocument/2006/relationships" xmlns:p="http://schemas.openxmlformats.org/presentationml/2006/main">
+  <p:cSld>
+    <p:spTree>
+      <p:nvGrpSpPr>
+        <p:cNvPr id="1" name=""/>
+        <p:cNvGrpSpPr/>
+        <p:nvPr/>
+      </p:nvGrpSpPr>
+      <p:grpSpPr>
+        <a:xfrm>
+          <a:off x="0" y="0"/>
+          <a:ext cx="0" cy="0"/>
+          <a:chOff x="0" y="0"/>
+          <a:chExt cx="0" cy="0"/>
+        </a:xfrm>
+      </p:grpSpPr>
+      <p:sp>
+        <p:nvSpPr>
+          <p:cNvPr id="2" name="Title 1">
+            <a:extLst>
+              <a:ext uri="{FF2B5EF4-FFF2-40B4-BE49-F238E27FC236}">
+                <a16:creationId xmlns:a16="http://schemas.microsoft.com/office/drawing/2014/main" id="{9BD4F8C7-407A-4AE6-B6DC-A9F0404240BE}"/>
+              </a:ext>
+            </a:extLst>
+          </p:cNvPr>
+          <p:cNvSpPr>
+            <a:spLocks noGrp="1"/>
+          </p:cNvSpPr>
+          <p:nvPr>
+            <p:ph type="title"/>
+          </p:nvPr>
+        </p:nvSpPr>
+        <p:spPr>
+          <a:xfrm>
+            <a:off x="677334" y="52870"/>
+            <a:ext cx="8596668" cy="737834"/>
+          </a:xfrm>
+        </p:spPr>
+        <p:txBody>
+          <a:bodyPr/>
+          <a:lstStyle/>
+          <a:p>
+            <a:r>
+              <a:rPr lang="en-US" dirty="0"/>
+              <a:t>Georgia | By County</a:t>
+            </a:r>
+          </a:p>
+        </p:txBody>
+      </p:sp>
+      <p:pic>
+        <p:nvPicPr>
+          <p:cNvPr id="5" name="Picture 4" descr="A screenshot of a cell phone&#10;&#10;Description generated with very high confidence">
+            <a:extLst>
+              <a:ext uri="{FF2B5EF4-FFF2-40B4-BE49-F238E27FC236}">
+                <a16:creationId xmlns:a16="http://schemas.microsoft.com/office/drawing/2014/main" id="{C1519CE2-C32B-47D2-A740-63B447D06607}"/>
+              </a:ext>
+            </a:extLst>
+          </p:cNvPr>
+          <p:cNvPicPr>
+            <a:picLocks noChangeAspect="1"/>
+          </p:cNvPicPr>
+          <p:nvPr/>
+        </p:nvPicPr>
+        <p:blipFill>
+          <a:blip r:embed="rId3">
+            <a:extLst>
+              <a:ext uri="{28A0092B-C50C-407E-A947-70E740481C1C}">
+                <a14:useLocalDpi xmlns:a14="http://schemas.microsoft.com/office/drawing/2010/main" val="0"/>
+              </a:ext>
+            </a:extLst>
+          </a:blip>
+          <a:stretch>
+            <a:fillRect/>
+          </a:stretch>
+        </p:blipFill>
+        <p:spPr>
+          <a:xfrm>
+            <a:off x="257173" y="879974"/>
+            <a:ext cx="4415743" cy="2943828"/>
+          </a:xfrm>
+          <a:prstGeom prst="rect">
+            <a:avLst/>
+          </a:prstGeom>
+          <a:effectLst>
+            <a:outerShdw blurRad="50800" dist="38100" dir="5400000" algn="t" rotWithShape="0">
+              <a:prstClr val="black">
+                <a:alpha val="40000"/>
+              </a:prstClr>
+            </a:outerShdw>
+          </a:effectLst>
+        </p:spPr>
+      </p:pic>
+      <p:pic>
+        <p:nvPicPr>
+          <p:cNvPr id="7" name="Picture 6" descr="A screenshot of a cell phone&#10;&#10;Description generated with high confidence">
+            <a:extLst>
+              <a:ext uri="{FF2B5EF4-FFF2-40B4-BE49-F238E27FC236}">
+                <a16:creationId xmlns:a16="http://schemas.microsoft.com/office/drawing/2014/main" id="{D1CE828D-9B6E-4A98-BA57-9637FCEDD209}"/>
+              </a:ext>
+            </a:extLst>
+          </p:cNvPr>
+          <p:cNvPicPr>
+            <a:picLocks noChangeAspect="1"/>
+          </p:cNvPicPr>
+          <p:nvPr/>
+        </p:nvPicPr>
+        <p:blipFill>
+          <a:blip r:embed="rId4">
+            <a:extLst>
+              <a:ext uri="{28A0092B-C50C-407E-A947-70E740481C1C}">
+                <a14:useLocalDpi xmlns:a14="http://schemas.microsoft.com/office/drawing/2010/main" val="0"/>
+              </a:ext>
+            </a:extLst>
+          </a:blip>
+          <a:stretch>
+            <a:fillRect/>
+          </a:stretch>
+        </p:blipFill>
+        <p:spPr>
+          <a:xfrm>
+            <a:off x="6887424" y="3868436"/>
+            <a:ext cx="4415743" cy="2943828"/>
+          </a:xfrm>
+          <a:prstGeom prst="rect">
+            <a:avLst/>
+          </a:prstGeom>
+          <a:effectLst>
+            <a:outerShdw blurRad="50800" dist="38100" dir="5400000" algn="t" rotWithShape="0">
+              <a:prstClr val="black">
+                <a:alpha val="40000"/>
+              </a:prstClr>
+            </a:outerShdw>
+          </a:effectLst>
+        </p:spPr>
+      </p:pic>
+      <p:pic>
+        <p:nvPicPr>
+          <p:cNvPr id="9" name="Picture 8" descr="A close up of text on a white background&#10;&#10;Description generated with high confidence">
+            <a:extLst>
+              <a:ext uri="{FF2B5EF4-FFF2-40B4-BE49-F238E27FC236}">
+                <a16:creationId xmlns:a16="http://schemas.microsoft.com/office/drawing/2014/main" id="{F41DA199-2DE0-44EF-808E-92F660623BDB}"/>
+              </a:ext>
+            </a:extLst>
+          </p:cNvPr>
+          <p:cNvPicPr>
+            <a:picLocks noChangeAspect="1"/>
+          </p:cNvPicPr>
+          <p:nvPr/>
+        </p:nvPicPr>
+        <p:blipFill>
+          <a:blip r:embed="rId5">
+            <a:extLst>
+              <a:ext uri="{28A0092B-C50C-407E-A947-70E740481C1C}">
+                <a14:useLocalDpi xmlns:a14="http://schemas.microsoft.com/office/drawing/2010/main" val="0"/>
+              </a:ext>
+            </a:extLst>
+          </a:blip>
+          <a:stretch>
+            <a:fillRect/>
+          </a:stretch>
+        </p:blipFill>
+        <p:spPr>
+          <a:xfrm>
+            <a:off x="1989765" y="3868436"/>
+            <a:ext cx="4415743" cy="2943828"/>
+          </a:xfrm>
+          <a:prstGeom prst="rect">
+            <a:avLst/>
+          </a:prstGeom>
+          <a:effectLst>
+            <a:outerShdw blurRad="50800" dist="38100" dir="5400000" algn="t" rotWithShape="0">
+              <a:prstClr val="black">
+                <a:alpha val="40000"/>
+              </a:prstClr>
+            </a:outerShdw>
+          </a:effectLst>
+        </p:spPr>
+      </p:pic>
+      <p:pic>
+        <p:nvPicPr>
+          <p:cNvPr id="11" name="Picture 10" descr="A screenshot of a cell phone&#10;&#10;Description generated with very high confidence">
+            <a:extLst>
+              <a:ext uri="{FF2B5EF4-FFF2-40B4-BE49-F238E27FC236}">
+                <a16:creationId xmlns:a16="http://schemas.microsoft.com/office/drawing/2014/main" id="{8E6C98DD-A0FB-4150-8534-DBA5ECE56B5F}"/>
+              </a:ext>
+            </a:extLst>
+          </p:cNvPr>
+          <p:cNvPicPr>
+            <a:picLocks noChangeAspect="1"/>
+          </p:cNvPicPr>
+          <p:nvPr/>
+        </p:nvPicPr>
+        <p:blipFill>
+          <a:blip r:embed="rId6">
+            <a:extLst>
+              <a:ext uri="{28A0092B-C50C-407E-A947-70E740481C1C}">
+                <a14:useLocalDpi xmlns:a14="http://schemas.microsoft.com/office/drawing/2010/main" val="0"/>
+              </a:ext>
+            </a:extLst>
+          </a:blip>
+          <a:stretch>
+            <a:fillRect/>
+          </a:stretch>
+        </p:blipFill>
+        <p:spPr>
+          <a:xfrm>
+            <a:off x="5154832" y="857656"/>
+            <a:ext cx="4415743" cy="2943828"/>
+          </a:xfrm>
+          <a:prstGeom prst="rect">
+            <a:avLst/>
+          </a:prstGeom>
+          <a:effectLst>
+            <a:outerShdw blurRad="50800" dist="38100" dir="5400000" algn="t" rotWithShape="0">
+              <a:prstClr val="black">
+                <a:alpha val="40000"/>
+              </a:prstClr>
+            </a:outerShdw>
+          </a:effectLst>
+        </p:spPr>
+      </p:pic>
+    </p:spTree>
+    <p:extLst>
+      <p:ext uri="{BB962C8B-B14F-4D97-AF65-F5344CB8AC3E}">
+        <p14:creationId xmlns:p14="http://schemas.microsoft.com/office/powerpoint/2010/main" val="4003649483"/>
+      </p:ext>
+    </p:extLst>
+  </p:cSld>
+  <p:clrMapOvr>
+    <a:masterClrMapping/>
+  </p:clrMapOvr>
+</p:sld>
+</file>
+
+<file path=ppt/slides/slide6.xml><?xml version="1.0" encoding="utf-8"?>
+<p:sld xmlns:a="http://schemas.openxmlformats.org/drawingml/2006/main" xmlns:r="http://schemas.openxmlformats.org/officeDocument/2006/relationships" xmlns:p="http://schemas.openxmlformats.org/presentationml/2006/main">
+  <p:cSld>
+    <p:spTree>
+      <p:nvGrpSpPr>
+        <p:cNvPr id="1" name=""/>
+        <p:cNvGrpSpPr/>
+        <p:nvPr/>
+      </p:nvGrpSpPr>
+      <p:grpSpPr>
+        <a:xfrm>
+          <a:off x="0" y="0"/>
+          <a:ext cx="0" cy="0"/>
+          <a:chOff x="0" y="0"/>
+          <a:chExt cx="0" cy="0"/>
+        </a:xfrm>
+      </p:grpSpPr>
+      <p:sp>
+        <p:nvSpPr>
+          <p:cNvPr id="2" name="Title 1">
+            <a:extLst>
+              <a:ext uri="{FF2B5EF4-FFF2-40B4-BE49-F238E27FC236}">
+                <a16:creationId xmlns:a16="http://schemas.microsoft.com/office/drawing/2014/main" id="{C4668C95-4E1C-4B5A-BBBA-402A1624D67E}"/>
+              </a:ext>
+            </a:extLst>
+          </p:cNvPr>
+          <p:cNvSpPr>
+            <a:spLocks noGrp="1"/>
+          </p:cNvSpPr>
+          <p:nvPr>
+            <p:ph type="title"/>
+          </p:nvPr>
+        </p:nvSpPr>
+        <p:spPr>
+          <a:xfrm>
+            <a:off x="677334" y="127870"/>
+            <a:ext cx="8596668" cy="710647"/>
+          </a:xfrm>
+        </p:spPr>
+        <p:txBody>
+          <a:bodyPr/>
+          <a:lstStyle/>
+          <a:p>
+            <a:r>
+              <a:rPr lang="en-US" dirty="0"/>
+              <a:t>Georgia | By County</a:t>
+            </a:r>
+          </a:p>
+        </p:txBody>
+      </p:sp>
+      <p:pic>
+        <p:nvPicPr>
+          <p:cNvPr id="27" name="Picture 26" descr="A screenshot of a cell phone&#10;&#10;Description generated with high confidence">
+            <a:extLst>
+              <a:ext uri="{FF2B5EF4-FFF2-40B4-BE49-F238E27FC236}">
+                <a16:creationId xmlns:a16="http://schemas.microsoft.com/office/drawing/2014/main" id="{8BBB9348-0F12-42BC-B8FE-539A08259658}"/>
+              </a:ext>
+            </a:extLst>
+          </p:cNvPr>
+          <p:cNvPicPr>
+            <a:picLocks noChangeAspect="1"/>
+          </p:cNvPicPr>
+          <p:nvPr/>
+        </p:nvPicPr>
+        <p:blipFill>
+          <a:blip r:embed="rId2">
+            <a:extLst>
+              <a:ext uri="{28A0092B-C50C-407E-A947-70E740481C1C}">
+                <a14:useLocalDpi xmlns:a14="http://schemas.microsoft.com/office/drawing/2010/main" val="0"/>
+              </a:ext>
+            </a:extLst>
+          </a:blip>
+          <a:stretch>
+            <a:fillRect/>
+          </a:stretch>
+        </p:blipFill>
+        <p:spPr>
+          <a:xfrm>
+            <a:off x="356585" y="838517"/>
+            <a:ext cx="4415743" cy="2943828"/>
+          </a:xfrm>
+          <a:prstGeom prst="rect">
+            <a:avLst/>
+          </a:prstGeom>
+          <a:effectLst>
+            <a:outerShdw blurRad="50800" dist="38100" dir="5400000" algn="t" rotWithShape="0">
+              <a:prstClr val="black">
+                <a:alpha val="40000"/>
+              </a:prstClr>
+            </a:outerShdw>
+          </a:effectLst>
+        </p:spPr>
+      </p:pic>
+      <p:pic>
+        <p:nvPicPr>
+          <p:cNvPr id="28" name="Picture 27" descr="A screenshot of a cell phone&#10;&#10;Description generated with high confidence">
+            <a:extLst>
+              <a:ext uri="{FF2B5EF4-FFF2-40B4-BE49-F238E27FC236}">
+                <a16:creationId xmlns:a16="http://schemas.microsoft.com/office/drawing/2014/main" id="{B02EECAC-D411-4B86-893F-98DC8782001B}"/>
+              </a:ext>
+            </a:extLst>
+          </p:cNvPr>
+          <p:cNvPicPr>
+            <a:picLocks noChangeAspect="1"/>
+          </p:cNvPicPr>
+          <p:nvPr/>
+        </p:nvPicPr>
+        <p:blipFill>
+          <a:blip r:embed="rId3">
+            <a:extLst>
+              <a:ext uri="{28A0092B-C50C-407E-A947-70E740481C1C}">
+                <a14:useLocalDpi xmlns:a14="http://schemas.microsoft.com/office/drawing/2010/main" val="0"/>
+              </a:ext>
+            </a:extLst>
+          </a:blip>
+          <a:stretch>
+            <a:fillRect/>
+          </a:stretch>
+        </p:blipFill>
+        <p:spPr>
+          <a:xfrm>
+            <a:off x="5211802" y="838517"/>
+            <a:ext cx="4415743" cy="2943828"/>
+          </a:xfrm>
+          <a:prstGeom prst="rect">
+            <a:avLst/>
+          </a:prstGeom>
+          <a:effectLst>
+            <a:outerShdw blurRad="50800" dist="38100" dir="5400000" algn="t" rotWithShape="0">
+              <a:prstClr val="black">
+                <a:alpha val="40000"/>
+              </a:prstClr>
+            </a:outerShdw>
+          </a:effectLst>
+        </p:spPr>
+      </p:pic>
+      <p:pic>
+        <p:nvPicPr>
+          <p:cNvPr id="29" name="Picture 28" descr="A screenshot of a cell phone&#10;&#10;Description generated with high confidence">
+            <a:extLst>
+              <a:ext uri="{FF2B5EF4-FFF2-40B4-BE49-F238E27FC236}">
+                <a16:creationId xmlns:a16="http://schemas.microsoft.com/office/drawing/2014/main" id="{355DB675-DB81-4829-B960-8AFAAD20135C}"/>
+              </a:ext>
+            </a:extLst>
+          </p:cNvPr>
+          <p:cNvPicPr>
+            <a:picLocks noChangeAspect="1"/>
+          </p:cNvPicPr>
+          <p:nvPr/>
+        </p:nvPicPr>
+        <p:blipFill>
+          <a:blip r:embed="rId4">
+            <a:extLst>
+              <a:ext uri="{28A0092B-C50C-407E-A947-70E740481C1C}">
+                <a14:useLocalDpi xmlns:a14="http://schemas.microsoft.com/office/drawing/2010/main" val="0"/>
+              </a:ext>
+            </a:extLst>
+          </a:blip>
+          <a:stretch>
+            <a:fillRect/>
+          </a:stretch>
+        </p:blipFill>
+        <p:spPr>
+          <a:xfrm>
+            <a:off x="1680257" y="3875505"/>
+            <a:ext cx="4415743" cy="2943828"/>
+          </a:xfrm>
+          <a:prstGeom prst="rect">
+            <a:avLst/>
+          </a:prstGeom>
+          <a:effectLst>
+            <a:outerShdw blurRad="50800" dist="38100" dir="5400000" algn="t" rotWithShape="0">
+              <a:prstClr val="black">
+                <a:alpha val="40000"/>
+              </a:prstClr>
+            </a:outerShdw>
+          </a:effectLst>
+        </p:spPr>
+      </p:pic>
+      <p:pic>
+        <p:nvPicPr>
+          <p:cNvPr id="30" name="Picture 29" descr="A screenshot of a cell phone&#10;&#10;Description generated with very high confidence">
+            <a:extLst>
+              <a:ext uri="{FF2B5EF4-FFF2-40B4-BE49-F238E27FC236}">
+                <a16:creationId xmlns:a16="http://schemas.microsoft.com/office/drawing/2014/main" id="{808DE010-C951-4694-B551-7C0D2921673C}"/>
+              </a:ext>
+            </a:extLst>
+          </p:cNvPr>
+          <p:cNvPicPr>
+            <a:picLocks noChangeAspect="1"/>
+          </p:cNvPicPr>
+          <p:nvPr/>
+        </p:nvPicPr>
+        <p:blipFill>
+          <a:blip r:embed="rId5">
+            <a:extLst>
+              <a:ext uri="{28A0092B-C50C-407E-A947-70E740481C1C}">
+                <a14:useLocalDpi xmlns:a14="http://schemas.microsoft.com/office/drawing/2010/main" val="0"/>
+              </a:ext>
+            </a:extLst>
+          </a:blip>
+          <a:stretch>
+            <a:fillRect/>
+          </a:stretch>
+        </p:blipFill>
+        <p:spPr>
+          <a:xfrm>
+            <a:off x="6535474" y="3866984"/>
+            <a:ext cx="4415743" cy="2943828"/>
+          </a:xfrm>
+          <a:prstGeom prst="rect">
+            <a:avLst/>
+          </a:prstGeom>
+          <a:effectLst>
+            <a:outerShdw blurRad="50800" dist="38100" dir="5400000" algn="t" rotWithShape="0">
+              <a:prstClr val="black">
+                <a:alpha val="40000"/>
+              </a:prstClr>
+            </a:outerShdw>
+          </a:effectLst>
+        </p:spPr>
+      </p:pic>
+    </p:spTree>
+    <p:extLst>
+      <p:ext uri="{BB962C8B-B14F-4D97-AF65-F5344CB8AC3E}">
+        <p14:creationId xmlns:p14="http://schemas.microsoft.com/office/powerpoint/2010/main" val="3575713820"/>
+      </p:ext>
+    </p:extLst>
+  </p:cSld>
+  <p:clrMapOvr>
+    <a:masterClrMapping/>
+  </p:clrMapOvr>
+</p:sld>
+</file>
+
+<file path=ppt/slides/slide7.xml><?xml version="1.0" encoding="utf-8"?>
+<p:sld xmlns:a="http://schemas.openxmlformats.org/drawingml/2006/main" xmlns:r="http://schemas.openxmlformats.org/officeDocument/2006/relationships" xmlns:p="http://schemas.openxmlformats.org/presentationml/2006/main">
+  <p:cSld>
+    <p:spTree>
+      <p:nvGrpSpPr>
+        <p:cNvPr id="1" name=""/>
+        <p:cNvGrpSpPr/>
+        <p:nvPr/>
+      </p:nvGrpSpPr>
+      <p:grpSpPr>
+        <a:xfrm>
+          <a:off x="0" y="0"/>
+          <a:ext cx="0" cy="0"/>
+          <a:chOff x="0" y="0"/>
+          <a:chExt cx="0" cy="0"/>
+        </a:xfrm>
+      </p:grpSpPr>
+      <p:sp>
+        <p:nvSpPr>
+          <p:cNvPr id="2" name="Title 1">
+            <a:extLst>
+              <a:ext uri="{FF2B5EF4-FFF2-40B4-BE49-F238E27FC236}">
+                <a16:creationId xmlns:a16="http://schemas.microsoft.com/office/drawing/2014/main" id="{D1BD4BB5-C1E0-425C-B996-A0B9E1FDE338}"/>
+              </a:ext>
+            </a:extLst>
+          </p:cNvPr>
+          <p:cNvSpPr>
+            <a:spLocks noGrp="1"/>
+          </p:cNvSpPr>
+          <p:nvPr>
+            <p:ph type="title"/>
+          </p:nvPr>
+        </p:nvSpPr>
         <p:spPr/>
         <p:txBody>
           <a:bodyPr/>
@@ -15514,7 +16593,7 @@
           <a:p>
             <a:r>
               <a:rPr lang="en-US" dirty="0"/>
-              <a:t>Georgia | By County</a:t>
+              <a:t>A Closer Look at Childhood Asthma</a:t>
             </a:r>
           </a:p>
         </p:txBody>
@@ -15524,7 +16603,7 @@
           <p:cNvPr id="3" name="Content Placeholder 2">
             <a:extLst>
               <a:ext uri="{FF2B5EF4-FFF2-40B4-BE49-F238E27FC236}">
-                <a16:creationId xmlns:a16="http://schemas.microsoft.com/office/drawing/2014/main" id="{5619D5E5-7BC9-4D48-930F-6A3517426B30}"/>
+                <a16:creationId xmlns:a16="http://schemas.microsoft.com/office/drawing/2014/main" id="{46260BEB-C295-4B76-8172-77A79F5F80EB}"/>
               </a:ext>
             </a:extLst>
           </p:cNvPr>
@@ -15540,35 +16619,14 @@
           <a:bodyPr/>
           <a:lstStyle/>
           <a:p>
-            <a:r>
-              <a:rPr lang="en-US" dirty="0"/>
-              <a:t>% of GA counties where air quality does not meet national standards by year</a:t>
-            </a:r>
-          </a:p>
-          <a:p>
-            <a:r>
-              <a:rPr lang="en-US" dirty="0" err="1"/>
-              <a:t>Gmap</a:t>
-            </a:r>
-            <a:r>
-              <a:rPr lang="en-US" dirty="0"/>
-              <a:t> of counties using zip </a:t>
-            </a:r>
-            <a:r>
-              <a:rPr lang="en-US"/>
-              <a:t>code csv</a:t>
-            </a:r>
-            <a:endParaRPr lang="en-US" dirty="0"/>
-          </a:p>
-          <a:p>
-            <a:endParaRPr lang="en-US" dirty="0"/>
+            <a:endParaRPr lang="en-US"/>
           </a:p>
         </p:txBody>
       </p:sp>
     </p:spTree>
     <p:extLst>
       <p:ext uri="{BB962C8B-B14F-4D97-AF65-F5344CB8AC3E}">
-        <p14:creationId xmlns:p14="http://schemas.microsoft.com/office/powerpoint/2010/main" val="481949155"/>
+        <p14:creationId xmlns:p14="http://schemas.microsoft.com/office/powerpoint/2010/main" val="3258836976"/>
       </p:ext>
     </p:extLst>
   </p:cSld>
@@ -15578,7 +16636,7 @@
 </p:sld>
 </file>
 
-<file path=ppt/slides/slide5.xml><?xml version="1.0" encoding="utf-8"?>
+<file path=ppt/slides/slide8.xml><?xml version="1.0" encoding="utf-8"?>
 <p:sld xmlns:a="http://schemas.openxmlformats.org/drawingml/2006/main" xmlns:r="http://schemas.openxmlformats.org/officeDocument/2006/relationships" xmlns:p="http://schemas.openxmlformats.org/presentationml/2006/main">
   <p:cSld>
     <p:spTree>
@@ -15618,7 +16676,7 @@
           <a:p>
             <a:r>
               <a:rPr lang="en-US" dirty="0"/>
-              <a:t>Georgia | By County</a:t>
+              <a:t>Georgia | By County Type</a:t>
             </a:r>
           </a:p>
         </p:txBody>
@@ -15646,11 +16704,8 @@
           <a:p>
             <a:r>
               <a:rPr lang="en-US" dirty="0"/>
-              <a:t>Trends of each pollutant score over time</a:t>
+              <a:t>Add images that are most insightful</a:t>
             </a:r>
-          </a:p>
-          <a:p>
-            <a:endParaRPr lang="en-US" dirty="0"/>
           </a:p>
         </p:txBody>
       </p:sp>
@@ -15658,273 +16713,6 @@
     <p:extLst>
       <p:ext uri="{BB962C8B-B14F-4D97-AF65-F5344CB8AC3E}">
         <p14:creationId xmlns:p14="http://schemas.microsoft.com/office/powerpoint/2010/main" val="2674477844"/>
-      </p:ext>
-    </p:extLst>
-  </p:cSld>
-  <p:clrMapOvr>
-    <a:masterClrMapping/>
-  </p:clrMapOvr>
-</p:sld>
-</file>
-
-<file path=ppt/slides/slide6.xml><?xml version="1.0" encoding="utf-8"?>
-<p:sld xmlns:a="http://schemas.openxmlformats.org/drawingml/2006/main" xmlns:r="http://schemas.openxmlformats.org/officeDocument/2006/relationships" xmlns:p="http://schemas.openxmlformats.org/presentationml/2006/main">
-  <p:cSld>
-    <p:spTree>
-      <p:nvGrpSpPr>
-        <p:cNvPr id="1" name=""/>
-        <p:cNvGrpSpPr/>
-        <p:nvPr/>
-      </p:nvGrpSpPr>
-      <p:grpSpPr>
-        <a:xfrm>
-          <a:off x="0" y="0"/>
-          <a:ext cx="0" cy="0"/>
-          <a:chOff x="0" y="0"/>
-          <a:chExt cx="0" cy="0"/>
-        </a:xfrm>
-      </p:grpSpPr>
-      <p:sp>
-        <p:nvSpPr>
-          <p:cNvPr id="2" name="Title 1">
-            <a:extLst>
-              <a:ext uri="{FF2B5EF4-FFF2-40B4-BE49-F238E27FC236}">
-                <a16:creationId xmlns:a16="http://schemas.microsoft.com/office/drawing/2014/main" id="{B84580F3-1E5E-44BB-AFFE-ED71D161B95A}"/>
-              </a:ext>
-            </a:extLst>
-          </p:cNvPr>
-          <p:cNvSpPr>
-            <a:spLocks noGrp="1"/>
-          </p:cNvSpPr>
-          <p:nvPr>
-            <p:ph type="title"/>
-          </p:nvPr>
-        </p:nvSpPr>
-        <p:spPr/>
-        <p:txBody>
-          <a:bodyPr/>
-          <a:lstStyle/>
-          <a:p>
-            <a:r>
-              <a:rPr lang="en-US" dirty="0"/>
-              <a:t>Georgia | By County</a:t>
-            </a:r>
-          </a:p>
-        </p:txBody>
-      </p:sp>
-      <p:sp>
-        <p:nvSpPr>
-          <p:cNvPr id="3" name="Content Placeholder 2">
-            <a:extLst>
-              <a:ext uri="{FF2B5EF4-FFF2-40B4-BE49-F238E27FC236}">
-                <a16:creationId xmlns:a16="http://schemas.microsoft.com/office/drawing/2014/main" id="{A3A32C06-EC28-47F4-ADE5-846DE1899510}"/>
-              </a:ext>
-            </a:extLst>
-          </p:cNvPr>
-          <p:cNvSpPr>
-            <a:spLocks noGrp="1"/>
-          </p:cNvSpPr>
-          <p:nvPr>
-            <p:ph idx="1"/>
-          </p:nvPr>
-        </p:nvSpPr>
-        <p:spPr/>
-        <p:txBody>
-          <a:bodyPr/>
-          <a:lstStyle/>
-          <a:p>
-            <a:r>
-              <a:rPr lang="en-US" dirty="0"/>
-              <a:t>% Good Days (all counties) over time</a:t>
-            </a:r>
-          </a:p>
-          <a:p>
-            <a:endParaRPr lang="en-US" dirty="0"/>
-          </a:p>
-        </p:txBody>
-      </p:sp>
-    </p:spTree>
-    <p:extLst>
-      <p:ext uri="{BB962C8B-B14F-4D97-AF65-F5344CB8AC3E}">
-        <p14:creationId xmlns:p14="http://schemas.microsoft.com/office/powerpoint/2010/main" val="2991278100"/>
-      </p:ext>
-    </p:extLst>
-  </p:cSld>
-  <p:clrMapOvr>
-    <a:masterClrMapping/>
-  </p:clrMapOvr>
-</p:sld>
-</file>
-
-<file path=ppt/slides/slide7.xml><?xml version="1.0" encoding="utf-8"?>
-<p:sld xmlns:a="http://schemas.openxmlformats.org/drawingml/2006/main" xmlns:r="http://schemas.openxmlformats.org/officeDocument/2006/relationships" xmlns:p="http://schemas.openxmlformats.org/presentationml/2006/main">
-  <p:cSld>
-    <p:spTree>
-      <p:nvGrpSpPr>
-        <p:cNvPr id="1" name=""/>
-        <p:cNvGrpSpPr/>
-        <p:nvPr/>
-      </p:nvGrpSpPr>
-      <p:grpSpPr>
-        <a:xfrm>
-          <a:off x="0" y="0"/>
-          <a:ext cx="0" cy="0"/>
-          <a:chOff x="0" y="0"/>
-          <a:chExt cx="0" cy="0"/>
-        </a:xfrm>
-      </p:grpSpPr>
-      <p:sp>
-        <p:nvSpPr>
-          <p:cNvPr id="2" name="Title 1">
-            <a:extLst>
-              <a:ext uri="{FF2B5EF4-FFF2-40B4-BE49-F238E27FC236}">
-                <a16:creationId xmlns:a16="http://schemas.microsoft.com/office/drawing/2014/main" id="{9BD4F8C7-407A-4AE6-B6DC-A9F0404240BE}"/>
-              </a:ext>
-            </a:extLst>
-          </p:cNvPr>
-          <p:cNvSpPr>
-            <a:spLocks noGrp="1"/>
-          </p:cNvSpPr>
-          <p:nvPr>
-            <p:ph type="title"/>
-          </p:nvPr>
-        </p:nvSpPr>
-        <p:spPr/>
-        <p:txBody>
-          <a:bodyPr/>
-          <a:lstStyle/>
-          <a:p>
-            <a:r>
-              <a:rPr lang="en-US" dirty="0"/>
-              <a:t>Georgia | By County</a:t>
-            </a:r>
-          </a:p>
-        </p:txBody>
-      </p:sp>
-      <p:sp>
-        <p:nvSpPr>
-          <p:cNvPr id="3" name="Content Placeholder 2">
-            <a:extLst>
-              <a:ext uri="{FF2B5EF4-FFF2-40B4-BE49-F238E27FC236}">
-                <a16:creationId xmlns:a16="http://schemas.microsoft.com/office/drawing/2014/main" id="{55D30808-F1A8-4B26-ABD7-07451DBD66CD}"/>
-              </a:ext>
-            </a:extLst>
-          </p:cNvPr>
-          <p:cNvSpPr>
-            <a:spLocks noGrp="1"/>
-          </p:cNvSpPr>
-          <p:nvPr>
-            <p:ph idx="1"/>
-          </p:nvPr>
-        </p:nvSpPr>
-        <p:spPr/>
-        <p:txBody>
-          <a:bodyPr/>
-          <a:lstStyle/>
-          <a:p>
-            <a:r>
-              <a:rPr lang="en-US" dirty="0"/>
-              <a:t>Asthma prevalence scatter plots by year</a:t>
-            </a:r>
-          </a:p>
-          <a:p>
-            <a:endParaRPr lang="en-US" dirty="0"/>
-          </a:p>
-        </p:txBody>
-      </p:sp>
-    </p:spTree>
-    <p:extLst>
-      <p:ext uri="{BB962C8B-B14F-4D97-AF65-F5344CB8AC3E}">
-        <p14:creationId xmlns:p14="http://schemas.microsoft.com/office/powerpoint/2010/main" val="4003649483"/>
-      </p:ext>
-    </p:extLst>
-  </p:cSld>
-  <p:clrMapOvr>
-    <a:masterClrMapping/>
-  </p:clrMapOvr>
-</p:sld>
-</file>
-
-<file path=ppt/slides/slide8.xml><?xml version="1.0" encoding="utf-8"?>
-<p:sld xmlns:a="http://schemas.openxmlformats.org/drawingml/2006/main" xmlns:r="http://schemas.openxmlformats.org/officeDocument/2006/relationships" xmlns:p="http://schemas.openxmlformats.org/presentationml/2006/main">
-  <p:cSld>
-    <p:spTree>
-      <p:nvGrpSpPr>
-        <p:cNvPr id="1" name=""/>
-        <p:cNvGrpSpPr/>
-        <p:nvPr/>
-      </p:nvGrpSpPr>
-      <p:grpSpPr>
-        <a:xfrm>
-          <a:off x="0" y="0"/>
-          <a:ext cx="0" cy="0"/>
-          <a:chOff x="0" y="0"/>
-          <a:chExt cx="0" cy="0"/>
-        </a:xfrm>
-      </p:grpSpPr>
-      <p:sp>
-        <p:nvSpPr>
-          <p:cNvPr id="2" name="Title 1">
-            <a:extLst>
-              <a:ext uri="{FF2B5EF4-FFF2-40B4-BE49-F238E27FC236}">
-                <a16:creationId xmlns:a16="http://schemas.microsoft.com/office/drawing/2014/main" id="{4890E4DD-DB5E-4802-8DB0-23375C1CD7FF}"/>
-              </a:ext>
-            </a:extLst>
-          </p:cNvPr>
-          <p:cNvSpPr>
-            <a:spLocks noGrp="1"/>
-          </p:cNvSpPr>
-          <p:nvPr>
-            <p:ph type="title"/>
-          </p:nvPr>
-        </p:nvSpPr>
-        <p:spPr/>
-        <p:txBody>
-          <a:bodyPr/>
-          <a:lstStyle/>
-          <a:p>
-            <a:r>
-              <a:rPr lang="en-US" dirty="0"/>
-              <a:t>Georgia | By County</a:t>
-            </a:r>
-          </a:p>
-        </p:txBody>
-      </p:sp>
-      <p:sp>
-        <p:nvSpPr>
-          <p:cNvPr id="3" name="Content Placeholder 2">
-            <a:extLst>
-              <a:ext uri="{FF2B5EF4-FFF2-40B4-BE49-F238E27FC236}">
-                <a16:creationId xmlns:a16="http://schemas.microsoft.com/office/drawing/2014/main" id="{71C1B40F-93CB-4A5F-9A9D-03B894307440}"/>
-              </a:ext>
-            </a:extLst>
-          </p:cNvPr>
-          <p:cNvSpPr>
-            <a:spLocks noGrp="1"/>
-          </p:cNvSpPr>
-          <p:nvPr>
-            <p:ph idx="1"/>
-          </p:nvPr>
-        </p:nvSpPr>
-        <p:spPr/>
-        <p:txBody>
-          <a:bodyPr/>
-          <a:lstStyle/>
-          <a:p>
-            <a:r>
-              <a:rPr lang="en-US" dirty="0"/>
-              <a:t>Traffic data (if available)</a:t>
-            </a:r>
-          </a:p>
-          <a:p>
-            <a:endParaRPr lang="en-US" dirty="0"/>
-          </a:p>
-        </p:txBody>
-      </p:sp>
-    </p:spTree>
-    <p:extLst>
-      <p:ext uri="{BB962C8B-B14F-4D97-AF65-F5344CB8AC3E}">
-        <p14:creationId xmlns:p14="http://schemas.microsoft.com/office/powerpoint/2010/main" val="2934358422"/>
       </p:ext>
     </p:extLst>
   </p:cSld>
@@ -15956,7 +16744,7 @@
           <p:cNvPr id="2" name="Title 1">
             <a:extLst>
               <a:ext uri="{FF2B5EF4-FFF2-40B4-BE49-F238E27FC236}">
-                <a16:creationId xmlns:a16="http://schemas.microsoft.com/office/drawing/2014/main" id="{8058F766-D0DC-4867-8123-D66AF24A8E94}"/>
+                <a16:creationId xmlns:a16="http://schemas.microsoft.com/office/drawing/2014/main" id="{F7FD17BE-6D83-4023-BBF3-4361917A8D60}"/>
               </a:ext>
             </a:extLst>
           </p:cNvPr>
@@ -15974,17 +16762,17 @@
           <a:p>
             <a:r>
               <a:rPr lang="en-US" dirty="0"/>
-              <a:t>API Call to Google Maps</a:t>
+              <a:t>Georgia | By County Type</a:t>
             </a:r>
           </a:p>
         </p:txBody>
       </p:sp>
       <p:sp>
         <p:nvSpPr>
-          <p:cNvPr id="5" name="Content Placeholder 4">
+          <p:cNvPr id="3" name="Content Placeholder 2">
             <a:extLst>
               <a:ext uri="{FF2B5EF4-FFF2-40B4-BE49-F238E27FC236}">
-                <a16:creationId xmlns:a16="http://schemas.microsoft.com/office/drawing/2014/main" id="{9A8C935C-35E2-4835-AE7C-302BC159FAD9}"/>
+                <a16:creationId xmlns:a16="http://schemas.microsoft.com/office/drawing/2014/main" id="{80B66E5D-36CA-42A1-B3EE-0DDD5EC9584F}"/>
               </a:ext>
             </a:extLst>
           </p:cNvPr>
@@ -16002,7 +16790,7 @@
           <a:p>
             <a:r>
               <a:rPr lang="en-US" dirty="0"/>
-              <a:t>Insert map</a:t>
+              <a:t>Add images that are most insightful</a:t>
             </a:r>
           </a:p>
         </p:txBody>
@@ -16010,7 +16798,7 @@
     </p:spTree>
     <p:extLst>
       <p:ext uri="{BB962C8B-B14F-4D97-AF65-F5344CB8AC3E}">
-        <p14:creationId xmlns:p14="http://schemas.microsoft.com/office/powerpoint/2010/main" val="1810008845"/>
+        <p14:creationId xmlns:p14="http://schemas.microsoft.com/office/powerpoint/2010/main" val="2334785398"/>
       </p:ext>
     </p:extLst>
   </p:cSld>

--- a/AdditionalResources/Air Quality and Asthma.pptx
+++ b/AdditionalResources/Air Quality and Asthma.pptx
@@ -9,18 +9,18 @@
   </p:notesMasterIdLst>
   <p:sldIdLst>
     <p:sldId id="256" r:id="rId2"/>
-    <p:sldId id="257" r:id="rId3"/>
-    <p:sldId id="262" r:id="rId4"/>
-    <p:sldId id="258" r:id="rId5"/>
-    <p:sldId id="270" r:id="rId6"/>
-    <p:sldId id="274" r:id="rId7"/>
-    <p:sldId id="273" r:id="rId8"/>
-    <p:sldId id="268" r:id="rId9"/>
-    <p:sldId id="275" r:id="rId10"/>
-    <p:sldId id="266" r:id="rId11"/>
-    <p:sldId id="261" r:id="rId12"/>
-    <p:sldId id="263" r:id="rId13"/>
-    <p:sldId id="267" r:id="rId14"/>
+    <p:sldId id="276" r:id="rId3"/>
+    <p:sldId id="257" r:id="rId4"/>
+    <p:sldId id="262" r:id="rId5"/>
+    <p:sldId id="258" r:id="rId6"/>
+    <p:sldId id="273" r:id="rId7"/>
+    <p:sldId id="268" r:id="rId8"/>
+    <p:sldId id="275" r:id="rId9"/>
+    <p:sldId id="278" r:id="rId10"/>
+    <p:sldId id="277" r:id="rId11"/>
+    <p:sldId id="267" r:id="rId12"/>
+    <p:sldId id="261" r:id="rId13"/>
+    <p:sldId id="263" r:id="rId14"/>
     <p:sldId id="272" r:id="rId15"/>
   </p:sldIdLst>
   <p:sldSz cx="12192000" cy="6858000"/>
@@ -1859,7 +1859,7 @@
       <dgm:spPr/>
     </dgm:pt>
     <dgm:pt modelId="{B0618CD7-7A69-4783-86FB-E24DEBB4547D}" type="pres">
-      <dgm:prSet presAssocID="{667EA380-3301-4814-81E9-B7B24B89701D}" presName="Child1" presStyleLbl="node1" presStyleIdx="6" presStyleCnt="17" custLinFactNeighborX="53282" custLinFactNeighborY="-28630">
+      <dgm:prSet presAssocID="{667EA380-3301-4814-81E9-B7B24B89701D}" presName="Child1" presStyleLbl="node1" presStyleIdx="6" presStyleCnt="17" custLinFactNeighborX="52311" custLinFactNeighborY="-27293">
         <dgm:presLayoutVars>
           <dgm:chMax val="0"/>
           <dgm:chPref val="0"/>
@@ -2670,7 +2670,7 @@
       </dsp:nvSpPr>
       <dsp:spPr>
         <a:xfrm>
-          <a:off x="593735" y="500896"/>
+          <a:off x="584536" y="513563"/>
           <a:ext cx="947453" cy="947435"/>
         </a:xfrm>
         <a:prstGeom prst="ellipse">
@@ -2736,7 +2736,7 @@
         </a:p>
       </dsp:txBody>
       <dsp:txXfrm>
-        <a:off x="732486" y="639645"/>
+        <a:off x="723287" y="652312"/>
         <a:ext cx="669951" cy="669937"/>
       </dsp:txXfrm>
     </dsp:sp>
@@ -6929,7 +6929,7 @@
           <a:p>
             <a:fld id="{085B006D-0066-4565-9D71-1B5A68ED6F7E}" type="datetimeFigureOut">
               <a:rPr lang="en-US" smtClean="0"/>
-              <a:t>10/10/2018</a:t>
+              <a:t>10/12/2018</a:t>
             </a:fld>
             <a:endParaRPr lang="en-US"/>
           </a:p>
@@ -7242,44 +7242,8 @@
           <a:p>
             <a:r>
               <a:rPr lang="en-US" dirty="0"/>
-              <a:t>California data is pushed</a:t>
+              <a:t>Erica</a:t>
             </a:r>
-          </a:p>
-          <a:p>
-            <a:r>
-              <a:rPr lang="en-US" dirty="0" err="1"/>
-              <a:t>Ttests.prevalence</a:t>
-            </a:r>
-            <a:r>
-              <a:rPr lang="en-US" dirty="0"/>
-              <a:t> rates – not significant</a:t>
-            </a:r>
-          </a:p>
-          <a:p>
-            <a:endParaRPr lang="en-US" dirty="0"/>
-          </a:p>
-          <a:p>
-            <a:r>
-              <a:rPr lang="en-US" dirty="0"/>
-              <a:t>Next steps:</a:t>
-            </a:r>
-          </a:p>
-          <a:p>
-            <a:r>
-              <a:rPr lang="en-US" dirty="0"/>
-              <a:t>User input</a:t>
-            </a:r>
-          </a:p>
-          <a:p>
-            <a:r>
-              <a:rPr lang="en-US" dirty="0"/>
-              <a:t>Counties </a:t>
-            </a:r>
-            <a:r>
-              <a:rPr lang="en-US" dirty="0" err="1"/>
-              <a:t>gmaps</a:t>
-            </a:r>
-            <a:endParaRPr lang="en-US" dirty="0"/>
           </a:p>
         </p:txBody>
       </p:sp>
@@ -7310,6 +7274,457 @@
     <p:extLst>
       <p:ext uri="{BB962C8B-B14F-4D97-AF65-F5344CB8AC3E}">
         <p14:creationId xmlns:p14="http://schemas.microsoft.com/office/powerpoint/2010/main" val="4227347857"/>
+      </p:ext>
+    </p:extLst>
+  </p:cSld>
+  <p:clrMapOvr>
+    <a:masterClrMapping/>
+  </p:clrMapOvr>
+</p:notes>
+</file>
+
+<file path=ppt/notesSlides/notesSlide10.xml><?xml version="1.0" encoding="utf-8"?>
+<p:notes xmlns:a="http://schemas.openxmlformats.org/drawingml/2006/main" xmlns:r="http://schemas.openxmlformats.org/officeDocument/2006/relationships" xmlns:p="http://schemas.openxmlformats.org/presentationml/2006/main">
+  <p:cSld>
+    <p:spTree>
+      <p:nvGrpSpPr>
+        <p:cNvPr id="1" name=""/>
+        <p:cNvGrpSpPr/>
+        <p:nvPr/>
+      </p:nvGrpSpPr>
+      <p:grpSpPr>
+        <a:xfrm>
+          <a:off x="0" y="0"/>
+          <a:ext cx="0" cy="0"/>
+          <a:chOff x="0" y="0"/>
+          <a:chExt cx="0" cy="0"/>
+        </a:xfrm>
+      </p:grpSpPr>
+      <p:sp>
+        <p:nvSpPr>
+          <p:cNvPr id="2" name="Slide Image Placeholder 1"/>
+          <p:cNvSpPr>
+            <a:spLocks noGrp="1" noRot="1" noChangeAspect="1"/>
+          </p:cNvSpPr>
+          <p:nvPr>
+            <p:ph type="sldImg"/>
+          </p:nvPr>
+        </p:nvSpPr>
+        <p:spPr/>
+      </p:sp>
+      <p:sp>
+        <p:nvSpPr>
+          <p:cNvPr id="3" name="Notes Placeholder 2"/>
+          <p:cNvSpPr>
+            <a:spLocks noGrp="1"/>
+          </p:cNvSpPr>
+          <p:nvPr>
+            <p:ph type="body" idx="1"/>
+          </p:nvPr>
+        </p:nvSpPr>
+        <p:spPr/>
+        <p:txBody>
+          <a:bodyPr/>
+          <a:lstStyle/>
+          <a:p>
+            <a:r>
+              <a:rPr lang="en-US" dirty="0"/>
+              <a:t>Shweta</a:t>
+            </a:r>
+          </a:p>
+          <a:p>
+            <a:r>
+              <a:rPr lang="en-US" dirty="0"/>
+              <a:t>Point out 2011 spike</a:t>
+            </a:r>
+          </a:p>
+        </p:txBody>
+      </p:sp>
+      <p:sp>
+        <p:nvSpPr>
+          <p:cNvPr id="4" name="Slide Number Placeholder 3"/>
+          <p:cNvSpPr>
+            <a:spLocks noGrp="1"/>
+          </p:cNvSpPr>
+          <p:nvPr>
+            <p:ph type="sldNum" sz="quarter" idx="5"/>
+          </p:nvPr>
+        </p:nvSpPr>
+        <p:spPr/>
+        <p:txBody>
+          <a:bodyPr/>
+          <a:lstStyle/>
+          <a:p>
+            <a:fld id="{13CEA0C7-3025-45C3-BEEA-11305AF04EFD}" type="slidenum">
+              <a:rPr lang="en-US" smtClean="0"/>
+              <a:t>10</a:t>
+            </a:fld>
+            <a:endParaRPr lang="en-US"/>
+          </a:p>
+        </p:txBody>
+      </p:sp>
+    </p:spTree>
+    <p:extLst>
+      <p:ext uri="{BB962C8B-B14F-4D97-AF65-F5344CB8AC3E}">
+        <p14:creationId xmlns:p14="http://schemas.microsoft.com/office/powerpoint/2010/main" val="3267867863"/>
+      </p:ext>
+    </p:extLst>
+  </p:cSld>
+  <p:clrMapOvr>
+    <a:masterClrMapping/>
+  </p:clrMapOvr>
+</p:notes>
+</file>
+
+<file path=ppt/notesSlides/notesSlide11.xml><?xml version="1.0" encoding="utf-8"?>
+<p:notes xmlns:a="http://schemas.openxmlformats.org/drawingml/2006/main" xmlns:r="http://schemas.openxmlformats.org/officeDocument/2006/relationships" xmlns:p="http://schemas.openxmlformats.org/presentationml/2006/main">
+  <p:cSld>
+    <p:spTree>
+      <p:nvGrpSpPr>
+        <p:cNvPr id="1" name=""/>
+        <p:cNvGrpSpPr/>
+        <p:nvPr/>
+      </p:nvGrpSpPr>
+      <p:grpSpPr>
+        <a:xfrm>
+          <a:off x="0" y="0"/>
+          <a:ext cx="0" cy="0"/>
+          <a:chOff x="0" y="0"/>
+          <a:chExt cx="0" cy="0"/>
+        </a:xfrm>
+      </p:grpSpPr>
+      <p:sp>
+        <p:nvSpPr>
+          <p:cNvPr id="2" name="Slide Image Placeholder 1"/>
+          <p:cNvSpPr>
+            <a:spLocks noGrp="1" noRot="1" noChangeAspect="1"/>
+          </p:cNvSpPr>
+          <p:nvPr>
+            <p:ph type="sldImg"/>
+          </p:nvPr>
+        </p:nvSpPr>
+        <p:spPr/>
+      </p:sp>
+      <p:sp>
+        <p:nvSpPr>
+          <p:cNvPr id="3" name="Notes Placeholder 2"/>
+          <p:cNvSpPr>
+            <a:spLocks noGrp="1"/>
+          </p:cNvSpPr>
+          <p:nvPr>
+            <p:ph type="body" idx="1"/>
+          </p:nvPr>
+        </p:nvSpPr>
+        <p:spPr/>
+        <p:txBody>
+          <a:bodyPr/>
+          <a:lstStyle/>
+          <a:p>
+            <a:r>
+              <a:rPr lang="en-US" dirty="0"/>
+              <a:t>Shweta</a:t>
+            </a:r>
+          </a:p>
+          <a:p>
+            <a:r>
+              <a:rPr lang="en-US" dirty="0"/>
+              <a:t>Screenshot of demo</a:t>
+            </a:r>
+          </a:p>
+        </p:txBody>
+      </p:sp>
+      <p:sp>
+        <p:nvSpPr>
+          <p:cNvPr id="4" name="Slide Number Placeholder 3"/>
+          <p:cNvSpPr>
+            <a:spLocks noGrp="1"/>
+          </p:cNvSpPr>
+          <p:nvPr>
+            <p:ph type="sldNum" sz="quarter" idx="5"/>
+          </p:nvPr>
+        </p:nvSpPr>
+        <p:spPr/>
+        <p:txBody>
+          <a:bodyPr/>
+          <a:lstStyle/>
+          <a:p>
+            <a:fld id="{13CEA0C7-3025-45C3-BEEA-11305AF04EFD}" type="slidenum">
+              <a:rPr lang="en-US" smtClean="0"/>
+              <a:t>11</a:t>
+            </a:fld>
+            <a:endParaRPr lang="en-US"/>
+          </a:p>
+        </p:txBody>
+      </p:sp>
+    </p:spTree>
+    <p:extLst>
+      <p:ext uri="{BB962C8B-B14F-4D97-AF65-F5344CB8AC3E}">
+        <p14:creationId xmlns:p14="http://schemas.microsoft.com/office/powerpoint/2010/main" val="2143824866"/>
+      </p:ext>
+    </p:extLst>
+  </p:cSld>
+  <p:clrMapOvr>
+    <a:masterClrMapping/>
+  </p:clrMapOvr>
+</p:notes>
+</file>
+
+<file path=ppt/notesSlides/notesSlide12.xml><?xml version="1.0" encoding="utf-8"?>
+<p:notes xmlns:a="http://schemas.openxmlformats.org/drawingml/2006/main" xmlns:r="http://schemas.openxmlformats.org/officeDocument/2006/relationships" xmlns:p="http://schemas.openxmlformats.org/presentationml/2006/main">
+  <p:cSld>
+    <p:spTree>
+      <p:nvGrpSpPr>
+        <p:cNvPr id="1" name=""/>
+        <p:cNvGrpSpPr/>
+        <p:nvPr/>
+      </p:nvGrpSpPr>
+      <p:grpSpPr>
+        <a:xfrm>
+          <a:off x="0" y="0"/>
+          <a:ext cx="0" cy="0"/>
+          <a:chOff x="0" y="0"/>
+          <a:chExt cx="0" cy="0"/>
+        </a:xfrm>
+      </p:grpSpPr>
+      <p:sp>
+        <p:nvSpPr>
+          <p:cNvPr id="2" name="Slide Image Placeholder 1"/>
+          <p:cNvSpPr>
+            <a:spLocks noGrp="1" noRot="1" noChangeAspect="1"/>
+          </p:cNvSpPr>
+          <p:nvPr>
+            <p:ph type="sldImg"/>
+          </p:nvPr>
+        </p:nvSpPr>
+        <p:spPr/>
+      </p:sp>
+      <p:sp>
+        <p:nvSpPr>
+          <p:cNvPr id="3" name="Notes Placeholder 2"/>
+          <p:cNvSpPr>
+            <a:spLocks noGrp="1"/>
+          </p:cNvSpPr>
+          <p:nvPr>
+            <p:ph type="body" idx="1"/>
+          </p:nvPr>
+        </p:nvSpPr>
+        <p:spPr/>
+        <p:txBody>
+          <a:bodyPr/>
+          <a:lstStyle/>
+          <a:p>
+            <a:r>
+              <a:rPr lang="en-US" dirty="0" err="1"/>
+              <a:t>Chenchen</a:t>
+            </a:r>
+            <a:endParaRPr lang="en-US" dirty="0"/>
+          </a:p>
+          <a:p>
+            <a:endParaRPr lang="en-US" dirty="0"/>
+          </a:p>
+        </p:txBody>
+      </p:sp>
+      <p:sp>
+        <p:nvSpPr>
+          <p:cNvPr id="4" name="Slide Number Placeholder 3"/>
+          <p:cNvSpPr>
+            <a:spLocks noGrp="1"/>
+          </p:cNvSpPr>
+          <p:nvPr>
+            <p:ph type="sldNum" sz="quarter" idx="5"/>
+          </p:nvPr>
+        </p:nvSpPr>
+        <p:spPr/>
+        <p:txBody>
+          <a:bodyPr/>
+          <a:lstStyle/>
+          <a:p>
+            <a:fld id="{13CEA0C7-3025-45C3-BEEA-11305AF04EFD}" type="slidenum">
+              <a:rPr lang="en-US" smtClean="0"/>
+              <a:t>12</a:t>
+            </a:fld>
+            <a:endParaRPr lang="en-US"/>
+          </a:p>
+        </p:txBody>
+      </p:sp>
+    </p:spTree>
+    <p:extLst>
+      <p:ext uri="{BB962C8B-B14F-4D97-AF65-F5344CB8AC3E}">
+        <p14:creationId xmlns:p14="http://schemas.microsoft.com/office/powerpoint/2010/main" val="2553619650"/>
+      </p:ext>
+    </p:extLst>
+  </p:cSld>
+  <p:clrMapOvr>
+    <a:masterClrMapping/>
+  </p:clrMapOvr>
+</p:notes>
+</file>
+
+<file path=ppt/notesSlides/notesSlide13.xml><?xml version="1.0" encoding="utf-8"?>
+<p:notes xmlns:a="http://schemas.openxmlformats.org/drawingml/2006/main" xmlns:r="http://schemas.openxmlformats.org/officeDocument/2006/relationships" xmlns:p="http://schemas.openxmlformats.org/presentationml/2006/main">
+  <p:cSld>
+    <p:spTree>
+      <p:nvGrpSpPr>
+        <p:cNvPr id="1" name=""/>
+        <p:cNvGrpSpPr/>
+        <p:nvPr/>
+      </p:nvGrpSpPr>
+      <p:grpSpPr>
+        <a:xfrm>
+          <a:off x="0" y="0"/>
+          <a:ext cx="0" cy="0"/>
+          <a:chOff x="0" y="0"/>
+          <a:chExt cx="0" cy="0"/>
+        </a:xfrm>
+      </p:grpSpPr>
+      <p:sp>
+        <p:nvSpPr>
+          <p:cNvPr id="2" name="Slide Image Placeholder 1"/>
+          <p:cNvSpPr>
+            <a:spLocks noGrp="1" noRot="1" noChangeAspect="1"/>
+          </p:cNvSpPr>
+          <p:nvPr>
+            <p:ph type="sldImg"/>
+          </p:nvPr>
+        </p:nvSpPr>
+        <p:spPr/>
+      </p:sp>
+      <p:sp>
+        <p:nvSpPr>
+          <p:cNvPr id="3" name="Notes Placeholder 2"/>
+          <p:cNvSpPr>
+            <a:spLocks noGrp="1"/>
+          </p:cNvSpPr>
+          <p:nvPr>
+            <p:ph type="body" idx="1"/>
+          </p:nvPr>
+        </p:nvSpPr>
+        <p:spPr/>
+        <p:txBody>
+          <a:bodyPr/>
+          <a:lstStyle/>
+          <a:p>
+            <a:r>
+              <a:rPr lang="en-US" dirty="0"/>
+              <a:t>Shweta</a:t>
+            </a:r>
+          </a:p>
+        </p:txBody>
+      </p:sp>
+      <p:sp>
+        <p:nvSpPr>
+          <p:cNvPr id="4" name="Slide Number Placeholder 3"/>
+          <p:cNvSpPr>
+            <a:spLocks noGrp="1"/>
+          </p:cNvSpPr>
+          <p:nvPr>
+            <p:ph type="sldNum" sz="quarter" idx="5"/>
+          </p:nvPr>
+        </p:nvSpPr>
+        <p:spPr/>
+        <p:txBody>
+          <a:bodyPr/>
+          <a:lstStyle/>
+          <a:p>
+            <a:fld id="{13CEA0C7-3025-45C3-BEEA-11305AF04EFD}" type="slidenum">
+              <a:rPr lang="en-US" smtClean="0"/>
+              <a:t>13</a:t>
+            </a:fld>
+            <a:endParaRPr lang="en-US"/>
+          </a:p>
+        </p:txBody>
+      </p:sp>
+    </p:spTree>
+    <p:extLst>
+      <p:ext uri="{BB962C8B-B14F-4D97-AF65-F5344CB8AC3E}">
+        <p14:creationId xmlns:p14="http://schemas.microsoft.com/office/powerpoint/2010/main" val="4178953955"/>
+      </p:ext>
+    </p:extLst>
+  </p:cSld>
+  <p:clrMapOvr>
+    <a:masterClrMapping/>
+  </p:clrMapOvr>
+</p:notes>
+</file>
+
+<file path=ppt/notesSlides/notesSlide14.xml><?xml version="1.0" encoding="utf-8"?>
+<p:notes xmlns:a="http://schemas.openxmlformats.org/drawingml/2006/main" xmlns:r="http://schemas.openxmlformats.org/officeDocument/2006/relationships" xmlns:p="http://schemas.openxmlformats.org/presentationml/2006/main">
+  <p:cSld>
+    <p:spTree>
+      <p:nvGrpSpPr>
+        <p:cNvPr id="1" name=""/>
+        <p:cNvGrpSpPr/>
+        <p:nvPr/>
+      </p:nvGrpSpPr>
+      <p:grpSpPr>
+        <a:xfrm>
+          <a:off x="0" y="0"/>
+          <a:ext cx="0" cy="0"/>
+          <a:chOff x="0" y="0"/>
+          <a:chExt cx="0" cy="0"/>
+        </a:xfrm>
+      </p:grpSpPr>
+      <p:sp>
+        <p:nvSpPr>
+          <p:cNvPr id="2" name="Slide Image Placeholder 1"/>
+          <p:cNvSpPr>
+            <a:spLocks noGrp="1" noRot="1" noChangeAspect="1"/>
+          </p:cNvSpPr>
+          <p:nvPr>
+            <p:ph type="sldImg"/>
+          </p:nvPr>
+        </p:nvSpPr>
+        <p:spPr/>
+      </p:sp>
+      <p:sp>
+        <p:nvSpPr>
+          <p:cNvPr id="3" name="Notes Placeholder 2"/>
+          <p:cNvSpPr>
+            <a:spLocks noGrp="1"/>
+          </p:cNvSpPr>
+          <p:nvPr>
+            <p:ph type="body" idx="1"/>
+          </p:nvPr>
+        </p:nvSpPr>
+        <p:spPr/>
+        <p:txBody>
+          <a:bodyPr/>
+          <a:lstStyle/>
+          <a:p>
+            <a:r>
+              <a:rPr lang="en-US" dirty="0"/>
+              <a:t>Everyone</a:t>
+            </a:r>
+          </a:p>
+        </p:txBody>
+      </p:sp>
+      <p:sp>
+        <p:nvSpPr>
+          <p:cNvPr id="4" name="Slide Number Placeholder 3"/>
+          <p:cNvSpPr>
+            <a:spLocks noGrp="1"/>
+          </p:cNvSpPr>
+          <p:nvPr>
+            <p:ph type="sldNum" sz="quarter" idx="5"/>
+          </p:nvPr>
+        </p:nvSpPr>
+        <p:spPr/>
+        <p:txBody>
+          <a:bodyPr/>
+          <a:lstStyle/>
+          <a:p>
+            <a:fld id="{13CEA0C7-3025-45C3-BEEA-11305AF04EFD}" type="slidenum">
+              <a:rPr lang="en-US" smtClean="0"/>
+              <a:t>14</a:t>
+            </a:fld>
+            <a:endParaRPr lang="en-US"/>
+          </a:p>
+        </p:txBody>
+      </p:sp>
+    </p:spTree>
+    <p:extLst>
+      <p:ext uri="{BB962C8B-B14F-4D97-AF65-F5344CB8AC3E}">
+        <p14:creationId xmlns:p14="http://schemas.microsoft.com/office/powerpoint/2010/main" val="4199815162"/>
       </p:ext>
     </p:extLst>
   </p:cSld>
@@ -7373,7 +7788,7 @@
                 <a:ea typeface="+mn-ea"/>
                 <a:cs typeface="+mn-cs"/>
               </a:rPr>
-              <a:t>EPA calculates the AQI for five major air pollutants regulated by the Clean Air Act: ground-level ozone, particle pollution (also known as particulate matter), carbon monoxide, sulfur dioxide, and nitrogen dioxide.</a:t>
+              <a:t>Ted</a:t>
             </a:r>
           </a:p>
           <a:p>
@@ -7386,30 +7801,6 @@
               <a:ea typeface="+mn-ea"/>
               <a:cs typeface="+mn-cs"/>
             </a:endParaRPr>
-          </a:p>
-          <a:p>
-            <a:r>
-              <a:rPr lang="en-US" sz="1200" b="0" i="0" kern="1200" dirty="0">
-                <a:solidFill>
-                  <a:schemeClr val="tx1"/>
-                </a:solidFill>
-                <a:effectLst/>
-                <a:latin typeface="+mn-lt"/>
-                <a:ea typeface="+mn-ea"/>
-                <a:cs typeface="+mn-cs"/>
-              </a:rPr>
-              <a:t>Think of the AQI as a yardstick that runs from 0 to 500. The higher the AQI value, the greater the level of air pollution and the greater the health concern.</a:t>
-            </a:r>
-            <a:endParaRPr lang="en-US" dirty="0"/>
-          </a:p>
-          <a:p>
-            <a:endParaRPr lang="en-US" dirty="0"/>
-          </a:p>
-          <a:p>
-            <a:r>
-              <a:rPr lang="en-US" dirty="0"/>
-              <a:t>https://cfpub.epa.gov/airnow/index.cfm?action=aqibasics.aqi</a:t>
-            </a:r>
           </a:p>
         </p:txBody>
       </p:sp>
@@ -7439,7 +7830,7 @@
     </p:spTree>
     <p:extLst>
       <p:ext uri="{BB962C8B-B14F-4D97-AF65-F5344CB8AC3E}">
-        <p14:creationId xmlns:p14="http://schemas.microsoft.com/office/powerpoint/2010/main" val="4252001796"/>
+        <p14:creationId xmlns:p14="http://schemas.microsoft.com/office/powerpoint/2010/main" val="1844317562"/>
       </p:ext>
     </p:extLst>
   </p:cSld>
@@ -7493,30 +7884,94 @@
           <a:bodyPr/>
           <a:lstStyle/>
           <a:p>
-            <a:pPr marL="0" marR="0" lvl="0" indent="0" algn="l" defTabSz="914400" rtl="0" eaLnBrk="1" fontAlgn="auto" latinLnBrk="0" hangingPunct="1">
-              <a:lnSpc>
-                <a:spcPct val="100000"/>
-              </a:lnSpc>
-              <a:spcBef>
-                <a:spcPts val="0"/>
-              </a:spcBef>
-              <a:spcAft>
-                <a:spcPts val="0"/>
-              </a:spcAft>
-              <a:buClrTx/>
-              <a:buSzTx/>
-              <a:buFontTx/>
-              <a:buNone/>
-              <a:tabLst/>
-              <a:defRPr/>
-            </a:pPr>
             <a:r>
-              <a:rPr lang="en-US" dirty="0"/>
-              <a:t>% of GA counties where air quality does not meet national standards by year</a:t>
+              <a:rPr lang="en-US" sz="1200" b="0" i="0" kern="1200" dirty="0" err="1">
+                <a:solidFill>
+                  <a:schemeClr val="tx1"/>
+                </a:solidFill>
+                <a:effectLst/>
+                <a:latin typeface="+mn-lt"/>
+                <a:ea typeface="+mn-ea"/>
+                <a:cs typeface="+mn-cs"/>
+              </a:rPr>
+              <a:t>Chenchen</a:t>
             </a:r>
-          </a:p>
-          <a:p>
+            <a:endParaRPr lang="en-US" sz="1200" b="0" i="0" kern="1200" dirty="0">
+              <a:solidFill>
+                <a:schemeClr val="tx1"/>
+              </a:solidFill>
+              <a:effectLst/>
+              <a:latin typeface="+mn-lt"/>
+              <a:ea typeface="+mn-ea"/>
+              <a:cs typeface="+mn-cs"/>
+            </a:endParaRPr>
+          </a:p>
+          <a:p>
+            <a:endParaRPr lang="en-US" sz="1200" b="0" i="0" kern="1200" dirty="0">
+              <a:solidFill>
+                <a:schemeClr val="tx1"/>
+              </a:solidFill>
+              <a:effectLst/>
+              <a:latin typeface="+mn-lt"/>
+              <a:ea typeface="+mn-ea"/>
+              <a:cs typeface="+mn-cs"/>
+            </a:endParaRPr>
+          </a:p>
+          <a:p>
+            <a:r>
+              <a:rPr lang="en-US" sz="1200" b="0" i="0" kern="1200" dirty="0">
+                <a:solidFill>
+                  <a:schemeClr val="tx1"/>
+                </a:solidFill>
+                <a:effectLst/>
+                <a:latin typeface="+mn-lt"/>
+                <a:ea typeface="+mn-ea"/>
+                <a:cs typeface="+mn-cs"/>
+              </a:rPr>
+              <a:t>The EPA calculates the AQI for five major air pollutants regulated by the Clean Air Act: ground-level ozone, particle pollution (also known as particulate matter), carbon monoxide, sulfur dioxide, and nitrogen dioxide.</a:t>
+            </a:r>
+          </a:p>
+          <a:p>
+            <a:r>
+              <a:rPr lang="en-US" sz="1200" b="0" i="0" kern="1200" dirty="0">
+                <a:solidFill>
+                  <a:schemeClr val="tx1"/>
+                </a:solidFill>
+                <a:effectLst/>
+                <a:latin typeface="+mn-lt"/>
+                <a:ea typeface="+mn-ea"/>
+                <a:cs typeface="+mn-cs"/>
+              </a:rPr>
+              <a:t>Think of the AQI as a yardstick that runs from 0 to 500. The higher the AQI value, the greater the level of air pollution and the greater the health concern.</a:t>
+            </a:r>
             <a:endParaRPr lang="en-US" dirty="0"/>
+          </a:p>
+          <a:p>
+            <a:r>
+              <a:rPr lang="en-US" dirty="0">
+                <a:solidFill>
+                  <a:srgbClr val="FF0000"/>
+                </a:solidFill>
+              </a:rPr>
+              <a:t>https://cfpub.epa.gov/airnow/index.cfm?action=aqibasics.aqi</a:t>
+            </a:r>
+          </a:p>
+          <a:p>
+            <a:endParaRPr lang="en-US" dirty="0">
+              <a:solidFill>
+                <a:srgbClr val="FF0000"/>
+              </a:solidFill>
+            </a:endParaRPr>
+          </a:p>
+          <a:p>
+            <a:r>
+              <a:rPr lang="en-US" dirty="0">
+                <a:solidFill>
+                  <a:srgbClr val="FF0000"/>
+                </a:solidFill>
+              </a:rPr>
+              <a:t>Asthma 8%: http://www.aafa.org/asthma-facts/</a:t>
+            </a:r>
           </a:p>
         </p:txBody>
       </p:sp>
@@ -7537,7 +7992,7 @@
           <a:p>
             <a:fld id="{13CEA0C7-3025-45C3-BEEA-11305AF04EFD}" type="slidenum">
               <a:rPr lang="en-US" smtClean="0"/>
-              <a:t>4</a:t>
+              <a:t>3</a:t>
             </a:fld>
             <a:endParaRPr lang="en-US"/>
           </a:p>
@@ -7546,7 +8001,7 @@
     </p:spTree>
     <p:extLst>
       <p:ext uri="{BB962C8B-B14F-4D97-AF65-F5344CB8AC3E}">
-        <p14:creationId xmlns:p14="http://schemas.microsoft.com/office/powerpoint/2010/main" val="3226983427"/>
+        <p14:creationId xmlns:p14="http://schemas.microsoft.com/office/powerpoint/2010/main" val="4252001796"/>
       </p:ext>
     </p:extLst>
   </p:cSld>
@@ -7600,30 +8055,10 @@
           <a:bodyPr/>
           <a:lstStyle/>
           <a:p>
-            <a:pPr marL="0" marR="0" lvl="0" indent="0" algn="l" defTabSz="914400" rtl="0" eaLnBrk="1" fontAlgn="auto" latinLnBrk="0" hangingPunct="1">
-              <a:lnSpc>
-                <a:spcPct val="100000"/>
-              </a:lnSpc>
-              <a:spcBef>
-                <a:spcPts val="0"/>
-              </a:spcBef>
-              <a:spcAft>
-                <a:spcPts val="0"/>
-              </a:spcAft>
-              <a:buClrTx/>
-              <a:buSzTx/>
-              <a:buFontTx/>
-              <a:buNone/>
-              <a:tabLst/>
-              <a:defRPr/>
-            </a:pPr>
             <a:r>
               <a:rPr lang="en-US" dirty="0"/>
-              <a:t>Asthma prevalence scatter plots by year</a:t>
+              <a:t>Erica</a:t>
             </a:r>
-          </a:p>
-          <a:p>
-            <a:endParaRPr lang="en-US" dirty="0"/>
           </a:p>
         </p:txBody>
       </p:sp>
@@ -7644,7 +8079,7 @@
           <a:p>
             <a:fld id="{13CEA0C7-3025-45C3-BEEA-11305AF04EFD}" type="slidenum">
               <a:rPr lang="en-US" smtClean="0"/>
-              <a:t>5</a:t>
+              <a:t>4</a:t>
             </a:fld>
             <a:endParaRPr lang="en-US"/>
           </a:p>
@@ -7653,7 +8088,7 @@
     </p:spTree>
     <p:extLst>
       <p:ext uri="{BB962C8B-B14F-4D97-AF65-F5344CB8AC3E}">
-        <p14:creationId xmlns:p14="http://schemas.microsoft.com/office/powerpoint/2010/main" val="116042216"/>
+        <p14:creationId xmlns:p14="http://schemas.microsoft.com/office/powerpoint/2010/main" val="2720301408"/>
       </p:ext>
     </p:extLst>
   </p:cSld>
@@ -7707,27 +8142,55 @@
           <a:bodyPr/>
           <a:lstStyle/>
           <a:p>
+            <a:pPr marL="0" marR="0" lvl="0" indent="0" algn="l" defTabSz="914400" rtl="0" eaLnBrk="1" fontAlgn="auto" latinLnBrk="0" hangingPunct="1">
+              <a:lnSpc>
+                <a:spcPct val="100000"/>
+              </a:lnSpc>
+              <a:spcBef>
+                <a:spcPts val="0"/>
+              </a:spcBef>
+              <a:spcAft>
+                <a:spcPts val="0"/>
+              </a:spcAft>
+              <a:buClrTx/>
+              <a:buSzTx/>
+              <a:buFontTx/>
+              <a:buNone/>
+              <a:tabLst/>
+              <a:defRPr/>
+            </a:pPr>
             <a:r>
               <a:rPr lang="en-US" dirty="0"/>
-              <a:t>Urban / rural stats - # good days ratio</a:t>
+              <a:t>Erica</a:t>
             </a:r>
           </a:p>
           <a:p>
-            <a:r>
-              <a:rPr lang="en-US" dirty="0" err="1"/>
-              <a:t>Ttest</a:t>
-            </a:r>
+            <a:pPr marL="0" marR="0" lvl="0" indent="0" algn="l" defTabSz="914400" rtl="0" eaLnBrk="1" fontAlgn="auto" latinLnBrk="0" hangingPunct="1">
+              <a:lnSpc>
+                <a:spcPct val="100000"/>
+              </a:lnSpc>
+              <a:spcBef>
+                <a:spcPts val="0"/>
+              </a:spcBef>
+              <a:spcAft>
+                <a:spcPts val="0"/>
+              </a:spcAft>
+              <a:buClrTx/>
+              <a:buSzTx/>
+              <a:buFontTx/>
+              <a:buNone/>
+              <a:tabLst/>
+              <a:defRPr/>
+            </a:pPr>
             <a:r>
               <a:rPr lang="en-US" dirty="0"/>
-              <a:t> median AQI between </a:t>
+              <a:t>% of GA counties where air quality does not meet national standards by year</a:t>
             </a:r>
-            <a:r>
-              <a:rPr lang="en-US" dirty="0" err="1"/>
-              <a:t>urb</a:t>
-            </a:r>
+          </a:p>
+          <a:p>
             <a:r>
               <a:rPr lang="en-US" dirty="0"/>
-              <a:t> / rural – significant</a:t>
+              <a:t>Point out yellow / urban</a:t>
             </a:r>
           </a:p>
         </p:txBody>
@@ -7749,7 +8212,7 @@
           <a:p>
             <a:fld id="{13CEA0C7-3025-45C3-BEEA-11305AF04EFD}" type="slidenum">
               <a:rPr lang="en-US" smtClean="0"/>
-              <a:t>8</a:t>
+              <a:t>5</a:t>
             </a:fld>
             <a:endParaRPr lang="en-US"/>
           </a:p>
@@ -7758,7 +8221,7 @@
     </p:spTree>
     <p:extLst>
       <p:ext uri="{BB962C8B-B14F-4D97-AF65-F5344CB8AC3E}">
-        <p14:creationId xmlns:p14="http://schemas.microsoft.com/office/powerpoint/2010/main" val="1187719279"/>
+        <p14:creationId xmlns:p14="http://schemas.microsoft.com/office/powerpoint/2010/main" val="3226983427"/>
       </p:ext>
     </p:extLst>
   </p:cSld>
@@ -7814,25 +8277,7 @@
           <a:p>
             <a:r>
               <a:rPr lang="en-US" dirty="0"/>
-              <a:t>Urban / rural stats - # good days ratio</a:t>
-            </a:r>
-          </a:p>
-          <a:p>
-            <a:r>
-              <a:rPr lang="en-US" dirty="0" err="1"/>
-              <a:t>Ttest</a:t>
-            </a:r>
-            <a:r>
-              <a:rPr lang="en-US" dirty="0"/>
-              <a:t> median AQI between </a:t>
-            </a:r>
-            <a:r>
-              <a:rPr lang="en-US" dirty="0" err="1"/>
-              <a:t>urb</a:t>
-            </a:r>
-            <a:r>
-              <a:rPr lang="en-US" dirty="0"/>
-              <a:t> / rural – significant</a:t>
+              <a:t>Ted</a:t>
             </a:r>
           </a:p>
         </p:txBody>
@@ -7854,7 +8299,7 @@
           <a:p>
             <a:fld id="{13CEA0C7-3025-45C3-BEEA-11305AF04EFD}" type="slidenum">
               <a:rPr lang="en-US" smtClean="0"/>
-              <a:t>9</a:t>
+              <a:t>6</a:t>
             </a:fld>
             <a:endParaRPr lang="en-US"/>
           </a:p>
@@ -7863,7 +8308,7 @@
     </p:spTree>
     <p:extLst>
       <p:ext uri="{BB962C8B-B14F-4D97-AF65-F5344CB8AC3E}">
-        <p14:creationId xmlns:p14="http://schemas.microsoft.com/office/powerpoint/2010/main" val="980072028"/>
+        <p14:creationId xmlns:p14="http://schemas.microsoft.com/office/powerpoint/2010/main" val="1537271502"/>
       </p:ext>
     </p:extLst>
   </p:cSld>
@@ -7919,13 +8364,19 @@
           <a:p>
             <a:r>
               <a:rPr lang="en-US" dirty="0"/>
-              <a:t>https://www.cdc.gov/asthma/most_recent_data_states.htm</a:t>
+              <a:t>Joseph</a:t>
             </a:r>
           </a:p>
           <a:p>
             <a:r>
               <a:rPr lang="en-US" dirty="0"/>
-              <a:t>Try to locate state/city data for air quality</a:t>
+              <a:t>Urban / rural stats - # good days ratio</a:t>
+            </a:r>
+          </a:p>
+          <a:p>
+            <a:r>
+              <a:rPr lang="en-US" dirty="0"/>
+              <a:t>Good days: not above 50 AQI</a:t>
             </a:r>
           </a:p>
         </p:txBody>
@@ -7947,7 +8398,7 @@
           <a:p>
             <a:fld id="{13CEA0C7-3025-45C3-BEEA-11305AF04EFD}" type="slidenum">
               <a:rPr lang="en-US" smtClean="0"/>
-              <a:t>10</a:t>
+              <a:t>7</a:t>
             </a:fld>
             <a:endParaRPr lang="en-US"/>
           </a:p>
@@ -7956,7 +8407,7 @@
     </p:spTree>
     <p:extLst>
       <p:ext uri="{BB962C8B-B14F-4D97-AF65-F5344CB8AC3E}">
-        <p14:creationId xmlns:p14="http://schemas.microsoft.com/office/powerpoint/2010/main" val="931430249"/>
+        <p14:creationId xmlns:p14="http://schemas.microsoft.com/office/powerpoint/2010/main" val="1187719279"/>
       </p:ext>
     </p:extLst>
   </p:cSld>
@@ -8012,23 +8463,41 @@
           <a:p>
             <a:r>
               <a:rPr lang="en-US" dirty="0"/>
-              <a:t>Asthma is more of a chronic condition than acute.</a:t>
+              <a:t>Joseph</a:t>
             </a:r>
           </a:p>
           <a:p>
+            <a:endParaRPr lang="en-US" dirty="0"/>
+          </a:p>
+          <a:p>
+            <a:r>
+              <a:rPr lang="en-US" dirty="0" err="1"/>
+              <a:t>Ttest</a:t>
+            </a:r>
             <a:r>
               <a:rPr lang="en-US" dirty="0"/>
-              <a:t>Many factors will contribute to ER visit for an asthma emergency.</a:t>
+              <a:t> median AQI between </a:t>
             </a:r>
-          </a:p>
-          <a:p>
+            <a:r>
+              <a:rPr lang="en-US" dirty="0" err="1"/>
+              <a:t>urb</a:t>
+            </a:r>
             <a:r>
               <a:rPr lang="en-US" dirty="0"/>
-              <a:t>Those with high sensitivity to air pollutants may be aware of air quality and take precautions</a:t>
+              <a:t> / rural – significant</a:t>
             </a:r>
           </a:p>
           <a:p>
-            <a:endParaRPr lang="en-US" dirty="0"/>
+            <a:r>
+              <a:rPr lang="en-US" dirty="0"/>
+              <a:t>Median value = 37 (rural), 42 (urban)</a:t>
+            </a:r>
+          </a:p>
+          <a:p>
+            <a:r>
+              <a:rPr lang="en-US" dirty="0"/>
+              <a:t>Mean values = 36.79 (rural), 42.35 ( urban)</a:t>
+            </a:r>
           </a:p>
         </p:txBody>
       </p:sp>
@@ -8049,7 +8518,7 @@
           <a:p>
             <a:fld id="{13CEA0C7-3025-45C3-BEEA-11305AF04EFD}" type="slidenum">
               <a:rPr lang="en-US" smtClean="0"/>
-              <a:t>11</a:t>
+              <a:t>8</a:t>
             </a:fld>
             <a:endParaRPr lang="en-US"/>
           </a:p>
@@ -8058,7 +8527,94 @@
     </p:spTree>
     <p:extLst>
       <p:ext uri="{BB962C8B-B14F-4D97-AF65-F5344CB8AC3E}">
-        <p14:creationId xmlns:p14="http://schemas.microsoft.com/office/powerpoint/2010/main" val="2553619650"/>
+        <p14:creationId xmlns:p14="http://schemas.microsoft.com/office/powerpoint/2010/main" val="980072028"/>
+      </p:ext>
+    </p:extLst>
+  </p:cSld>
+  <p:clrMapOvr>
+    <a:masterClrMapping/>
+  </p:clrMapOvr>
+</p:notes>
+</file>
+
+<file path=ppt/notesSlides/notesSlide9.xml><?xml version="1.0" encoding="utf-8"?>
+<p:notes xmlns:a="http://schemas.openxmlformats.org/drawingml/2006/main" xmlns:r="http://schemas.openxmlformats.org/officeDocument/2006/relationships" xmlns:p="http://schemas.openxmlformats.org/presentationml/2006/main">
+  <p:cSld>
+    <p:spTree>
+      <p:nvGrpSpPr>
+        <p:cNvPr id="1" name=""/>
+        <p:cNvGrpSpPr/>
+        <p:nvPr/>
+      </p:nvGrpSpPr>
+      <p:grpSpPr>
+        <a:xfrm>
+          <a:off x="0" y="0"/>
+          <a:ext cx="0" cy="0"/>
+          <a:chOff x="0" y="0"/>
+          <a:chExt cx="0" cy="0"/>
+        </a:xfrm>
+      </p:grpSpPr>
+      <p:sp>
+        <p:nvSpPr>
+          <p:cNvPr id="2" name="Slide Image Placeholder 1"/>
+          <p:cNvSpPr>
+            <a:spLocks noGrp="1" noRot="1" noChangeAspect="1"/>
+          </p:cNvSpPr>
+          <p:nvPr>
+            <p:ph type="sldImg"/>
+          </p:nvPr>
+        </p:nvSpPr>
+        <p:spPr/>
+      </p:sp>
+      <p:sp>
+        <p:nvSpPr>
+          <p:cNvPr id="3" name="Notes Placeholder 2"/>
+          <p:cNvSpPr>
+            <a:spLocks noGrp="1"/>
+          </p:cNvSpPr>
+          <p:nvPr>
+            <p:ph type="body" idx="1"/>
+          </p:nvPr>
+        </p:nvSpPr>
+        <p:spPr/>
+        <p:txBody>
+          <a:bodyPr/>
+          <a:lstStyle/>
+          <a:p>
+            <a:r>
+              <a:rPr lang="en-US" dirty="0"/>
+              <a:t>Joseph</a:t>
+            </a:r>
+          </a:p>
+        </p:txBody>
+      </p:sp>
+      <p:sp>
+        <p:nvSpPr>
+          <p:cNvPr id="4" name="Slide Number Placeholder 3"/>
+          <p:cNvSpPr>
+            <a:spLocks noGrp="1"/>
+          </p:cNvSpPr>
+          <p:nvPr>
+            <p:ph type="sldNum" sz="quarter" idx="5"/>
+          </p:nvPr>
+        </p:nvSpPr>
+        <p:spPr/>
+        <p:txBody>
+          <a:bodyPr/>
+          <a:lstStyle/>
+          <a:p>
+            <a:fld id="{13CEA0C7-3025-45C3-BEEA-11305AF04EFD}" type="slidenum">
+              <a:rPr lang="en-US" smtClean="0"/>
+              <a:t>9</a:t>
+            </a:fld>
+            <a:endParaRPr lang="en-US"/>
+          </a:p>
+        </p:txBody>
+      </p:sp>
+    </p:spTree>
+    <p:extLst>
+      <p:ext uri="{BB962C8B-B14F-4D97-AF65-F5344CB8AC3E}">
+        <p14:creationId xmlns:p14="http://schemas.microsoft.com/office/powerpoint/2010/main" val="2667740634"/>
       </p:ext>
     </p:extLst>
   </p:cSld>
@@ -8790,7 +9346,7 @@
           <a:p>
             <a:fld id="{30FC925E-8D2B-459A-9C4F-722B9A87B07B}" type="datetimeFigureOut">
               <a:rPr lang="en-US" smtClean="0"/>
-              <a:t>10/10/2018</a:t>
+              <a:t>10/12/2018</a:t>
             </a:fld>
             <a:endParaRPr lang="en-US"/>
           </a:p>
@@ -9041,7 +9597,7 @@
           <a:p>
             <a:fld id="{30FC925E-8D2B-459A-9C4F-722B9A87B07B}" type="datetimeFigureOut">
               <a:rPr lang="en-US" smtClean="0"/>
-              <a:t>10/10/2018</a:t>
+              <a:t>10/12/2018</a:t>
             </a:fld>
             <a:endParaRPr lang="en-US"/>
           </a:p>
@@ -9355,7 +9911,7 @@
           <a:p>
             <a:fld id="{30FC925E-8D2B-459A-9C4F-722B9A87B07B}" type="datetimeFigureOut">
               <a:rPr lang="en-US" smtClean="0"/>
-              <a:t>10/10/2018</a:t>
+              <a:t>10/12/2018</a:t>
             </a:fld>
             <a:endParaRPr lang="en-US"/>
           </a:p>
@@ -9696,7 +10252,7 @@
           <a:p>
             <a:fld id="{30FC925E-8D2B-459A-9C4F-722B9A87B07B}" type="datetimeFigureOut">
               <a:rPr lang="en-US" smtClean="0"/>
-              <a:t>10/10/2018</a:t>
+              <a:t>10/12/2018</a:t>
             </a:fld>
             <a:endParaRPr lang="en-US"/>
           </a:p>
@@ -10010,7 +10566,7 @@
           <a:p>
             <a:fld id="{30FC925E-8D2B-459A-9C4F-722B9A87B07B}" type="datetimeFigureOut">
               <a:rPr lang="en-US" smtClean="0"/>
-              <a:t>10/10/2018</a:t>
+              <a:t>10/12/2018</a:t>
             </a:fld>
             <a:endParaRPr lang="en-US"/>
           </a:p>
@@ -10403,7 +10959,7 @@
           <a:p>
             <a:fld id="{30FC925E-8D2B-459A-9C4F-722B9A87B07B}" type="datetimeFigureOut">
               <a:rPr lang="en-US" smtClean="0"/>
-              <a:t>10/10/2018</a:t>
+              <a:t>10/12/2018</a:t>
             </a:fld>
             <a:endParaRPr lang="en-US"/>
           </a:p>
@@ -10573,7 +11129,7 @@
           <a:p>
             <a:fld id="{30FC925E-8D2B-459A-9C4F-722B9A87B07B}" type="datetimeFigureOut">
               <a:rPr lang="en-US" smtClean="0"/>
-              <a:t>10/10/2018</a:t>
+              <a:t>10/12/2018</a:t>
             </a:fld>
             <a:endParaRPr lang="en-US"/>
           </a:p>
@@ -10753,7 +11309,7 @@
           <a:p>
             <a:fld id="{30FC925E-8D2B-459A-9C4F-722B9A87B07B}" type="datetimeFigureOut">
               <a:rPr lang="en-US" smtClean="0"/>
-              <a:t>10/10/2018</a:t>
+              <a:t>10/12/2018</a:t>
             </a:fld>
             <a:endParaRPr lang="en-US"/>
           </a:p>
@@ -10929,7 +11485,7 @@
           <a:p>
             <a:fld id="{30FC925E-8D2B-459A-9C4F-722B9A87B07B}" type="datetimeFigureOut">
               <a:rPr lang="en-US" smtClean="0"/>
-              <a:t>10/10/2018</a:t>
+              <a:t>10/12/2018</a:t>
             </a:fld>
             <a:endParaRPr lang="en-US"/>
           </a:p>
@@ -11176,7 +11732,7 @@
           <a:p>
             <a:fld id="{30FC925E-8D2B-459A-9C4F-722B9A87B07B}" type="datetimeFigureOut">
               <a:rPr lang="en-US" smtClean="0"/>
-              <a:t>10/10/2018</a:t>
+              <a:t>10/12/2018</a:t>
             </a:fld>
             <a:endParaRPr lang="en-US"/>
           </a:p>
@@ -11408,7 +11964,7 @@
           <a:p>
             <a:fld id="{30FC925E-8D2B-459A-9C4F-722B9A87B07B}" type="datetimeFigureOut">
               <a:rPr lang="en-US" smtClean="0"/>
-              <a:t>10/10/2018</a:t>
+              <a:t>10/12/2018</a:t>
             </a:fld>
             <a:endParaRPr lang="en-US"/>
           </a:p>
@@ -11782,7 +12338,7 @@
           <a:p>
             <a:fld id="{30FC925E-8D2B-459A-9C4F-722B9A87B07B}" type="datetimeFigureOut">
               <a:rPr lang="en-US" smtClean="0"/>
-              <a:t>10/10/2018</a:t>
+              <a:t>10/12/2018</a:t>
             </a:fld>
             <a:endParaRPr lang="en-US"/>
           </a:p>
@@ -11905,7 +12461,7 @@
           <a:p>
             <a:fld id="{30FC925E-8D2B-459A-9C4F-722B9A87B07B}" type="datetimeFigureOut">
               <a:rPr lang="en-US" smtClean="0"/>
-              <a:t>10/10/2018</a:t>
+              <a:t>10/12/2018</a:t>
             </a:fld>
             <a:endParaRPr lang="en-US"/>
           </a:p>
@@ -12000,7 +12556,7 @@
           <a:p>
             <a:fld id="{30FC925E-8D2B-459A-9C4F-722B9A87B07B}" type="datetimeFigureOut">
               <a:rPr lang="en-US" smtClean="0"/>
-              <a:t>10/10/2018</a:t>
+              <a:t>10/12/2018</a:t>
             </a:fld>
             <a:endParaRPr lang="en-US"/>
           </a:p>
@@ -12255,7 +12811,7 @@
           <a:p>
             <a:fld id="{30FC925E-8D2B-459A-9C4F-722B9A87B07B}" type="datetimeFigureOut">
               <a:rPr lang="en-US" smtClean="0"/>
-              <a:t>10/10/2018</a:t>
+              <a:t>10/12/2018</a:t>
             </a:fld>
             <a:endParaRPr lang="en-US"/>
           </a:p>
@@ -12518,7 +13074,7 @@
           <a:p>
             <a:fld id="{30FC925E-8D2B-459A-9C4F-722B9A87B07B}" type="datetimeFigureOut">
               <a:rPr lang="en-US" smtClean="0"/>
-              <a:t>10/10/2018</a:t>
+              <a:t>10/12/2018</a:t>
             </a:fld>
             <a:endParaRPr lang="en-US"/>
           </a:p>
@@ -13261,7 +13817,7 @@
           <a:p>
             <a:fld id="{30FC925E-8D2B-459A-9C4F-722B9A87B07B}" type="datetimeFigureOut">
               <a:rPr lang="en-US" smtClean="0"/>
-              <a:t>10/10/2018</a:t>
+              <a:t>10/12/2018</a:t>
             </a:fld>
             <a:endParaRPr lang="en-US"/>
           </a:p>
@@ -13801,14 +14357,19 @@
             <p:ph type="ctrTitle"/>
           </p:nvPr>
         </p:nvSpPr>
-        <p:spPr/>
+        <p:spPr>
+          <a:xfrm>
+            <a:off x="1507067" y="2415964"/>
+            <a:ext cx="7766936" cy="1646302"/>
+          </a:xfrm>
+        </p:spPr>
         <p:txBody>
           <a:bodyPr/>
           <a:lstStyle/>
           <a:p>
             <a:r>
               <a:rPr lang="en-US" dirty="0"/>
-              <a:t>Air Quality and Respiratory Health</a:t>
+              <a:t>Georgia’s Air Quality and Respiratory Health</a:t>
             </a:r>
           </a:p>
         </p:txBody>
@@ -13887,6 +14448,344 @@
   <p:clrMapOvr>
     <a:masterClrMapping/>
   </p:clrMapOvr>
+  <p:timing>
+    <p:tnLst>
+      <p:par>
+        <p:cTn id="1" dur="indefinite" restart="never" nodeType="tmRoot">
+          <p:childTnLst>
+            <p:seq concurrent="1" nextAc="seek">
+              <p:cTn id="2" dur="indefinite" nodeType="mainSeq">
+                <p:childTnLst>
+                  <p:par>
+                    <p:cTn id="3" fill="hold">
+                      <p:stCondLst>
+                        <p:cond delay="indefinite"/>
+                      </p:stCondLst>
+                      <p:childTnLst>
+                        <p:par>
+                          <p:cTn id="4" fill="hold">
+                            <p:stCondLst>
+                              <p:cond delay="0"/>
+                            </p:stCondLst>
+                            <p:childTnLst>
+                              <p:par>
+                                <p:cTn id="5" presetID="10" presetClass="entr" presetSubtype="0" fill="hold" grpId="0" nodeType="clickEffect">
+                                  <p:stCondLst>
+                                    <p:cond delay="0"/>
+                                  </p:stCondLst>
+                                  <p:childTnLst>
+                                    <p:set>
+                                      <p:cBhvr>
+                                        <p:cTn id="6" dur="1" fill="hold">
+                                          <p:stCondLst>
+                                            <p:cond delay="0"/>
+                                          </p:stCondLst>
+                                        </p:cTn>
+                                        <p:tgtEl>
+                                          <p:spTgt spid="3">
+                                            <p:txEl>
+                                              <p:pRg st="0" end="0"/>
+                                            </p:txEl>
+                                          </p:spTgt>
+                                        </p:tgtEl>
+                                        <p:attrNameLst>
+                                          <p:attrName>style.visibility</p:attrName>
+                                        </p:attrNameLst>
+                                      </p:cBhvr>
+                                      <p:to>
+                                        <p:strVal val="visible"/>
+                                      </p:to>
+                                    </p:set>
+                                    <p:animEffect transition="in" filter="fade">
+                                      <p:cBhvr>
+                                        <p:cTn id="7" dur="500"/>
+                                        <p:tgtEl>
+                                          <p:spTgt spid="3">
+                                            <p:txEl>
+                                              <p:pRg st="0" end="0"/>
+                                            </p:txEl>
+                                          </p:spTgt>
+                                        </p:tgtEl>
+                                      </p:cBhvr>
+                                    </p:animEffect>
+                                  </p:childTnLst>
+                                </p:cTn>
+                              </p:par>
+                            </p:childTnLst>
+                          </p:cTn>
+                        </p:par>
+                      </p:childTnLst>
+                    </p:cTn>
+                  </p:par>
+                  <p:par>
+                    <p:cTn id="8" fill="hold">
+                      <p:stCondLst>
+                        <p:cond delay="indefinite"/>
+                      </p:stCondLst>
+                      <p:childTnLst>
+                        <p:par>
+                          <p:cTn id="9" fill="hold">
+                            <p:stCondLst>
+                              <p:cond delay="0"/>
+                            </p:stCondLst>
+                            <p:childTnLst>
+                              <p:par>
+                                <p:cTn id="10" presetID="10" presetClass="entr" presetSubtype="0" fill="hold" grpId="0" nodeType="clickEffect">
+                                  <p:stCondLst>
+                                    <p:cond delay="0"/>
+                                  </p:stCondLst>
+                                  <p:childTnLst>
+                                    <p:set>
+                                      <p:cBhvr>
+                                        <p:cTn id="11" dur="1" fill="hold">
+                                          <p:stCondLst>
+                                            <p:cond delay="0"/>
+                                          </p:stCondLst>
+                                        </p:cTn>
+                                        <p:tgtEl>
+                                          <p:spTgt spid="3">
+                                            <p:txEl>
+                                              <p:pRg st="1" end="1"/>
+                                            </p:txEl>
+                                          </p:spTgt>
+                                        </p:tgtEl>
+                                        <p:attrNameLst>
+                                          <p:attrName>style.visibility</p:attrName>
+                                        </p:attrNameLst>
+                                      </p:cBhvr>
+                                      <p:to>
+                                        <p:strVal val="visible"/>
+                                      </p:to>
+                                    </p:set>
+                                    <p:animEffect transition="in" filter="fade">
+                                      <p:cBhvr>
+                                        <p:cTn id="12" dur="500"/>
+                                        <p:tgtEl>
+                                          <p:spTgt spid="3">
+                                            <p:txEl>
+                                              <p:pRg st="1" end="1"/>
+                                            </p:txEl>
+                                          </p:spTgt>
+                                        </p:tgtEl>
+                                      </p:cBhvr>
+                                    </p:animEffect>
+                                  </p:childTnLst>
+                                </p:cTn>
+                              </p:par>
+                            </p:childTnLst>
+                          </p:cTn>
+                        </p:par>
+                      </p:childTnLst>
+                    </p:cTn>
+                  </p:par>
+                  <p:par>
+                    <p:cTn id="13" fill="hold">
+                      <p:stCondLst>
+                        <p:cond delay="indefinite"/>
+                      </p:stCondLst>
+                      <p:childTnLst>
+                        <p:par>
+                          <p:cTn id="14" fill="hold">
+                            <p:stCondLst>
+                              <p:cond delay="0"/>
+                            </p:stCondLst>
+                            <p:childTnLst>
+                              <p:par>
+                                <p:cTn id="15" presetID="10" presetClass="entr" presetSubtype="0" fill="hold" grpId="0" nodeType="clickEffect">
+                                  <p:stCondLst>
+                                    <p:cond delay="0"/>
+                                  </p:stCondLst>
+                                  <p:childTnLst>
+                                    <p:set>
+                                      <p:cBhvr>
+                                        <p:cTn id="16" dur="1" fill="hold">
+                                          <p:stCondLst>
+                                            <p:cond delay="0"/>
+                                          </p:stCondLst>
+                                        </p:cTn>
+                                        <p:tgtEl>
+                                          <p:spTgt spid="3">
+                                            <p:txEl>
+                                              <p:pRg st="2" end="2"/>
+                                            </p:txEl>
+                                          </p:spTgt>
+                                        </p:tgtEl>
+                                        <p:attrNameLst>
+                                          <p:attrName>style.visibility</p:attrName>
+                                        </p:attrNameLst>
+                                      </p:cBhvr>
+                                      <p:to>
+                                        <p:strVal val="visible"/>
+                                      </p:to>
+                                    </p:set>
+                                    <p:animEffect transition="in" filter="fade">
+                                      <p:cBhvr>
+                                        <p:cTn id="17" dur="500"/>
+                                        <p:tgtEl>
+                                          <p:spTgt spid="3">
+                                            <p:txEl>
+                                              <p:pRg st="2" end="2"/>
+                                            </p:txEl>
+                                          </p:spTgt>
+                                        </p:tgtEl>
+                                      </p:cBhvr>
+                                    </p:animEffect>
+                                  </p:childTnLst>
+                                </p:cTn>
+                              </p:par>
+                            </p:childTnLst>
+                          </p:cTn>
+                        </p:par>
+                      </p:childTnLst>
+                    </p:cTn>
+                  </p:par>
+                  <p:par>
+                    <p:cTn id="18" fill="hold">
+                      <p:stCondLst>
+                        <p:cond delay="indefinite"/>
+                      </p:stCondLst>
+                      <p:childTnLst>
+                        <p:par>
+                          <p:cTn id="19" fill="hold">
+                            <p:stCondLst>
+                              <p:cond delay="0"/>
+                            </p:stCondLst>
+                            <p:childTnLst>
+                              <p:par>
+                                <p:cTn id="20" presetID="10" presetClass="entr" presetSubtype="0" fill="hold" grpId="0" nodeType="clickEffect">
+                                  <p:stCondLst>
+                                    <p:cond delay="0"/>
+                                  </p:stCondLst>
+                                  <p:childTnLst>
+                                    <p:set>
+                                      <p:cBhvr>
+                                        <p:cTn id="21" dur="1" fill="hold">
+                                          <p:stCondLst>
+                                            <p:cond delay="0"/>
+                                          </p:stCondLst>
+                                        </p:cTn>
+                                        <p:tgtEl>
+                                          <p:spTgt spid="3">
+                                            <p:txEl>
+                                              <p:pRg st="3" end="3"/>
+                                            </p:txEl>
+                                          </p:spTgt>
+                                        </p:tgtEl>
+                                        <p:attrNameLst>
+                                          <p:attrName>style.visibility</p:attrName>
+                                        </p:attrNameLst>
+                                      </p:cBhvr>
+                                      <p:to>
+                                        <p:strVal val="visible"/>
+                                      </p:to>
+                                    </p:set>
+                                    <p:animEffect transition="in" filter="fade">
+                                      <p:cBhvr>
+                                        <p:cTn id="22" dur="500"/>
+                                        <p:tgtEl>
+                                          <p:spTgt spid="3">
+                                            <p:txEl>
+                                              <p:pRg st="3" end="3"/>
+                                            </p:txEl>
+                                          </p:spTgt>
+                                        </p:tgtEl>
+                                      </p:cBhvr>
+                                    </p:animEffect>
+                                  </p:childTnLst>
+                                </p:cTn>
+                              </p:par>
+                            </p:childTnLst>
+                          </p:cTn>
+                        </p:par>
+                      </p:childTnLst>
+                    </p:cTn>
+                  </p:par>
+                  <p:par>
+                    <p:cTn id="23" fill="hold">
+                      <p:stCondLst>
+                        <p:cond delay="indefinite"/>
+                      </p:stCondLst>
+                      <p:childTnLst>
+                        <p:par>
+                          <p:cTn id="24" fill="hold">
+                            <p:stCondLst>
+                              <p:cond delay="0"/>
+                            </p:stCondLst>
+                            <p:childTnLst>
+                              <p:par>
+                                <p:cTn id="25" presetID="10" presetClass="entr" presetSubtype="0" fill="hold" grpId="0" nodeType="clickEffect">
+                                  <p:stCondLst>
+                                    <p:cond delay="0"/>
+                                  </p:stCondLst>
+                                  <p:childTnLst>
+                                    <p:set>
+                                      <p:cBhvr>
+                                        <p:cTn id="26" dur="1" fill="hold">
+                                          <p:stCondLst>
+                                            <p:cond delay="0"/>
+                                          </p:stCondLst>
+                                        </p:cTn>
+                                        <p:tgtEl>
+                                          <p:spTgt spid="3">
+                                            <p:txEl>
+                                              <p:pRg st="4" end="4"/>
+                                            </p:txEl>
+                                          </p:spTgt>
+                                        </p:tgtEl>
+                                        <p:attrNameLst>
+                                          <p:attrName>style.visibility</p:attrName>
+                                        </p:attrNameLst>
+                                      </p:cBhvr>
+                                      <p:to>
+                                        <p:strVal val="visible"/>
+                                      </p:to>
+                                    </p:set>
+                                    <p:animEffect transition="in" filter="fade">
+                                      <p:cBhvr>
+                                        <p:cTn id="27" dur="500"/>
+                                        <p:tgtEl>
+                                          <p:spTgt spid="3">
+                                            <p:txEl>
+                                              <p:pRg st="4" end="4"/>
+                                            </p:txEl>
+                                          </p:spTgt>
+                                        </p:tgtEl>
+                                      </p:cBhvr>
+                                    </p:animEffect>
+                                  </p:childTnLst>
+                                </p:cTn>
+                              </p:par>
+                            </p:childTnLst>
+                          </p:cTn>
+                        </p:par>
+                      </p:childTnLst>
+                    </p:cTn>
+                  </p:par>
+                </p:childTnLst>
+              </p:cTn>
+              <p:prevCondLst>
+                <p:cond evt="onPrev" delay="0">
+                  <p:tgtEl>
+                    <p:sldTgt/>
+                  </p:tgtEl>
+                </p:cond>
+              </p:prevCondLst>
+              <p:nextCondLst>
+                <p:cond evt="onNext" delay="0">
+                  <p:tgtEl>
+                    <p:sldTgt/>
+                  </p:tgtEl>
+                </p:cond>
+              </p:nextCondLst>
+            </p:seq>
+          </p:childTnLst>
+        </p:cTn>
+      </p:par>
+    </p:tnLst>
+    <p:bldLst>
+      <p:bldP spid="3" grpId="0" build="p"/>
+    </p:bldLst>
+  </p:timing>
 </p:sld>
 </file>
 
@@ -13909,10 +14808,10 @@
       </p:grpSpPr>
       <p:sp>
         <p:nvSpPr>
-          <p:cNvPr id="2" name="Title 1">
+          <p:cNvPr id="7" name="Title 6">
             <a:extLst>
               <a:ext uri="{FF2B5EF4-FFF2-40B4-BE49-F238E27FC236}">
-                <a16:creationId xmlns:a16="http://schemas.microsoft.com/office/drawing/2014/main" id="{8058F766-D0DC-4867-8123-D66AF24A8E94}"/>
+                <a16:creationId xmlns:a16="http://schemas.microsoft.com/office/drawing/2014/main" id="{5820CFE9-D776-45EE-A272-A83CFC5E27B5}"/>
               </a:ext>
             </a:extLst>
           </p:cNvPr>
@@ -13930,28 +14829,26 @@
           <a:p>
             <a:r>
               <a:rPr lang="en-US" dirty="0"/>
-              <a:t>Asthma Prevalence by State</a:t>
+              <a:t>Georgia Air Quality Over Time</a:t>
             </a:r>
           </a:p>
         </p:txBody>
       </p:sp>
       <p:pic>
         <p:nvPicPr>
-          <p:cNvPr id="7" name="Content Placeholder 6" descr="A picture containing text, map&#10;&#10;Description generated with very high confidence">
+          <p:cNvPr id="6146" name="Picture 2" descr="air_qality_trends.png">
             <a:extLst>
               <a:ext uri="{FF2B5EF4-FFF2-40B4-BE49-F238E27FC236}">
-                <a16:creationId xmlns:a16="http://schemas.microsoft.com/office/drawing/2014/main" id="{13938ABB-9B36-4A13-A0AE-3A1C9544FDA1}"/>
+                <a16:creationId xmlns:a16="http://schemas.microsoft.com/office/drawing/2014/main" id="{677086A6-2131-4DCE-BBD9-C5684134601B}"/>
               </a:ext>
             </a:extLst>
           </p:cNvPr>
           <p:cNvPicPr>
-            <a:picLocks noGrp="1" noChangeAspect="1"/>
+            <a:picLocks noChangeAspect="1" noChangeArrowheads="1"/>
           </p:cNvPicPr>
-          <p:nvPr>
-            <p:ph idx="1"/>
-          </p:nvPr>
+          <p:nvPr/>
         </p:nvPicPr>
-        <p:blipFill rotWithShape="1">
+        <p:blipFill>
           <a:blip r:embed="rId3">
             <a:extLst>
               <a:ext uri="{28A0092B-C50C-407E-A947-70E740481C1C}">
@@ -13959,27 +14856,1079 @@
               </a:ext>
             </a:extLst>
           </a:blip>
-          <a:srcRect l="10729" r="21068"/>
-          <a:stretch/>
+          <a:srcRect/>
+          <a:stretch>
+            <a:fillRect/>
+          </a:stretch>
         </p:blipFill>
-        <p:spPr>
+        <p:spPr bwMode="auto">
           <a:xfrm>
-            <a:off x="622562" y="1527281"/>
-            <a:ext cx="8431306" cy="4831896"/>
+            <a:off x="845819" y="1771931"/>
+            <a:ext cx="9435465" cy="4726024"/>
           </a:xfrm>
+          <a:prstGeom prst="rect">
+            <a:avLst/>
+          </a:prstGeom>
+          <a:ln>
+            <a:noFill/>
+          </a:ln>
           <a:effectLst>
-            <a:outerShdw blurRad="50800" dist="38100" dir="5400000" algn="t" rotWithShape="0">
-              <a:prstClr val="black">
-                <a:alpha val="40000"/>
-              </a:prstClr>
+            <a:outerShdw blurRad="292100" dist="139700" dir="2700000" algn="tl" rotWithShape="0">
+              <a:srgbClr val="333333">
+                <a:alpha val="65000"/>
+              </a:srgbClr>
             </a:outerShdw>
           </a:effectLst>
+          <a:extLst>
+            <a:ext uri="{909E8E84-426E-40DD-AFC4-6F175D3DCCD1}">
+              <a14:hiddenFill xmlns:a14="http://schemas.microsoft.com/office/drawing/2010/main">
+                <a:solidFill>
+                  <a:srgbClr val="FFFFFF"/>
+                </a:solidFill>
+              </a14:hiddenFill>
+            </a:ext>
+          </a:extLst>
         </p:spPr>
       </p:pic>
     </p:spTree>
     <p:extLst>
       <p:ext uri="{BB962C8B-B14F-4D97-AF65-F5344CB8AC3E}">
-        <p14:creationId xmlns:p14="http://schemas.microsoft.com/office/powerpoint/2010/main" val="1810008845"/>
+        <p14:creationId xmlns:p14="http://schemas.microsoft.com/office/powerpoint/2010/main" val="3880784283"/>
+      </p:ext>
+    </p:extLst>
+  </p:cSld>
+  <p:clrMapOvr>
+    <a:masterClrMapping/>
+  </p:clrMapOvr>
+  <p:timing>
+    <p:tnLst>
+      <p:par>
+        <p:cTn id="1" dur="indefinite" restart="never" nodeType="tmRoot">
+          <p:childTnLst>
+            <p:seq concurrent="1" nextAc="seek">
+              <p:cTn id="2" dur="indefinite" nodeType="mainSeq">
+                <p:childTnLst>
+                  <p:par>
+                    <p:cTn id="3" fill="hold">
+                      <p:stCondLst>
+                        <p:cond delay="indefinite"/>
+                      </p:stCondLst>
+                      <p:childTnLst>
+                        <p:par>
+                          <p:cTn id="4" fill="hold">
+                            <p:stCondLst>
+                              <p:cond delay="0"/>
+                            </p:stCondLst>
+                            <p:childTnLst>
+                              <p:par>
+                                <p:cTn id="5" presetID="10" presetClass="entr" presetSubtype="0" fill="hold" nodeType="clickEffect">
+                                  <p:stCondLst>
+                                    <p:cond delay="0"/>
+                                  </p:stCondLst>
+                                  <p:childTnLst>
+                                    <p:set>
+                                      <p:cBhvr>
+                                        <p:cTn id="6" dur="1" fill="hold">
+                                          <p:stCondLst>
+                                            <p:cond delay="0"/>
+                                          </p:stCondLst>
+                                        </p:cTn>
+                                        <p:tgtEl>
+                                          <p:spTgt spid="6146"/>
+                                        </p:tgtEl>
+                                        <p:attrNameLst>
+                                          <p:attrName>style.visibility</p:attrName>
+                                        </p:attrNameLst>
+                                      </p:cBhvr>
+                                      <p:to>
+                                        <p:strVal val="visible"/>
+                                      </p:to>
+                                    </p:set>
+                                    <p:animEffect transition="in" filter="fade">
+                                      <p:cBhvr>
+                                        <p:cTn id="7" dur="500"/>
+                                        <p:tgtEl>
+                                          <p:spTgt spid="6146"/>
+                                        </p:tgtEl>
+                                      </p:cBhvr>
+                                    </p:animEffect>
+                                  </p:childTnLst>
+                                </p:cTn>
+                              </p:par>
+                            </p:childTnLst>
+                          </p:cTn>
+                        </p:par>
+                      </p:childTnLst>
+                    </p:cTn>
+                  </p:par>
+                </p:childTnLst>
+              </p:cTn>
+              <p:prevCondLst>
+                <p:cond evt="onPrev" delay="0">
+                  <p:tgtEl>
+                    <p:sldTgt/>
+                  </p:tgtEl>
+                </p:cond>
+              </p:prevCondLst>
+              <p:nextCondLst>
+                <p:cond evt="onNext" delay="0">
+                  <p:tgtEl>
+                    <p:sldTgt/>
+                  </p:tgtEl>
+                </p:cond>
+              </p:nextCondLst>
+            </p:seq>
+          </p:childTnLst>
+        </p:cTn>
+      </p:par>
+    </p:tnLst>
+  </p:timing>
+</p:sld>
+</file>
+
+<file path=ppt/slides/slide11.xml><?xml version="1.0" encoding="utf-8"?>
+<p:sld xmlns:a="http://schemas.openxmlformats.org/drawingml/2006/main" xmlns:r="http://schemas.openxmlformats.org/officeDocument/2006/relationships" xmlns:p="http://schemas.openxmlformats.org/presentationml/2006/main">
+  <p:cSld>
+    <p:bg>
+      <p:bgPr>
+        <a:solidFill>
+          <a:schemeClr val="bg1"/>
+        </a:solidFill>
+        <a:effectLst/>
+      </p:bgPr>
+    </p:bg>
+    <p:spTree>
+      <p:nvGrpSpPr>
+        <p:cNvPr id="1" name=""/>
+        <p:cNvGrpSpPr/>
+        <p:nvPr/>
+      </p:nvGrpSpPr>
+      <p:grpSpPr>
+        <a:xfrm>
+          <a:off x="0" y="0"/>
+          <a:ext cx="0" cy="0"/>
+          <a:chOff x="0" y="0"/>
+          <a:chExt cx="0" cy="0"/>
+        </a:xfrm>
+      </p:grpSpPr>
+      <p:grpSp>
+        <p:nvGrpSpPr>
+          <p:cNvPr id="75" name="Group 74">
+            <a:extLst>
+              <a:ext uri="{FF2B5EF4-FFF2-40B4-BE49-F238E27FC236}">
+                <a16:creationId xmlns:a16="http://schemas.microsoft.com/office/drawing/2014/main" id="{EBE86EA4-C4F1-4465-B306-7A2BC2285926}"/>
+              </a:ext>
+              <a:ext uri="{C183D7F6-B498-43B3-948B-1728B52AA6E4}">
+                <adec:decorative xmlns:adec="http://schemas.microsoft.com/office/drawing/2017/decorative" val="1"/>
+              </a:ext>
+            </a:extLst>
+          </p:cNvPr>
+          <p:cNvGrpSpPr>
+            <a:grpSpLocks noGrp="1" noUngrp="1" noRot="1" noChangeAspect="1" noMove="1" noResize="1"/>
+          </p:cNvGrpSpPr>
+          <p:nvPr>
+            <p:extLst>
+              <p:ext uri="{386F3935-93C4-4BCD-93E2-E3B085C9AB24}">
+                <p16:designElem xmlns:p16="http://schemas.microsoft.com/office/powerpoint/2015/main" val="1"/>
+              </p:ext>
+            </p:extLst>
+          </p:nvPr>
+        </p:nvGrpSpPr>
+        <p:grpSpPr>
+          <a:xfrm>
+            <a:off x="0" y="-8467"/>
+            <a:ext cx="12192000" cy="6866467"/>
+            <a:chOff x="0" y="-8467"/>
+            <a:chExt cx="12192000" cy="6866467"/>
+          </a:xfrm>
+        </p:grpSpPr>
+        <p:cxnSp>
+          <p:nvCxnSpPr>
+            <p:cNvPr id="76" name="Straight Connector 75">
+              <a:extLst>
+                <a:ext uri="{FF2B5EF4-FFF2-40B4-BE49-F238E27FC236}">
+                  <a16:creationId xmlns:a16="http://schemas.microsoft.com/office/drawing/2014/main" id="{A8279268-DB29-43BE-B57C-14977EACFDA0}"/>
+                </a:ext>
+                <a:ext uri="{C183D7F6-B498-43B3-948B-1728B52AA6E4}">
+                  <adec:decorative xmlns:adec="http://schemas.microsoft.com/office/drawing/2017/decorative" val="1"/>
+                </a:ext>
+              </a:extLst>
+            </p:cNvPr>
+            <p:cNvCxnSpPr/>
+            <p:nvPr>
+              <p:extLst>
+                <p:ext uri="{386F3935-93C4-4BCD-93E2-E3B085C9AB24}">
+                  <p16:designElem xmlns:p16="http://schemas.microsoft.com/office/powerpoint/2015/main" val="1"/>
+                </p:ext>
+              </p:extLst>
+            </p:nvPr>
+          </p:nvCxnSpPr>
+          <p:spPr>
+            <a:xfrm>
+              <a:off x="9371012" y="0"/>
+              <a:ext cx="1219200" cy="6858000"/>
+            </a:xfrm>
+            <a:prstGeom prst="line">
+              <a:avLst/>
+            </a:prstGeom>
+            <a:ln w="9525">
+              <a:solidFill>
+                <a:schemeClr val="bg1">
+                  <a:lumMod val="75000"/>
+                </a:schemeClr>
+              </a:solidFill>
+            </a:ln>
+          </p:spPr>
+          <p:style>
+            <a:lnRef idx="2">
+              <a:schemeClr val="accent1"/>
+            </a:lnRef>
+            <a:fillRef idx="0">
+              <a:schemeClr val="accent1"/>
+            </a:fillRef>
+            <a:effectRef idx="1">
+              <a:schemeClr val="accent1"/>
+            </a:effectRef>
+            <a:fontRef idx="minor">
+              <a:schemeClr val="tx1"/>
+            </a:fontRef>
+          </p:style>
+        </p:cxnSp>
+        <p:cxnSp>
+          <p:nvCxnSpPr>
+            <p:cNvPr id="77" name="Straight Connector 76">
+              <a:extLst>
+                <a:ext uri="{FF2B5EF4-FFF2-40B4-BE49-F238E27FC236}">
+                  <a16:creationId xmlns:a16="http://schemas.microsoft.com/office/drawing/2014/main" id="{C8FA53C0-C1EF-4611-BAB3-65EEB16AA30F}"/>
+                </a:ext>
+                <a:ext uri="{C183D7F6-B498-43B3-948B-1728B52AA6E4}">
+                  <adec:decorative xmlns:adec="http://schemas.microsoft.com/office/drawing/2017/decorative" val="1"/>
+                </a:ext>
+              </a:extLst>
+            </p:cNvPr>
+            <p:cNvCxnSpPr/>
+            <p:nvPr>
+              <p:extLst>
+                <p:ext uri="{386F3935-93C4-4BCD-93E2-E3B085C9AB24}">
+                  <p16:designElem xmlns:p16="http://schemas.microsoft.com/office/powerpoint/2015/main" val="1"/>
+                </p:ext>
+              </p:extLst>
+            </p:nvPr>
+          </p:nvCxnSpPr>
+          <p:spPr>
+            <a:xfrm flipH="1">
+              <a:off x="7425267" y="3681413"/>
+              <a:ext cx="4763558" cy="3176587"/>
+            </a:xfrm>
+            <a:prstGeom prst="line">
+              <a:avLst/>
+            </a:prstGeom>
+            <a:ln w="9525">
+              <a:solidFill>
+                <a:schemeClr val="bg1">
+                  <a:lumMod val="85000"/>
+                </a:schemeClr>
+              </a:solidFill>
+            </a:ln>
+          </p:spPr>
+          <p:style>
+            <a:lnRef idx="2">
+              <a:schemeClr val="accent1"/>
+            </a:lnRef>
+            <a:fillRef idx="0">
+              <a:schemeClr val="accent1"/>
+            </a:fillRef>
+            <a:effectRef idx="1">
+              <a:schemeClr val="accent1"/>
+            </a:effectRef>
+            <a:fontRef idx="minor">
+              <a:schemeClr val="tx1"/>
+            </a:fontRef>
+          </p:style>
+        </p:cxnSp>
+        <p:sp>
+          <p:nvSpPr>
+            <p:cNvPr id="78" name="Rectangle 23">
+              <a:extLst>
+                <a:ext uri="{FF2B5EF4-FFF2-40B4-BE49-F238E27FC236}">
+                  <a16:creationId xmlns:a16="http://schemas.microsoft.com/office/drawing/2014/main" id="{81CDACFC-DD8A-4CC0-B7FC-6030FC3536D9}"/>
+                </a:ext>
+                <a:ext uri="{C183D7F6-B498-43B3-948B-1728B52AA6E4}">
+                  <adec:decorative xmlns:adec="http://schemas.microsoft.com/office/drawing/2017/decorative" val="1"/>
+                </a:ext>
+              </a:extLst>
+            </p:cNvPr>
+            <p:cNvSpPr/>
+            <p:nvPr>
+              <p:extLst>
+                <p:ext uri="{386F3935-93C4-4BCD-93E2-E3B085C9AB24}">
+                  <p16:designElem xmlns:p16="http://schemas.microsoft.com/office/powerpoint/2015/main" val="1"/>
+                </p:ext>
+              </p:extLst>
+            </p:nvPr>
+          </p:nvSpPr>
+          <p:spPr>
+            <a:xfrm>
+              <a:off x="9181476" y="-8467"/>
+              <a:ext cx="3007349" cy="6866467"/>
+            </a:xfrm>
+            <a:custGeom>
+              <a:avLst/>
+              <a:gdLst/>
+              <a:ahLst/>
+              <a:cxnLst/>
+              <a:rect l="l" t="t" r="r" b="b"/>
+              <a:pathLst>
+                <a:path w="3007349" h="6866467">
+                  <a:moveTo>
+                    <a:pt x="2045532" y="0"/>
+                  </a:moveTo>
+                  <a:lnTo>
+                    <a:pt x="3007349" y="0"/>
+                  </a:lnTo>
+                  <a:lnTo>
+                    <a:pt x="3007349" y="6866467"/>
+                  </a:lnTo>
+                  <a:lnTo>
+                    <a:pt x="0" y="6866467"/>
+                  </a:lnTo>
+                  <a:lnTo>
+                    <a:pt x="2045532" y="0"/>
+                  </a:lnTo>
+                  <a:close/>
+                </a:path>
+              </a:pathLst>
+            </a:custGeom>
+            <a:solidFill>
+              <a:schemeClr val="accent1">
+                <a:alpha val="30000"/>
+              </a:schemeClr>
+            </a:solidFill>
+            <a:ln>
+              <a:noFill/>
+            </a:ln>
+            <a:effectLst/>
+          </p:spPr>
+          <p:style>
+            <a:lnRef idx="1">
+              <a:schemeClr val="accent1"/>
+            </a:lnRef>
+            <a:fillRef idx="3">
+              <a:schemeClr val="accent1"/>
+            </a:fillRef>
+            <a:effectRef idx="2">
+              <a:schemeClr val="accent1"/>
+            </a:effectRef>
+            <a:fontRef idx="minor">
+              <a:schemeClr val="lt1"/>
+            </a:fontRef>
+          </p:style>
+        </p:sp>
+        <p:sp>
+          <p:nvSpPr>
+            <p:cNvPr id="79" name="Rectangle 25">
+              <a:extLst>
+                <a:ext uri="{FF2B5EF4-FFF2-40B4-BE49-F238E27FC236}">
+                  <a16:creationId xmlns:a16="http://schemas.microsoft.com/office/drawing/2014/main" id="{0269F267-73D4-4CC3-BEC7-73335654DE73}"/>
+                </a:ext>
+                <a:ext uri="{C183D7F6-B498-43B3-948B-1728B52AA6E4}">
+                  <adec:decorative xmlns:adec="http://schemas.microsoft.com/office/drawing/2017/decorative" val="1"/>
+                </a:ext>
+              </a:extLst>
+            </p:cNvPr>
+            <p:cNvSpPr/>
+            <p:nvPr>
+              <p:extLst>
+                <p:ext uri="{386F3935-93C4-4BCD-93E2-E3B085C9AB24}">
+                  <p16:designElem xmlns:p16="http://schemas.microsoft.com/office/powerpoint/2015/main" val="1"/>
+                </p:ext>
+              </p:extLst>
+            </p:nvPr>
+          </p:nvSpPr>
+          <p:spPr>
+            <a:xfrm>
+              <a:off x="9603442" y="-8467"/>
+              <a:ext cx="2588558" cy="6866467"/>
+            </a:xfrm>
+            <a:custGeom>
+              <a:avLst/>
+              <a:gdLst/>
+              <a:ahLst/>
+              <a:cxnLst/>
+              <a:rect l="l" t="t" r="r" b="b"/>
+              <a:pathLst>
+                <a:path w="2573311" h="6866467">
+                  <a:moveTo>
+                    <a:pt x="0" y="0"/>
+                  </a:moveTo>
+                  <a:lnTo>
+                    <a:pt x="2573311" y="0"/>
+                  </a:lnTo>
+                  <a:lnTo>
+                    <a:pt x="2573311" y="6866467"/>
+                  </a:lnTo>
+                  <a:lnTo>
+                    <a:pt x="1202336" y="6866467"/>
+                  </a:lnTo>
+                  <a:lnTo>
+                    <a:pt x="0" y="0"/>
+                  </a:lnTo>
+                  <a:close/>
+                </a:path>
+              </a:pathLst>
+            </a:custGeom>
+            <a:solidFill>
+              <a:schemeClr val="accent1">
+                <a:alpha val="20000"/>
+              </a:schemeClr>
+            </a:solidFill>
+            <a:ln>
+              <a:noFill/>
+            </a:ln>
+            <a:effectLst/>
+          </p:spPr>
+          <p:style>
+            <a:lnRef idx="1">
+              <a:schemeClr val="accent1"/>
+            </a:lnRef>
+            <a:fillRef idx="3">
+              <a:schemeClr val="accent1"/>
+            </a:fillRef>
+            <a:effectRef idx="2">
+              <a:schemeClr val="accent1"/>
+            </a:effectRef>
+            <a:fontRef idx="minor">
+              <a:schemeClr val="lt1"/>
+            </a:fontRef>
+          </p:style>
+        </p:sp>
+        <p:sp>
+          <p:nvSpPr>
+            <p:cNvPr id="80" name="Isosceles Triangle 79">
+              <a:extLst>
+                <a:ext uri="{FF2B5EF4-FFF2-40B4-BE49-F238E27FC236}">
+                  <a16:creationId xmlns:a16="http://schemas.microsoft.com/office/drawing/2014/main" id="{DC48F13D-B2D7-4EB8-9CA7-59243637C8DE}"/>
+                </a:ext>
+                <a:ext uri="{C183D7F6-B498-43B3-948B-1728B52AA6E4}">
+                  <adec:decorative xmlns:adec="http://schemas.microsoft.com/office/drawing/2017/decorative" val="1"/>
+                </a:ext>
+              </a:extLst>
+            </p:cNvPr>
+            <p:cNvSpPr/>
+            <p:nvPr>
+              <p:extLst>
+                <p:ext uri="{386F3935-93C4-4BCD-93E2-E3B085C9AB24}">
+                  <p16:designElem xmlns:p16="http://schemas.microsoft.com/office/powerpoint/2015/main" val="1"/>
+                </p:ext>
+              </p:extLst>
+            </p:nvPr>
+          </p:nvSpPr>
+          <p:spPr>
+            <a:xfrm>
+              <a:off x="8932333" y="3048000"/>
+              <a:ext cx="3259667" cy="3810000"/>
+            </a:xfrm>
+            <a:prstGeom prst="triangle">
+              <a:avLst>
+                <a:gd name="adj" fmla="val 100000"/>
+              </a:avLst>
+            </a:prstGeom>
+            <a:solidFill>
+              <a:schemeClr val="accent2">
+                <a:alpha val="72000"/>
+              </a:schemeClr>
+            </a:solidFill>
+            <a:ln>
+              <a:noFill/>
+            </a:ln>
+            <a:effectLst/>
+          </p:spPr>
+          <p:style>
+            <a:lnRef idx="1">
+              <a:schemeClr val="accent1"/>
+            </a:lnRef>
+            <a:fillRef idx="3">
+              <a:schemeClr val="accent1"/>
+            </a:fillRef>
+            <a:effectRef idx="2">
+              <a:schemeClr val="accent1"/>
+            </a:effectRef>
+            <a:fontRef idx="minor">
+              <a:schemeClr val="lt1"/>
+            </a:fontRef>
+          </p:style>
+        </p:sp>
+        <p:sp>
+          <p:nvSpPr>
+            <p:cNvPr id="81" name="Rectangle 27">
+              <a:extLst>
+                <a:ext uri="{FF2B5EF4-FFF2-40B4-BE49-F238E27FC236}">
+                  <a16:creationId xmlns:a16="http://schemas.microsoft.com/office/drawing/2014/main" id="{A82405B3-5A67-4DA2-8EDA-7AB65A8B4506}"/>
+                </a:ext>
+                <a:ext uri="{C183D7F6-B498-43B3-948B-1728B52AA6E4}">
+                  <adec:decorative xmlns:adec="http://schemas.microsoft.com/office/drawing/2017/decorative" val="1"/>
+                </a:ext>
+              </a:extLst>
+            </p:cNvPr>
+            <p:cNvSpPr/>
+            <p:nvPr>
+              <p:extLst>
+                <p:ext uri="{386F3935-93C4-4BCD-93E2-E3B085C9AB24}">
+                  <p16:designElem xmlns:p16="http://schemas.microsoft.com/office/powerpoint/2015/main" val="1"/>
+                </p:ext>
+              </p:extLst>
+            </p:nvPr>
+          </p:nvSpPr>
+          <p:spPr>
+            <a:xfrm>
+              <a:off x="9334500" y="-8467"/>
+              <a:ext cx="2854326" cy="6866467"/>
+            </a:xfrm>
+            <a:custGeom>
+              <a:avLst/>
+              <a:gdLst/>
+              <a:ahLst/>
+              <a:cxnLst/>
+              <a:rect l="l" t="t" r="r" b="b"/>
+              <a:pathLst>
+                <a:path w="2858013" h="6866467">
+                  <a:moveTo>
+                    <a:pt x="0" y="0"/>
+                  </a:moveTo>
+                  <a:lnTo>
+                    <a:pt x="2858013" y="0"/>
+                  </a:lnTo>
+                  <a:lnTo>
+                    <a:pt x="2858013" y="6866467"/>
+                  </a:lnTo>
+                  <a:lnTo>
+                    <a:pt x="2473942" y="6866467"/>
+                  </a:lnTo>
+                  <a:lnTo>
+                    <a:pt x="0" y="0"/>
+                  </a:lnTo>
+                  <a:close/>
+                </a:path>
+              </a:pathLst>
+            </a:custGeom>
+            <a:solidFill>
+              <a:schemeClr val="accent2">
+                <a:lumMod val="75000"/>
+                <a:alpha val="70000"/>
+              </a:schemeClr>
+            </a:solidFill>
+            <a:ln>
+              <a:noFill/>
+            </a:ln>
+            <a:effectLst/>
+          </p:spPr>
+          <p:style>
+            <a:lnRef idx="1">
+              <a:schemeClr val="accent1"/>
+            </a:lnRef>
+            <a:fillRef idx="3">
+              <a:schemeClr val="accent1"/>
+            </a:fillRef>
+            <a:effectRef idx="2">
+              <a:schemeClr val="accent1"/>
+            </a:effectRef>
+            <a:fontRef idx="minor">
+              <a:schemeClr val="lt1"/>
+            </a:fontRef>
+          </p:style>
+        </p:sp>
+        <p:sp>
+          <p:nvSpPr>
+            <p:cNvPr id="82" name="Rectangle 28">
+              <a:extLst>
+                <a:ext uri="{FF2B5EF4-FFF2-40B4-BE49-F238E27FC236}">
+                  <a16:creationId xmlns:a16="http://schemas.microsoft.com/office/drawing/2014/main" id="{7508BC7B-3BD2-4D96-A46E-82988222AC2E}"/>
+                </a:ext>
+                <a:ext uri="{C183D7F6-B498-43B3-948B-1728B52AA6E4}">
+                  <adec:decorative xmlns:adec="http://schemas.microsoft.com/office/drawing/2017/decorative" val="1"/>
+                </a:ext>
+              </a:extLst>
+            </p:cNvPr>
+            <p:cNvSpPr/>
+            <p:nvPr>
+              <p:extLst>
+                <p:ext uri="{386F3935-93C4-4BCD-93E2-E3B085C9AB24}">
+                  <p16:designElem xmlns:p16="http://schemas.microsoft.com/office/powerpoint/2015/main" val="1"/>
+                </p:ext>
+              </p:extLst>
+            </p:nvPr>
+          </p:nvSpPr>
+          <p:spPr>
+            <a:xfrm>
+              <a:off x="10898730" y="-8467"/>
+              <a:ext cx="1290094" cy="6866467"/>
+            </a:xfrm>
+            <a:custGeom>
+              <a:avLst/>
+              <a:gdLst/>
+              <a:ahLst/>
+              <a:cxnLst/>
+              <a:rect l="l" t="t" r="r" b="b"/>
+              <a:pathLst>
+                <a:path w="1290094" h="6858000">
+                  <a:moveTo>
+                    <a:pt x="1019735" y="0"/>
+                  </a:moveTo>
+                  <a:lnTo>
+                    <a:pt x="1290094" y="0"/>
+                  </a:lnTo>
+                  <a:lnTo>
+                    <a:pt x="1290094" y="6858000"/>
+                  </a:lnTo>
+                  <a:lnTo>
+                    <a:pt x="0" y="6858000"/>
+                  </a:lnTo>
+                  <a:lnTo>
+                    <a:pt x="1019735" y="0"/>
+                  </a:lnTo>
+                  <a:close/>
+                </a:path>
+              </a:pathLst>
+            </a:custGeom>
+            <a:solidFill>
+              <a:schemeClr val="accent1">
+                <a:lumMod val="60000"/>
+                <a:lumOff val="40000"/>
+                <a:alpha val="70000"/>
+              </a:schemeClr>
+            </a:solidFill>
+            <a:ln>
+              <a:noFill/>
+            </a:ln>
+            <a:effectLst/>
+          </p:spPr>
+          <p:style>
+            <a:lnRef idx="1">
+              <a:schemeClr val="accent1"/>
+            </a:lnRef>
+            <a:fillRef idx="3">
+              <a:schemeClr val="accent1"/>
+            </a:fillRef>
+            <a:effectRef idx="2">
+              <a:schemeClr val="accent1"/>
+            </a:effectRef>
+            <a:fontRef idx="minor">
+              <a:schemeClr val="lt1"/>
+            </a:fontRef>
+          </p:style>
+        </p:sp>
+        <p:sp>
+          <p:nvSpPr>
+            <p:cNvPr id="83" name="Rectangle 29">
+              <a:extLst>
+                <a:ext uri="{FF2B5EF4-FFF2-40B4-BE49-F238E27FC236}">
+                  <a16:creationId xmlns:a16="http://schemas.microsoft.com/office/drawing/2014/main" id="{4298D07C-2287-4B93-9041-935144DE1BD0}"/>
+                </a:ext>
+                <a:ext uri="{C183D7F6-B498-43B3-948B-1728B52AA6E4}">
+                  <adec:decorative xmlns:adec="http://schemas.microsoft.com/office/drawing/2017/decorative" val="1"/>
+                </a:ext>
+              </a:extLst>
+            </p:cNvPr>
+            <p:cNvSpPr/>
+            <p:nvPr>
+              <p:extLst>
+                <p:ext uri="{386F3935-93C4-4BCD-93E2-E3B085C9AB24}">
+                  <p16:designElem xmlns:p16="http://schemas.microsoft.com/office/powerpoint/2015/main" val="1"/>
+                </p:ext>
+              </p:extLst>
+            </p:nvPr>
+          </p:nvSpPr>
+          <p:spPr>
+            <a:xfrm>
+              <a:off x="10938999" y="-8467"/>
+              <a:ext cx="1249825" cy="6866467"/>
+            </a:xfrm>
+            <a:custGeom>
+              <a:avLst/>
+              <a:gdLst/>
+              <a:ahLst/>
+              <a:cxnLst/>
+              <a:rect l="l" t="t" r="r" b="b"/>
+              <a:pathLst>
+                <a:path w="1249825" h="6858000">
+                  <a:moveTo>
+                    <a:pt x="0" y="0"/>
+                  </a:moveTo>
+                  <a:lnTo>
+                    <a:pt x="1249825" y="0"/>
+                  </a:lnTo>
+                  <a:lnTo>
+                    <a:pt x="1249825" y="6858000"/>
+                  </a:lnTo>
+                  <a:lnTo>
+                    <a:pt x="1109382" y="6858000"/>
+                  </a:lnTo>
+                  <a:lnTo>
+                    <a:pt x="0" y="0"/>
+                  </a:lnTo>
+                  <a:close/>
+                </a:path>
+              </a:pathLst>
+            </a:custGeom>
+            <a:solidFill>
+              <a:schemeClr val="accent1">
+                <a:alpha val="65000"/>
+              </a:schemeClr>
+            </a:solidFill>
+            <a:ln>
+              <a:noFill/>
+            </a:ln>
+            <a:effectLst/>
+          </p:spPr>
+          <p:style>
+            <a:lnRef idx="1">
+              <a:schemeClr val="accent1"/>
+            </a:lnRef>
+            <a:fillRef idx="3">
+              <a:schemeClr val="accent1"/>
+            </a:fillRef>
+            <a:effectRef idx="2">
+              <a:schemeClr val="accent1"/>
+            </a:effectRef>
+            <a:fontRef idx="minor">
+              <a:schemeClr val="lt1"/>
+            </a:fontRef>
+          </p:style>
+        </p:sp>
+        <p:sp>
+          <p:nvSpPr>
+            <p:cNvPr id="84" name="Isosceles Triangle 83">
+              <a:extLst>
+                <a:ext uri="{FF2B5EF4-FFF2-40B4-BE49-F238E27FC236}">
+                  <a16:creationId xmlns:a16="http://schemas.microsoft.com/office/drawing/2014/main" id="{0F6BC886-C125-4903-8C2A-6FB687400DD0}"/>
+                </a:ext>
+                <a:ext uri="{C183D7F6-B498-43B3-948B-1728B52AA6E4}">
+                  <adec:decorative xmlns:adec="http://schemas.microsoft.com/office/drawing/2017/decorative" val="1"/>
+                </a:ext>
+              </a:extLst>
+            </p:cNvPr>
+            <p:cNvSpPr/>
+            <p:nvPr>
+              <p:extLst>
+                <p:ext uri="{386F3935-93C4-4BCD-93E2-E3B085C9AB24}">
+                  <p16:designElem xmlns:p16="http://schemas.microsoft.com/office/powerpoint/2015/main" val="1"/>
+                </p:ext>
+              </p:extLst>
+            </p:nvPr>
+          </p:nvSpPr>
+          <p:spPr>
+            <a:xfrm>
+              <a:off x="10371666" y="3589867"/>
+              <a:ext cx="1817159" cy="3268133"/>
+            </a:xfrm>
+            <a:prstGeom prst="triangle">
+              <a:avLst>
+                <a:gd name="adj" fmla="val 100000"/>
+              </a:avLst>
+            </a:prstGeom>
+            <a:solidFill>
+              <a:schemeClr val="accent1">
+                <a:alpha val="80000"/>
+              </a:schemeClr>
+            </a:solidFill>
+            <a:ln>
+              <a:noFill/>
+            </a:ln>
+            <a:effectLst/>
+          </p:spPr>
+          <p:style>
+            <a:lnRef idx="1">
+              <a:schemeClr val="accent1"/>
+            </a:lnRef>
+            <a:fillRef idx="3">
+              <a:schemeClr val="accent1"/>
+            </a:fillRef>
+            <a:effectRef idx="2">
+              <a:schemeClr val="accent1"/>
+            </a:effectRef>
+            <a:fontRef idx="minor">
+              <a:schemeClr val="lt1"/>
+            </a:fontRef>
+          </p:style>
+        </p:sp>
+        <p:sp>
+          <p:nvSpPr>
+            <p:cNvPr id="85" name="Isosceles Triangle 84">
+              <a:extLst>
+                <a:ext uri="{FF2B5EF4-FFF2-40B4-BE49-F238E27FC236}">
+                  <a16:creationId xmlns:a16="http://schemas.microsoft.com/office/drawing/2014/main" id="{C9D0B38F-2E02-4E85-99EE-73595E7C8953}"/>
+                </a:ext>
+                <a:ext uri="{C183D7F6-B498-43B3-948B-1728B52AA6E4}">
+                  <adec:decorative xmlns:adec="http://schemas.microsoft.com/office/drawing/2017/decorative" val="1"/>
+                </a:ext>
+              </a:extLst>
+            </p:cNvPr>
+            <p:cNvSpPr/>
+            <p:nvPr>
+              <p:extLst>
+                <p:ext uri="{386F3935-93C4-4BCD-93E2-E3B085C9AB24}">
+                  <p16:designElem xmlns:p16="http://schemas.microsoft.com/office/powerpoint/2015/main" val="1"/>
+                </p:ext>
+              </p:extLst>
+            </p:nvPr>
+          </p:nvSpPr>
+          <p:spPr>
+            <a:xfrm rot="10800000">
+              <a:off x="0" y="0"/>
+              <a:ext cx="842596" cy="5666154"/>
+            </a:xfrm>
+            <a:prstGeom prst="triangle">
+              <a:avLst>
+                <a:gd name="adj" fmla="val 100000"/>
+              </a:avLst>
+            </a:prstGeom>
+            <a:solidFill>
+              <a:schemeClr val="accent1">
+                <a:alpha val="85000"/>
+              </a:schemeClr>
+            </a:solidFill>
+            <a:ln>
+              <a:noFill/>
+            </a:ln>
+            <a:effectLst/>
+          </p:spPr>
+          <p:style>
+            <a:lnRef idx="1">
+              <a:schemeClr val="accent1"/>
+            </a:lnRef>
+            <a:fillRef idx="3">
+              <a:schemeClr val="accent1"/>
+            </a:fillRef>
+            <a:effectRef idx="2">
+              <a:schemeClr val="accent1"/>
+            </a:effectRef>
+            <a:fontRef idx="minor">
+              <a:schemeClr val="lt1"/>
+            </a:fontRef>
+          </p:style>
+        </p:sp>
+      </p:grpSp>
+      <p:sp>
+        <p:nvSpPr>
+          <p:cNvPr id="2" name="Title 1">
+            <a:extLst>
+              <a:ext uri="{FF2B5EF4-FFF2-40B4-BE49-F238E27FC236}">
+                <a16:creationId xmlns:a16="http://schemas.microsoft.com/office/drawing/2014/main" id="{9F738FF8-981D-4602-94C0-CD5F963FB8B2}"/>
+              </a:ext>
+            </a:extLst>
+          </p:cNvPr>
+          <p:cNvSpPr>
+            <a:spLocks noGrp="1"/>
+          </p:cNvSpPr>
+          <p:nvPr>
+            <p:ph type="title"/>
+          </p:nvPr>
+        </p:nvSpPr>
+        <p:spPr>
+          <a:xfrm>
+            <a:off x="6324806" y="1722427"/>
+            <a:ext cx="2968188" cy="2328409"/>
+          </a:xfrm>
+        </p:spPr>
+        <p:txBody>
+          <a:bodyPr vert="horz" lIns="91440" tIns="45720" rIns="91440" bIns="45720" rtlCol="0" anchor="b">
+            <a:normAutofit/>
+          </a:bodyPr>
+          <a:lstStyle/>
+          <a:p>
+            <a:pPr algn="r">
+              <a:lnSpc>
+                <a:spcPct val="90000"/>
+              </a:lnSpc>
+            </a:pPr>
+            <a:r>
+              <a:rPr lang="en-US" sz="5400"/>
+              <a:t>User Input Demo</a:t>
+            </a:r>
+          </a:p>
+        </p:txBody>
+      </p:sp>
+      <p:sp>
+        <p:nvSpPr>
+          <p:cNvPr id="4" name="Text Placeholder 3">
+            <a:extLst>
+              <a:ext uri="{FF2B5EF4-FFF2-40B4-BE49-F238E27FC236}">
+                <a16:creationId xmlns:a16="http://schemas.microsoft.com/office/drawing/2014/main" id="{ED7ED9CB-E7A1-4965-BD47-03CA2243FF21}"/>
+              </a:ext>
+            </a:extLst>
+          </p:cNvPr>
+          <p:cNvSpPr>
+            <a:spLocks noGrp="1"/>
+          </p:cNvSpPr>
+          <p:nvPr>
+            <p:ph type="body" idx="1"/>
+          </p:nvPr>
+        </p:nvSpPr>
+        <p:spPr>
+          <a:xfrm>
+            <a:off x="6324806" y="4050833"/>
+            <a:ext cx="2968188" cy="1096899"/>
+          </a:xfrm>
+        </p:spPr>
+        <p:txBody>
+          <a:bodyPr vert="horz" lIns="91440" tIns="45720" rIns="91440" bIns="45720" rtlCol="0" anchor="t">
+            <a:normAutofit/>
+          </a:bodyPr>
+          <a:lstStyle/>
+          <a:p>
+            <a:pPr algn="r"/>
+            <a:r>
+              <a:rPr lang="en-US" sz="1800"/>
+              <a:t>Jupyter Notebook</a:t>
+            </a:r>
+          </a:p>
+        </p:txBody>
+      </p:sp>
+      <p:pic>
+        <p:nvPicPr>
+          <p:cNvPr id="1028" name="Picture 4">
+            <a:extLst>
+              <a:ext uri="{FF2B5EF4-FFF2-40B4-BE49-F238E27FC236}">
+                <a16:creationId xmlns:a16="http://schemas.microsoft.com/office/drawing/2014/main" id="{80034B0D-2C38-4F43-8C00-5671A9F8FA0B}"/>
+              </a:ext>
+            </a:extLst>
+          </p:cNvPr>
+          <p:cNvPicPr>
+            <a:picLocks noChangeAspect="1" noChangeArrowheads="1"/>
+          </p:cNvPicPr>
+          <p:nvPr/>
+        </p:nvPicPr>
+        <p:blipFill>
+          <a:blip r:embed="rId3">
+            <a:extLst>
+              <a:ext uri="{28A0092B-C50C-407E-A947-70E740481C1C}">
+                <a14:useLocalDpi xmlns:a14="http://schemas.microsoft.com/office/drawing/2010/main" val="0"/>
+              </a:ext>
+            </a:extLst>
+          </a:blip>
+          <a:srcRect/>
+          <a:stretch>
+            <a:fillRect/>
+          </a:stretch>
+        </p:blipFill>
+        <p:spPr bwMode="auto">
+          <a:xfrm>
+            <a:off x="1336741" y="835016"/>
+            <a:ext cx="4307763" cy="2986430"/>
+          </a:xfrm>
+          <a:prstGeom prst="rect">
+            <a:avLst/>
+          </a:prstGeom>
+          <a:noFill/>
+          <a:extLst>
+            <a:ext uri="{909E8E84-426E-40DD-AFC4-6F175D3DCCD1}">
+              <a14:hiddenFill xmlns:a14="http://schemas.microsoft.com/office/drawing/2010/main">
+                <a:solidFill>
+                  <a:srgbClr val="FFFFFF"/>
+                </a:solidFill>
+              </a14:hiddenFill>
+            </a:ext>
+          </a:extLst>
+        </p:spPr>
+      </p:pic>
+      <p:pic>
+        <p:nvPicPr>
+          <p:cNvPr id="1026" name="Picture 2">
+            <a:extLst>
+              <a:ext uri="{FF2B5EF4-FFF2-40B4-BE49-F238E27FC236}">
+                <a16:creationId xmlns:a16="http://schemas.microsoft.com/office/drawing/2014/main" id="{A7056244-31CB-4DBE-B98D-27086FBCE003}"/>
+              </a:ext>
+            </a:extLst>
+          </p:cNvPr>
+          <p:cNvPicPr>
+            <a:picLocks noChangeAspect="1" noChangeArrowheads="1"/>
+          </p:cNvPicPr>
+          <p:nvPr/>
+        </p:nvPicPr>
+        <p:blipFill>
+          <a:blip r:embed="rId4">
+            <a:extLst>
+              <a:ext uri="{28A0092B-C50C-407E-A947-70E740481C1C}">
+                <a14:useLocalDpi xmlns:a14="http://schemas.microsoft.com/office/drawing/2010/main" val="0"/>
+              </a:ext>
+            </a:extLst>
+          </a:blip>
+          <a:srcRect/>
+          <a:stretch>
+            <a:fillRect/>
+          </a:stretch>
+        </p:blipFill>
+        <p:spPr bwMode="auto">
+          <a:xfrm>
+            <a:off x="888629" y="4184403"/>
+            <a:ext cx="2485900" cy="1723392"/>
+          </a:xfrm>
+          <a:prstGeom prst="rect">
+            <a:avLst/>
+          </a:prstGeom>
+          <a:noFill/>
+          <a:extLst>
+            <a:ext uri="{909E8E84-426E-40DD-AFC4-6F175D3DCCD1}">
+              <a14:hiddenFill xmlns:a14="http://schemas.microsoft.com/office/drawing/2010/main">
+                <a:solidFill>
+                  <a:srgbClr val="FFFFFF"/>
+                </a:solidFill>
+              </a14:hiddenFill>
+            </a:ext>
+          </a:extLst>
+        </p:spPr>
+      </p:pic>
+      <p:pic>
+        <p:nvPicPr>
+          <p:cNvPr id="1030" name="Picture 6">
+            <a:extLst>
+              <a:ext uri="{FF2B5EF4-FFF2-40B4-BE49-F238E27FC236}">
+                <a16:creationId xmlns:a16="http://schemas.microsoft.com/office/drawing/2014/main" id="{F11D6476-2D0D-44D7-BC77-5E0BE95FBFE1}"/>
+              </a:ext>
+            </a:extLst>
+          </p:cNvPr>
+          <p:cNvPicPr>
+            <a:picLocks noChangeAspect="1" noChangeArrowheads="1"/>
+          </p:cNvPicPr>
+          <p:nvPr/>
+        </p:nvPicPr>
+        <p:blipFill>
+          <a:blip r:embed="rId5">
+            <a:extLst>
+              <a:ext uri="{28A0092B-C50C-407E-A947-70E740481C1C}">
+                <a14:useLocalDpi xmlns:a14="http://schemas.microsoft.com/office/drawing/2010/main" val="0"/>
+              </a:ext>
+            </a:extLst>
+          </a:blip>
+          <a:srcRect/>
+          <a:stretch>
+            <a:fillRect/>
+          </a:stretch>
+        </p:blipFill>
+        <p:spPr bwMode="auto">
+          <a:xfrm>
+            <a:off x="3604923" y="4181183"/>
+            <a:ext cx="2495188" cy="1729831"/>
+          </a:xfrm>
+          <a:prstGeom prst="rect">
+            <a:avLst/>
+          </a:prstGeom>
+          <a:noFill/>
+          <a:extLst>
+            <a:ext uri="{909E8E84-426E-40DD-AFC4-6F175D3DCCD1}">
+              <a14:hiddenFill xmlns:a14="http://schemas.microsoft.com/office/drawing/2010/main">
+                <a:solidFill>
+                  <a:srgbClr val="FFFFFF"/>
+                </a:solidFill>
+              </a14:hiddenFill>
+            </a:ext>
+          </a:extLst>
+        </p:spPr>
+      </p:pic>
+    </p:spTree>
+    <p:extLst>
+      <p:ext uri="{BB962C8B-B14F-4D97-AF65-F5344CB8AC3E}">
+        <p14:creationId xmlns:p14="http://schemas.microsoft.com/office/powerpoint/2010/main" val="558561649"/>
       </p:ext>
     </p:extLst>
   </p:cSld>
@@ -13989,7 +15938,7 @@
 </p:sld>
 </file>
 
-<file path=ppt/slides/slide11.xml><?xml version="1.0" encoding="utf-8"?>
+<file path=ppt/slides/slide12.xml><?xml version="1.0" encoding="utf-8"?>
 <p:sld xmlns:a="http://schemas.openxmlformats.org/drawingml/2006/main" xmlns:r="http://schemas.openxmlformats.org/officeDocument/2006/relationships" xmlns:p="http://schemas.openxmlformats.org/presentationml/2006/main">
   <p:cSld>
     <p:spTree>
@@ -14029,7 +15978,7 @@
           <a:p>
             <a:r>
               <a:rPr lang="en-US" dirty="0"/>
-              <a:t>Observations</a:t>
+              <a:t>Observations &amp; Conclusions</a:t>
             </a:r>
           </a:p>
         </p:txBody>
@@ -14050,12 +15999,44 @@
             <p:ph idx="1"/>
           </p:nvPr>
         </p:nvSpPr>
-        <p:spPr/>
+        <p:spPr>
+          <a:xfrm>
+            <a:off x="677334" y="1611630"/>
+            <a:ext cx="8596668" cy="4789169"/>
+          </a:xfrm>
+        </p:spPr>
         <p:txBody>
-          <a:bodyPr/>
+          <a:bodyPr>
+            <a:noAutofit/>
+          </a:bodyPr>
           <a:lstStyle/>
           <a:p>
-            <a:endParaRPr lang="en-US" dirty="0"/>
+            <a:r>
+              <a:rPr lang="en-US" sz="2200" dirty="0"/>
+              <a:t>Air quality in Georgia has changed over time. For all counties for which we have data, it appears to have slightly improved.</a:t>
+            </a:r>
+          </a:p>
+          <a:p>
+            <a:r>
+              <a:rPr lang="en-US" sz="2200" dirty="0"/>
+              <a:t>There is correlation between air quality and number of asthma-related visits to ER. Due to a low correlation coefficient, AQI is not a very strong indicator of what will cause a spike in urgent asthma incidents. There are likely larger factors at play.</a:t>
+            </a:r>
+          </a:p>
+          <a:p>
+            <a:r>
+              <a:rPr lang="en-US" sz="2200" dirty="0"/>
+              <a:t>Looking at urban vs. rural counties – there is a significant difference when observing air quality. Additionally, between 2010 – 2017 - rural counties showed a statistically significantly smaller rate of ER asthma visits than urban counties. Thus, a relationship can be determined between county type and likeliness of air quality causing urgent asthma incidents. </a:t>
+            </a:r>
+          </a:p>
+          <a:p>
+            <a:r>
+              <a:rPr lang="en-US" sz="2200" dirty="0">
+                <a:highlight>
+                  <a:srgbClr val="FFFF00"/>
+                </a:highlight>
+              </a:rPr>
+              <a:t>Difference between adults and children</a:t>
+            </a:r>
           </a:p>
         </p:txBody>
       </p:sp>
@@ -14069,10 +16050,233 @@
   <p:clrMapOvr>
     <a:masterClrMapping/>
   </p:clrMapOvr>
+  <p:timing>
+    <p:tnLst>
+      <p:par>
+        <p:cTn id="1" dur="indefinite" restart="never" nodeType="tmRoot">
+          <p:childTnLst>
+            <p:seq concurrent="1" nextAc="seek">
+              <p:cTn id="2" dur="indefinite" nodeType="mainSeq">
+                <p:childTnLst>
+                  <p:par>
+                    <p:cTn id="3" fill="hold">
+                      <p:stCondLst>
+                        <p:cond delay="indefinite"/>
+                      </p:stCondLst>
+                      <p:childTnLst>
+                        <p:par>
+                          <p:cTn id="4" fill="hold">
+                            <p:stCondLst>
+                              <p:cond delay="0"/>
+                            </p:stCondLst>
+                            <p:childTnLst>
+                              <p:par>
+                                <p:cTn id="5" presetID="10" presetClass="entr" presetSubtype="0" fill="hold" grpId="0" nodeType="clickEffect">
+                                  <p:stCondLst>
+                                    <p:cond delay="0"/>
+                                  </p:stCondLst>
+                                  <p:childTnLst>
+                                    <p:set>
+                                      <p:cBhvr>
+                                        <p:cTn id="6" dur="1" fill="hold">
+                                          <p:stCondLst>
+                                            <p:cond delay="0"/>
+                                          </p:stCondLst>
+                                        </p:cTn>
+                                        <p:tgtEl>
+                                          <p:spTgt spid="3">
+                                            <p:txEl>
+                                              <p:pRg st="0" end="0"/>
+                                            </p:txEl>
+                                          </p:spTgt>
+                                        </p:tgtEl>
+                                        <p:attrNameLst>
+                                          <p:attrName>style.visibility</p:attrName>
+                                        </p:attrNameLst>
+                                      </p:cBhvr>
+                                      <p:to>
+                                        <p:strVal val="visible"/>
+                                      </p:to>
+                                    </p:set>
+                                    <p:animEffect transition="in" filter="fade">
+                                      <p:cBhvr>
+                                        <p:cTn id="7" dur="500"/>
+                                        <p:tgtEl>
+                                          <p:spTgt spid="3">
+                                            <p:txEl>
+                                              <p:pRg st="0" end="0"/>
+                                            </p:txEl>
+                                          </p:spTgt>
+                                        </p:tgtEl>
+                                      </p:cBhvr>
+                                    </p:animEffect>
+                                  </p:childTnLst>
+                                </p:cTn>
+                              </p:par>
+                              <p:par>
+                                <p:cTn id="8" presetID="10" presetClass="entr" presetSubtype="0" fill="hold" grpId="0" nodeType="withEffect">
+                                  <p:stCondLst>
+                                    <p:cond delay="0"/>
+                                  </p:stCondLst>
+                                  <p:childTnLst>
+                                    <p:set>
+                                      <p:cBhvr>
+                                        <p:cTn id="9" dur="1" fill="hold">
+                                          <p:stCondLst>
+                                            <p:cond delay="0"/>
+                                          </p:stCondLst>
+                                        </p:cTn>
+                                        <p:tgtEl>
+                                          <p:spTgt spid="3">
+                                            <p:txEl>
+                                              <p:pRg st="1" end="1"/>
+                                            </p:txEl>
+                                          </p:spTgt>
+                                        </p:tgtEl>
+                                        <p:attrNameLst>
+                                          <p:attrName>style.visibility</p:attrName>
+                                        </p:attrNameLst>
+                                      </p:cBhvr>
+                                      <p:to>
+                                        <p:strVal val="visible"/>
+                                      </p:to>
+                                    </p:set>
+                                    <p:animEffect transition="in" filter="fade">
+                                      <p:cBhvr>
+                                        <p:cTn id="10" dur="500"/>
+                                        <p:tgtEl>
+                                          <p:spTgt spid="3">
+                                            <p:txEl>
+                                              <p:pRg st="1" end="1"/>
+                                            </p:txEl>
+                                          </p:spTgt>
+                                        </p:tgtEl>
+                                      </p:cBhvr>
+                                    </p:animEffect>
+                                  </p:childTnLst>
+                                </p:cTn>
+                              </p:par>
+                              <p:par>
+                                <p:cTn id="11" presetID="10" presetClass="entr" presetSubtype="0" fill="hold" grpId="0" nodeType="withEffect">
+                                  <p:stCondLst>
+                                    <p:cond delay="0"/>
+                                  </p:stCondLst>
+                                  <p:childTnLst>
+                                    <p:set>
+                                      <p:cBhvr>
+                                        <p:cTn id="12" dur="1" fill="hold">
+                                          <p:stCondLst>
+                                            <p:cond delay="0"/>
+                                          </p:stCondLst>
+                                        </p:cTn>
+                                        <p:tgtEl>
+                                          <p:spTgt spid="3">
+                                            <p:txEl>
+                                              <p:pRg st="2" end="2"/>
+                                            </p:txEl>
+                                          </p:spTgt>
+                                        </p:tgtEl>
+                                        <p:attrNameLst>
+                                          <p:attrName>style.visibility</p:attrName>
+                                        </p:attrNameLst>
+                                      </p:cBhvr>
+                                      <p:to>
+                                        <p:strVal val="visible"/>
+                                      </p:to>
+                                    </p:set>
+                                    <p:animEffect transition="in" filter="fade">
+                                      <p:cBhvr>
+                                        <p:cTn id="13" dur="500"/>
+                                        <p:tgtEl>
+                                          <p:spTgt spid="3">
+                                            <p:txEl>
+                                              <p:pRg st="2" end="2"/>
+                                            </p:txEl>
+                                          </p:spTgt>
+                                        </p:tgtEl>
+                                      </p:cBhvr>
+                                    </p:animEffect>
+                                  </p:childTnLst>
+                                </p:cTn>
+                              </p:par>
+                              <p:par>
+                                <p:cTn id="14" presetID="10" presetClass="entr" presetSubtype="0" fill="hold" grpId="0" nodeType="withEffect">
+                                  <p:stCondLst>
+                                    <p:cond delay="0"/>
+                                  </p:stCondLst>
+                                  <p:childTnLst>
+                                    <p:set>
+                                      <p:cBhvr>
+                                        <p:cTn id="15" dur="1" fill="hold">
+                                          <p:stCondLst>
+                                            <p:cond delay="0"/>
+                                          </p:stCondLst>
+                                        </p:cTn>
+                                        <p:tgtEl>
+                                          <p:spTgt spid="3">
+                                            <p:txEl>
+                                              <p:pRg st="3" end="3"/>
+                                            </p:txEl>
+                                          </p:spTgt>
+                                        </p:tgtEl>
+                                        <p:attrNameLst>
+                                          <p:attrName>style.visibility</p:attrName>
+                                        </p:attrNameLst>
+                                      </p:cBhvr>
+                                      <p:to>
+                                        <p:strVal val="visible"/>
+                                      </p:to>
+                                    </p:set>
+                                    <p:animEffect transition="in" filter="fade">
+                                      <p:cBhvr>
+                                        <p:cTn id="16" dur="500"/>
+                                        <p:tgtEl>
+                                          <p:spTgt spid="3">
+                                            <p:txEl>
+                                              <p:pRg st="3" end="3"/>
+                                            </p:txEl>
+                                          </p:spTgt>
+                                        </p:tgtEl>
+                                      </p:cBhvr>
+                                    </p:animEffect>
+                                  </p:childTnLst>
+                                </p:cTn>
+                              </p:par>
+                            </p:childTnLst>
+                          </p:cTn>
+                        </p:par>
+                      </p:childTnLst>
+                    </p:cTn>
+                  </p:par>
+                </p:childTnLst>
+              </p:cTn>
+              <p:prevCondLst>
+                <p:cond evt="onPrev" delay="0">
+                  <p:tgtEl>
+                    <p:sldTgt/>
+                  </p:tgtEl>
+                </p:cond>
+              </p:prevCondLst>
+              <p:nextCondLst>
+                <p:cond evt="onNext" delay="0">
+                  <p:tgtEl>
+                    <p:sldTgt/>
+                  </p:tgtEl>
+                </p:cond>
+              </p:nextCondLst>
+            </p:seq>
+          </p:childTnLst>
+        </p:cTn>
+      </p:par>
+    </p:tnLst>
+    <p:bldLst>
+      <p:bldP spid="3" grpId="0" build="allAtOnce"/>
+    </p:bldLst>
+  </p:timing>
 </p:sld>
 </file>
 
-<file path=ppt/slides/slide12.xml><?xml version="1.0" encoding="utf-8"?>
+<file path=ppt/slides/slide13.xml><?xml version="1.0" encoding="utf-8"?>
 <p:sld xmlns:a="http://schemas.openxmlformats.org/drawingml/2006/main" xmlns:r="http://schemas.openxmlformats.org/officeDocument/2006/relationships" xmlns:p="http://schemas.openxmlformats.org/presentationml/2006/main">
   <p:cSld>
     <p:spTree>
@@ -14112,7 +16316,7 @@
           <a:p>
             <a:r>
               <a:rPr lang="en-US" dirty="0"/>
-              <a:t>Limitations / Assumptions</a:t>
+              <a:t>Limitations</a:t>
             </a:r>
           </a:p>
         </p:txBody>
@@ -14133,12 +16337,46 @@
             <p:ph idx="1"/>
           </p:nvPr>
         </p:nvSpPr>
-        <p:spPr/>
+        <p:spPr>
+          <a:xfrm>
+            <a:off x="677334" y="1691641"/>
+            <a:ext cx="8596668" cy="4349722"/>
+          </a:xfrm>
+        </p:spPr>
         <p:txBody>
-          <a:bodyPr/>
+          <a:bodyPr>
+            <a:normAutofit/>
+          </a:bodyPr>
           <a:lstStyle/>
           <a:p>
-            <a:endParaRPr lang="en-US"/>
+            <a:r>
+              <a:rPr lang="en-US" sz="2200" dirty="0"/>
+              <a:t>No reliable traffic density data</a:t>
+            </a:r>
+          </a:p>
+          <a:p>
+            <a:r>
+              <a:rPr lang="en-US" sz="2200" dirty="0"/>
+              <a:t>Did not see the same results as 2001 study</a:t>
+            </a:r>
+          </a:p>
+          <a:p>
+            <a:r>
+              <a:rPr lang="en-US" sz="2200" dirty="0"/>
+              <a:t>Limited to 32 out of 159 counties for air quality</a:t>
+            </a:r>
+          </a:p>
+          <a:p>
+            <a:r>
+              <a:rPr lang="en-US" sz="2200" dirty="0"/>
+              <a:t>Air quality data was limited to yearly. Values provided daily, monthly, or even seasonally would have been richer data for analysis.</a:t>
+            </a:r>
+          </a:p>
+          <a:p>
+            <a:r>
+              <a:rPr lang="en-US" sz="2200" dirty="0"/>
+              <a:t>Data on individual air pollutants was not appropriate to answer the research questions we had. If it was more appropriate, we could have observed potential trends for each pollutant.</a:t>
+            </a:r>
           </a:p>
         </p:txBody>
       </p:sp>
@@ -14152,96 +16390,272 @@
   <p:clrMapOvr>
     <a:masterClrMapping/>
   </p:clrMapOvr>
-</p:sld>
-</file>
-
-<file path=ppt/slides/slide13.xml><?xml version="1.0" encoding="utf-8"?>
-<p:sld xmlns:a="http://schemas.openxmlformats.org/drawingml/2006/main" xmlns:r="http://schemas.openxmlformats.org/officeDocument/2006/relationships" xmlns:p="http://schemas.openxmlformats.org/presentationml/2006/main">
-  <p:cSld>
-    <p:spTree>
-      <p:nvGrpSpPr>
-        <p:cNvPr id="1" name=""/>
-        <p:cNvGrpSpPr/>
-        <p:nvPr/>
-      </p:nvGrpSpPr>
-      <p:grpSpPr>
-        <a:xfrm>
-          <a:off x="0" y="0"/>
-          <a:ext cx="0" cy="0"/>
-          <a:chOff x="0" y="0"/>
-          <a:chExt cx="0" cy="0"/>
-        </a:xfrm>
-      </p:grpSpPr>
-      <p:sp>
-        <p:nvSpPr>
-          <p:cNvPr id="2" name="Title 1">
-            <a:extLst>
-              <a:ext uri="{FF2B5EF4-FFF2-40B4-BE49-F238E27FC236}">
-                <a16:creationId xmlns:a16="http://schemas.microsoft.com/office/drawing/2014/main" id="{9F738FF8-981D-4602-94C0-CD5F963FB8B2}"/>
-              </a:ext>
-            </a:extLst>
-          </p:cNvPr>
-          <p:cNvSpPr>
-            <a:spLocks noGrp="1"/>
-          </p:cNvSpPr>
-          <p:nvPr>
-            <p:ph type="title"/>
-          </p:nvPr>
-        </p:nvSpPr>
-        <p:spPr/>
-        <p:txBody>
-          <a:bodyPr/>
-          <a:lstStyle/>
-          <a:p>
-            <a:r>
-              <a:rPr lang="en-US" dirty="0"/>
-              <a:t>User Input Demo</a:t>
-            </a:r>
-          </a:p>
-        </p:txBody>
-      </p:sp>
-      <p:sp>
-        <p:nvSpPr>
-          <p:cNvPr id="4" name="Text Placeholder 3">
-            <a:extLst>
-              <a:ext uri="{FF2B5EF4-FFF2-40B4-BE49-F238E27FC236}">
-                <a16:creationId xmlns:a16="http://schemas.microsoft.com/office/drawing/2014/main" id="{ED7ED9CB-E7A1-4965-BD47-03CA2243FF21}"/>
-              </a:ext>
-            </a:extLst>
-          </p:cNvPr>
-          <p:cNvSpPr>
-            <a:spLocks noGrp="1"/>
-          </p:cNvSpPr>
-          <p:nvPr>
-            <p:ph type="body" idx="1"/>
-          </p:nvPr>
-        </p:nvSpPr>
-        <p:spPr/>
-        <p:txBody>
-          <a:bodyPr/>
-          <a:lstStyle/>
-          <a:p>
-            <a:r>
-              <a:rPr lang="en-US" dirty="0" err="1"/>
-              <a:t>Jupyter</a:t>
-            </a:r>
-            <a:r>
-              <a:rPr lang="en-US" dirty="0"/>
-              <a:t> Notebook</a:t>
-            </a:r>
-          </a:p>
-        </p:txBody>
-      </p:sp>
-    </p:spTree>
-    <p:extLst>
-      <p:ext uri="{BB962C8B-B14F-4D97-AF65-F5344CB8AC3E}">
-        <p14:creationId xmlns:p14="http://schemas.microsoft.com/office/powerpoint/2010/main" val="558561649"/>
-      </p:ext>
-    </p:extLst>
-  </p:cSld>
-  <p:clrMapOvr>
-    <a:masterClrMapping/>
-  </p:clrMapOvr>
+  <p:timing>
+    <p:tnLst>
+      <p:par>
+        <p:cTn id="1" dur="indefinite" restart="never" nodeType="tmRoot">
+          <p:childTnLst>
+            <p:seq concurrent="1" nextAc="seek">
+              <p:cTn id="2" dur="indefinite" nodeType="mainSeq">
+                <p:childTnLst>
+                  <p:par>
+                    <p:cTn id="3" fill="hold">
+                      <p:stCondLst>
+                        <p:cond delay="indefinite"/>
+                      </p:stCondLst>
+                      <p:childTnLst>
+                        <p:par>
+                          <p:cTn id="4" fill="hold">
+                            <p:stCondLst>
+                              <p:cond delay="0"/>
+                            </p:stCondLst>
+                            <p:childTnLst>
+                              <p:par>
+                                <p:cTn id="5" presetID="10" presetClass="entr" presetSubtype="0" fill="hold" grpId="0" nodeType="clickEffect">
+                                  <p:stCondLst>
+                                    <p:cond delay="0"/>
+                                  </p:stCondLst>
+                                  <p:childTnLst>
+                                    <p:set>
+                                      <p:cBhvr>
+                                        <p:cTn id="6" dur="1" fill="hold">
+                                          <p:stCondLst>
+                                            <p:cond delay="0"/>
+                                          </p:stCondLst>
+                                        </p:cTn>
+                                        <p:tgtEl>
+                                          <p:spTgt spid="3">
+                                            <p:txEl>
+                                              <p:pRg st="0" end="0"/>
+                                            </p:txEl>
+                                          </p:spTgt>
+                                        </p:tgtEl>
+                                        <p:attrNameLst>
+                                          <p:attrName>style.visibility</p:attrName>
+                                        </p:attrNameLst>
+                                      </p:cBhvr>
+                                      <p:to>
+                                        <p:strVal val="visible"/>
+                                      </p:to>
+                                    </p:set>
+                                    <p:animEffect transition="in" filter="fade">
+                                      <p:cBhvr>
+                                        <p:cTn id="7" dur="500"/>
+                                        <p:tgtEl>
+                                          <p:spTgt spid="3">
+                                            <p:txEl>
+                                              <p:pRg st="0" end="0"/>
+                                            </p:txEl>
+                                          </p:spTgt>
+                                        </p:tgtEl>
+                                      </p:cBhvr>
+                                    </p:animEffect>
+                                  </p:childTnLst>
+                                </p:cTn>
+                              </p:par>
+                              <p:par>
+                                <p:cTn id="8" presetID="10" presetClass="entr" presetSubtype="0" fill="hold" grpId="0" nodeType="withEffect">
+                                  <p:stCondLst>
+                                    <p:cond delay="0"/>
+                                  </p:stCondLst>
+                                  <p:childTnLst>
+                                    <p:set>
+                                      <p:cBhvr>
+                                        <p:cTn id="9" dur="1" fill="hold">
+                                          <p:stCondLst>
+                                            <p:cond delay="0"/>
+                                          </p:stCondLst>
+                                        </p:cTn>
+                                        <p:tgtEl>
+                                          <p:spTgt spid="3">
+                                            <p:txEl>
+                                              <p:pRg st="1" end="1"/>
+                                            </p:txEl>
+                                          </p:spTgt>
+                                        </p:tgtEl>
+                                        <p:attrNameLst>
+                                          <p:attrName>style.visibility</p:attrName>
+                                        </p:attrNameLst>
+                                      </p:cBhvr>
+                                      <p:to>
+                                        <p:strVal val="visible"/>
+                                      </p:to>
+                                    </p:set>
+                                    <p:animEffect transition="in" filter="fade">
+                                      <p:cBhvr>
+                                        <p:cTn id="10" dur="500"/>
+                                        <p:tgtEl>
+                                          <p:spTgt spid="3">
+                                            <p:txEl>
+                                              <p:pRg st="1" end="1"/>
+                                            </p:txEl>
+                                          </p:spTgt>
+                                        </p:tgtEl>
+                                      </p:cBhvr>
+                                    </p:animEffect>
+                                  </p:childTnLst>
+                                </p:cTn>
+                              </p:par>
+                              <p:par>
+                                <p:cTn id="11" presetID="10" presetClass="entr" presetSubtype="0" fill="hold" grpId="0" nodeType="withEffect">
+                                  <p:stCondLst>
+                                    <p:cond delay="0"/>
+                                  </p:stCondLst>
+                                  <p:childTnLst>
+                                    <p:set>
+                                      <p:cBhvr>
+                                        <p:cTn id="12" dur="1" fill="hold">
+                                          <p:stCondLst>
+                                            <p:cond delay="0"/>
+                                          </p:stCondLst>
+                                        </p:cTn>
+                                        <p:tgtEl>
+                                          <p:spTgt spid="3">
+                                            <p:txEl>
+                                              <p:pRg st="2" end="2"/>
+                                            </p:txEl>
+                                          </p:spTgt>
+                                        </p:tgtEl>
+                                        <p:attrNameLst>
+                                          <p:attrName>style.visibility</p:attrName>
+                                        </p:attrNameLst>
+                                      </p:cBhvr>
+                                      <p:to>
+                                        <p:strVal val="visible"/>
+                                      </p:to>
+                                    </p:set>
+                                    <p:animEffect transition="in" filter="fade">
+                                      <p:cBhvr>
+                                        <p:cTn id="13" dur="500"/>
+                                        <p:tgtEl>
+                                          <p:spTgt spid="3">
+                                            <p:txEl>
+                                              <p:pRg st="2" end="2"/>
+                                            </p:txEl>
+                                          </p:spTgt>
+                                        </p:tgtEl>
+                                      </p:cBhvr>
+                                    </p:animEffect>
+                                  </p:childTnLst>
+                                </p:cTn>
+                              </p:par>
+                              <p:par>
+                                <p:cTn id="14" presetID="10" presetClass="entr" presetSubtype="0" fill="hold" grpId="0" nodeType="withEffect">
+                                  <p:stCondLst>
+                                    <p:cond delay="0"/>
+                                  </p:stCondLst>
+                                  <p:childTnLst>
+                                    <p:set>
+                                      <p:cBhvr>
+                                        <p:cTn id="15" dur="1" fill="hold">
+                                          <p:stCondLst>
+                                            <p:cond delay="0"/>
+                                          </p:stCondLst>
+                                        </p:cTn>
+                                        <p:tgtEl>
+                                          <p:spTgt spid="3">
+                                            <p:txEl>
+                                              <p:pRg st="3" end="3"/>
+                                            </p:txEl>
+                                          </p:spTgt>
+                                        </p:tgtEl>
+                                        <p:attrNameLst>
+                                          <p:attrName>style.visibility</p:attrName>
+                                        </p:attrNameLst>
+                                      </p:cBhvr>
+                                      <p:to>
+                                        <p:strVal val="visible"/>
+                                      </p:to>
+                                    </p:set>
+                                    <p:animEffect transition="in" filter="fade">
+                                      <p:cBhvr>
+                                        <p:cTn id="16" dur="500"/>
+                                        <p:tgtEl>
+                                          <p:spTgt spid="3">
+                                            <p:txEl>
+                                              <p:pRg st="3" end="3"/>
+                                            </p:txEl>
+                                          </p:spTgt>
+                                        </p:tgtEl>
+                                      </p:cBhvr>
+                                    </p:animEffect>
+                                  </p:childTnLst>
+                                </p:cTn>
+                              </p:par>
+                              <p:par>
+                                <p:cTn id="17" presetID="10" presetClass="entr" presetSubtype="0" fill="hold" grpId="0" nodeType="withEffect">
+                                  <p:stCondLst>
+                                    <p:cond delay="0"/>
+                                  </p:stCondLst>
+                                  <p:childTnLst>
+                                    <p:set>
+                                      <p:cBhvr>
+                                        <p:cTn id="18" dur="1" fill="hold">
+                                          <p:stCondLst>
+                                            <p:cond delay="0"/>
+                                          </p:stCondLst>
+                                        </p:cTn>
+                                        <p:tgtEl>
+                                          <p:spTgt spid="3">
+                                            <p:txEl>
+                                              <p:pRg st="4" end="4"/>
+                                            </p:txEl>
+                                          </p:spTgt>
+                                        </p:tgtEl>
+                                        <p:attrNameLst>
+                                          <p:attrName>style.visibility</p:attrName>
+                                        </p:attrNameLst>
+                                      </p:cBhvr>
+                                      <p:to>
+                                        <p:strVal val="visible"/>
+                                      </p:to>
+                                    </p:set>
+                                    <p:animEffect transition="in" filter="fade">
+                                      <p:cBhvr>
+                                        <p:cTn id="19" dur="500"/>
+                                        <p:tgtEl>
+                                          <p:spTgt spid="3">
+                                            <p:txEl>
+                                              <p:pRg st="4" end="4"/>
+                                            </p:txEl>
+                                          </p:spTgt>
+                                        </p:tgtEl>
+                                      </p:cBhvr>
+                                    </p:animEffect>
+                                  </p:childTnLst>
+                                </p:cTn>
+                              </p:par>
+                            </p:childTnLst>
+                          </p:cTn>
+                        </p:par>
+                      </p:childTnLst>
+                    </p:cTn>
+                  </p:par>
+                </p:childTnLst>
+              </p:cTn>
+              <p:prevCondLst>
+                <p:cond evt="onPrev" delay="0">
+                  <p:tgtEl>
+                    <p:sldTgt/>
+                  </p:tgtEl>
+                </p:cond>
+              </p:prevCondLst>
+              <p:nextCondLst>
+                <p:cond evt="onNext" delay="0">
+                  <p:tgtEl>
+                    <p:sldTgt/>
+                  </p:tgtEl>
+                </p:cond>
+              </p:nextCondLst>
+            </p:seq>
+          </p:childTnLst>
+        </p:cTn>
+      </p:par>
+    </p:tnLst>
+    <p:bldLst>
+      <p:bldP spid="3" grpId="0" build="allAtOnce"/>
+    </p:bldLst>
+  </p:timing>
 </p:sld>
 </file>
 
@@ -14332,6 +16746,136 @@
   <p:clrMapOvr>
     <a:masterClrMapping/>
   </p:clrMapOvr>
+  <p:timing>
+    <p:tnLst>
+      <p:par>
+        <p:cTn id="1" dur="indefinite" restart="never" nodeType="tmRoot">
+          <p:childTnLst>
+            <p:seq concurrent="1" nextAc="seek">
+              <p:cTn id="2" dur="indefinite" nodeType="mainSeq">
+                <p:childTnLst>
+                  <p:par>
+                    <p:cTn id="3" fill="hold">
+                      <p:stCondLst>
+                        <p:cond delay="indefinite"/>
+                      </p:stCondLst>
+                      <p:childTnLst>
+                        <p:par>
+                          <p:cTn id="4" fill="hold">
+                            <p:stCondLst>
+                              <p:cond delay="0"/>
+                            </p:stCondLst>
+                            <p:childTnLst>
+                              <p:par>
+                                <p:cTn id="5" presetID="10" presetClass="entr" presetSubtype="0" fill="hold" grpId="0" nodeType="clickEffect">
+                                  <p:stCondLst>
+                                    <p:cond delay="0"/>
+                                  </p:stCondLst>
+                                  <p:childTnLst>
+                                    <p:set>
+                                      <p:cBhvr>
+                                        <p:cTn id="6" dur="1" fill="hold">
+                                          <p:stCondLst>
+                                            <p:cond delay="0"/>
+                                          </p:stCondLst>
+                                        </p:cTn>
+                                        <p:tgtEl>
+                                          <p:spTgt spid="2"/>
+                                        </p:tgtEl>
+                                        <p:attrNameLst>
+                                          <p:attrName>style.visibility</p:attrName>
+                                        </p:attrNameLst>
+                                      </p:cBhvr>
+                                      <p:to>
+                                        <p:strVal val="visible"/>
+                                      </p:to>
+                                    </p:set>
+                                    <p:animEffect transition="in" filter="fade">
+                                      <p:cBhvr>
+                                        <p:cTn id="7" dur="500"/>
+                                        <p:tgtEl>
+                                          <p:spTgt spid="2"/>
+                                        </p:tgtEl>
+                                      </p:cBhvr>
+                                    </p:animEffect>
+                                  </p:childTnLst>
+                                </p:cTn>
+                              </p:par>
+                              <p:par>
+                                <p:cTn id="8" presetID="10" presetClass="entr" presetSubtype="0" fill="hold" grpId="0" nodeType="withEffect">
+                                  <p:stCondLst>
+                                    <p:cond delay="0"/>
+                                  </p:stCondLst>
+                                  <p:childTnLst>
+                                    <p:set>
+                                      <p:cBhvr>
+                                        <p:cTn id="9" dur="1" fill="hold">
+                                          <p:stCondLst>
+                                            <p:cond delay="0"/>
+                                          </p:stCondLst>
+                                        </p:cTn>
+                                        <p:tgtEl>
+                                          <p:spTgt spid="3">
+                                            <p:txEl>
+                                              <p:pRg st="0" end="0"/>
+                                            </p:txEl>
+                                          </p:spTgt>
+                                        </p:tgtEl>
+                                        <p:attrNameLst>
+                                          <p:attrName>style.visibility</p:attrName>
+                                        </p:attrNameLst>
+                                      </p:cBhvr>
+                                      <p:to>
+                                        <p:strVal val="visible"/>
+                                      </p:to>
+                                    </p:set>
+                                    <p:animEffect transition="in" filter="fade">
+                                      <p:cBhvr>
+                                        <p:cTn id="10" dur="500"/>
+                                        <p:tgtEl>
+                                          <p:spTgt spid="3">
+                                            <p:txEl>
+                                              <p:pRg st="0" end="0"/>
+                                            </p:txEl>
+                                          </p:spTgt>
+                                        </p:tgtEl>
+                                      </p:cBhvr>
+                                    </p:animEffect>
+                                  </p:childTnLst>
+                                </p:cTn>
+                              </p:par>
+                            </p:childTnLst>
+                          </p:cTn>
+                        </p:par>
+                      </p:childTnLst>
+                    </p:cTn>
+                  </p:par>
+                </p:childTnLst>
+              </p:cTn>
+              <p:prevCondLst>
+                <p:cond evt="onPrev" delay="0">
+                  <p:tgtEl>
+                    <p:sldTgt/>
+                  </p:tgtEl>
+                </p:cond>
+              </p:prevCondLst>
+              <p:nextCondLst>
+                <p:cond evt="onNext" delay="0">
+                  <p:tgtEl>
+                    <p:sldTgt/>
+                  </p:tgtEl>
+                </p:cond>
+              </p:nextCondLst>
+            </p:seq>
+          </p:childTnLst>
+        </p:cTn>
+      </p:par>
+    </p:tnLst>
+    <p:bldLst>
+      <p:bldP spid="2" grpId="0"/>
+      <p:bldP spid="3" grpId="0" build="p"/>
+    </p:bldLst>
+  </p:timing>
 </p:sld>
 </file>
 
@@ -14368,6 +16912,538 @@
             <p:ph type="title"/>
           </p:nvPr>
         </p:nvSpPr>
+        <p:spPr>
+          <a:xfrm>
+            <a:off x="677334" y="80010"/>
+            <a:ext cx="8596668" cy="742950"/>
+          </a:xfrm>
+        </p:spPr>
+        <p:txBody>
+          <a:bodyPr/>
+          <a:lstStyle/>
+          <a:p>
+            <a:r>
+              <a:rPr lang="en-US" dirty="0"/>
+              <a:t>Background</a:t>
+            </a:r>
+          </a:p>
+        </p:txBody>
+      </p:sp>
+      <p:pic>
+        <p:nvPicPr>
+          <p:cNvPr id="7" name="Picture 6">
+            <a:extLst>
+              <a:ext uri="{FF2B5EF4-FFF2-40B4-BE49-F238E27FC236}">
+                <a16:creationId xmlns:a16="http://schemas.microsoft.com/office/drawing/2014/main" id="{93610331-3A51-48DF-8B5E-CA0CBA0FBBBA}"/>
+              </a:ext>
+            </a:extLst>
+          </p:cNvPr>
+          <p:cNvPicPr>
+            <a:picLocks noChangeAspect="1"/>
+          </p:cNvPicPr>
+          <p:nvPr/>
+        </p:nvPicPr>
+        <p:blipFill>
+          <a:blip r:embed="rId3"/>
+          <a:stretch>
+            <a:fillRect/>
+          </a:stretch>
+        </p:blipFill>
+        <p:spPr>
+          <a:xfrm>
+            <a:off x="218123" y="822960"/>
+            <a:ext cx="7088196" cy="3207118"/>
+          </a:xfrm>
+          <a:prstGeom prst="rect">
+            <a:avLst/>
+          </a:prstGeom>
+          <a:ln>
+            <a:noFill/>
+          </a:ln>
+          <a:effectLst>
+            <a:outerShdw blurRad="292100" dist="139700" dir="2700000" algn="tl" rotWithShape="0">
+              <a:srgbClr val="333333">
+                <a:alpha val="65000"/>
+              </a:srgbClr>
+            </a:outerShdw>
+          </a:effectLst>
+        </p:spPr>
+      </p:pic>
+      <p:grpSp>
+        <p:nvGrpSpPr>
+          <p:cNvPr id="17" name="Group 16">
+            <a:extLst>
+              <a:ext uri="{FF2B5EF4-FFF2-40B4-BE49-F238E27FC236}">
+                <a16:creationId xmlns:a16="http://schemas.microsoft.com/office/drawing/2014/main" id="{97A9FED8-89DD-4123-9387-42491535BCB0}"/>
+              </a:ext>
+            </a:extLst>
+          </p:cNvPr>
+          <p:cNvGrpSpPr/>
+          <p:nvPr/>
+        </p:nvGrpSpPr>
+        <p:grpSpPr>
+          <a:xfrm>
+            <a:off x="5097780" y="2537461"/>
+            <a:ext cx="6183630" cy="4240530"/>
+            <a:chOff x="5097780" y="2872153"/>
+            <a:chExt cx="6040930" cy="3997277"/>
+          </a:xfrm>
+        </p:grpSpPr>
+        <p:pic>
+          <p:nvPicPr>
+            <p:cNvPr id="8" name="Picture 7">
+              <a:extLst>
+                <a:ext uri="{FF2B5EF4-FFF2-40B4-BE49-F238E27FC236}">
+                  <a16:creationId xmlns:a16="http://schemas.microsoft.com/office/drawing/2014/main" id="{05F983EE-D2BB-4B66-9E44-D4C24D610F18}"/>
+                </a:ext>
+              </a:extLst>
+            </p:cNvPr>
+            <p:cNvPicPr>
+              <a:picLocks noChangeAspect="1"/>
+            </p:cNvPicPr>
+            <p:nvPr/>
+          </p:nvPicPr>
+          <p:blipFill rotWithShape="1">
+            <a:blip r:embed="rId4"/>
+            <a:srcRect t="19565"/>
+            <a:stretch/>
+          </p:blipFill>
+          <p:spPr>
+            <a:xfrm>
+              <a:off x="5097780" y="2872153"/>
+              <a:ext cx="6040930" cy="3997277"/>
+            </a:xfrm>
+            <a:prstGeom prst="rect">
+              <a:avLst/>
+            </a:prstGeom>
+            <a:ln>
+              <a:noFill/>
+            </a:ln>
+            <a:effectLst>
+              <a:outerShdw blurRad="292100" dist="139700" dir="2700000" algn="tl" rotWithShape="0">
+                <a:srgbClr val="333333">
+                  <a:alpha val="65000"/>
+                </a:srgbClr>
+              </a:outerShdw>
+            </a:effectLst>
+          </p:spPr>
+        </p:pic>
+        <p:sp>
+          <p:nvSpPr>
+            <p:cNvPr id="9" name="Rectangle 8">
+              <a:extLst>
+                <a:ext uri="{FF2B5EF4-FFF2-40B4-BE49-F238E27FC236}">
+                  <a16:creationId xmlns:a16="http://schemas.microsoft.com/office/drawing/2014/main" id="{3E555E19-8F22-456E-8742-29062B3DBE2D}"/>
+                </a:ext>
+              </a:extLst>
+            </p:cNvPr>
+            <p:cNvSpPr/>
+            <p:nvPr/>
+          </p:nvSpPr>
+          <p:spPr>
+            <a:xfrm>
+              <a:off x="5177790" y="2927692"/>
+              <a:ext cx="5817870" cy="501308"/>
+            </a:xfrm>
+            <a:prstGeom prst="rect">
+              <a:avLst/>
+            </a:prstGeom>
+            <a:solidFill>
+              <a:srgbClr val="FFFF00">
+                <a:alpha val="20000"/>
+              </a:srgbClr>
+            </a:solidFill>
+            <a:ln>
+              <a:noFill/>
+            </a:ln>
+          </p:spPr>
+          <p:style>
+            <a:lnRef idx="2">
+              <a:schemeClr val="accent4">
+                <a:shade val="50000"/>
+              </a:schemeClr>
+            </a:lnRef>
+            <a:fillRef idx="1">
+              <a:schemeClr val="accent4"/>
+            </a:fillRef>
+            <a:effectRef idx="0">
+              <a:schemeClr val="accent4"/>
+            </a:effectRef>
+            <a:fontRef idx="minor">
+              <a:schemeClr val="lt1"/>
+            </a:fontRef>
+          </p:style>
+          <p:txBody>
+            <a:bodyPr rtlCol="0" anchor="ctr"/>
+            <a:lstStyle/>
+            <a:p>
+              <a:pPr algn="ctr"/>
+              <a:endParaRPr lang="en-US"/>
+            </a:p>
+          </p:txBody>
+        </p:sp>
+        <p:sp>
+          <p:nvSpPr>
+            <p:cNvPr id="16" name="Rectangle 15">
+              <a:extLst>
+                <a:ext uri="{FF2B5EF4-FFF2-40B4-BE49-F238E27FC236}">
+                  <a16:creationId xmlns:a16="http://schemas.microsoft.com/office/drawing/2014/main" id="{C2835B63-D771-43B3-96FC-968EB6C2538F}"/>
+                </a:ext>
+              </a:extLst>
+            </p:cNvPr>
+            <p:cNvSpPr/>
+            <p:nvPr/>
+          </p:nvSpPr>
+          <p:spPr>
+            <a:xfrm>
+              <a:off x="5177790" y="5533731"/>
+              <a:ext cx="5817870" cy="973161"/>
+            </a:xfrm>
+            <a:prstGeom prst="rect">
+              <a:avLst/>
+            </a:prstGeom>
+            <a:solidFill>
+              <a:srgbClr val="FFFF00">
+                <a:alpha val="20000"/>
+              </a:srgbClr>
+            </a:solidFill>
+            <a:ln>
+              <a:noFill/>
+            </a:ln>
+          </p:spPr>
+          <p:style>
+            <a:lnRef idx="2">
+              <a:schemeClr val="accent4">
+                <a:shade val="50000"/>
+              </a:schemeClr>
+            </a:lnRef>
+            <a:fillRef idx="1">
+              <a:schemeClr val="accent4"/>
+            </a:fillRef>
+            <a:effectRef idx="0">
+              <a:schemeClr val="accent4"/>
+            </a:effectRef>
+            <a:fontRef idx="minor">
+              <a:schemeClr val="lt1"/>
+            </a:fontRef>
+          </p:style>
+          <p:txBody>
+            <a:bodyPr rtlCol="0" anchor="ctr"/>
+            <a:lstStyle/>
+            <a:p>
+              <a:pPr algn="ctr"/>
+              <a:endParaRPr lang="en-US"/>
+            </a:p>
+          </p:txBody>
+        </p:sp>
+      </p:grpSp>
+      <p:sp>
+        <p:nvSpPr>
+          <p:cNvPr id="18" name="TextBox 17">
+            <a:extLst>
+              <a:ext uri="{FF2B5EF4-FFF2-40B4-BE49-F238E27FC236}">
+                <a16:creationId xmlns:a16="http://schemas.microsoft.com/office/drawing/2014/main" id="{018BD510-309A-498A-8B12-244E62E8BD7B}"/>
+              </a:ext>
+            </a:extLst>
+          </p:cNvPr>
+          <p:cNvSpPr txBox="1"/>
+          <p:nvPr/>
+        </p:nvSpPr>
+        <p:spPr>
+          <a:xfrm>
+            <a:off x="218123" y="4274820"/>
+            <a:ext cx="4628197" cy="2585323"/>
+          </a:xfrm>
+          <a:prstGeom prst="rect">
+            <a:avLst/>
+          </a:prstGeom>
+          <a:noFill/>
+        </p:spPr>
+        <p:txBody>
+          <a:bodyPr wrap="square" rtlCol="0">
+            <a:spAutoFit/>
+          </a:bodyPr>
+          <a:lstStyle/>
+          <a:p>
+            <a:pPr marL="285750" indent="-285750">
+              <a:buFont typeface="Arial" panose="020B0604020202020204" pitchFamily="34" charset="0"/>
+              <a:buChar char="•"/>
+            </a:pPr>
+            <a:r>
+              <a:rPr lang="en-US" dirty="0"/>
+              <a:t>How does traffic density affect respiratory health?</a:t>
+            </a:r>
+          </a:p>
+          <a:p>
+            <a:pPr marL="285750" indent="-285750">
+              <a:buFont typeface="Arial" panose="020B0604020202020204" pitchFamily="34" charset="0"/>
+              <a:buChar char="•"/>
+            </a:pPr>
+            <a:r>
+              <a:rPr lang="en-US" dirty="0"/>
+              <a:t>How has Georgia’s air quality changed over recent years?</a:t>
+            </a:r>
+          </a:p>
+          <a:p>
+            <a:pPr marL="285750" indent="-285750">
+              <a:buFont typeface="Arial" panose="020B0604020202020204" pitchFamily="34" charset="0"/>
+              <a:buChar char="•"/>
+            </a:pPr>
+            <a:r>
+              <a:rPr lang="en-US" dirty="0"/>
+              <a:t>How does Georgia’s air quality differ among its counties?</a:t>
+            </a:r>
+          </a:p>
+          <a:p>
+            <a:pPr marL="285750" indent="-285750">
+              <a:buFont typeface="Arial" panose="020B0604020202020204" pitchFamily="34" charset="0"/>
+              <a:buChar char="•"/>
+            </a:pPr>
+            <a:r>
+              <a:rPr lang="en-US" dirty="0"/>
+              <a:t>Is there a significant relationship between air quality and respiratory health in GA?</a:t>
+            </a:r>
+          </a:p>
+        </p:txBody>
+      </p:sp>
+    </p:spTree>
+    <p:extLst>
+      <p:ext uri="{BB962C8B-B14F-4D97-AF65-F5344CB8AC3E}">
+        <p14:creationId xmlns:p14="http://schemas.microsoft.com/office/powerpoint/2010/main" val="842900838"/>
+      </p:ext>
+    </p:extLst>
+  </p:cSld>
+  <p:clrMapOvr>
+    <a:masterClrMapping/>
+  </p:clrMapOvr>
+  <p:timing>
+    <p:tnLst>
+      <p:par>
+        <p:cTn id="1" dur="indefinite" restart="never" nodeType="tmRoot">
+          <p:childTnLst>
+            <p:seq concurrent="1" nextAc="seek">
+              <p:cTn id="2" dur="indefinite" nodeType="mainSeq">
+                <p:childTnLst>
+                  <p:par>
+                    <p:cTn id="3" fill="hold">
+                      <p:stCondLst>
+                        <p:cond delay="indefinite"/>
+                      </p:stCondLst>
+                      <p:childTnLst>
+                        <p:par>
+                          <p:cTn id="4" fill="hold">
+                            <p:stCondLst>
+                              <p:cond delay="0"/>
+                            </p:stCondLst>
+                            <p:childTnLst>
+                              <p:par>
+                                <p:cTn id="5" presetID="10" presetClass="entr" presetSubtype="0" fill="hold" nodeType="clickEffect">
+                                  <p:stCondLst>
+                                    <p:cond delay="0"/>
+                                  </p:stCondLst>
+                                  <p:childTnLst>
+                                    <p:set>
+                                      <p:cBhvr>
+                                        <p:cTn id="6" dur="1" fill="hold">
+                                          <p:stCondLst>
+                                            <p:cond delay="0"/>
+                                          </p:stCondLst>
+                                        </p:cTn>
+                                        <p:tgtEl>
+                                          <p:spTgt spid="7"/>
+                                        </p:tgtEl>
+                                        <p:attrNameLst>
+                                          <p:attrName>style.visibility</p:attrName>
+                                        </p:attrNameLst>
+                                      </p:cBhvr>
+                                      <p:to>
+                                        <p:strVal val="visible"/>
+                                      </p:to>
+                                    </p:set>
+                                    <p:animEffect transition="in" filter="fade">
+                                      <p:cBhvr>
+                                        <p:cTn id="7" dur="500"/>
+                                        <p:tgtEl>
+                                          <p:spTgt spid="7"/>
+                                        </p:tgtEl>
+                                      </p:cBhvr>
+                                    </p:animEffect>
+                                  </p:childTnLst>
+                                </p:cTn>
+                              </p:par>
+                            </p:childTnLst>
+                          </p:cTn>
+                        </p:par>
+                      </p:childTnLst>
+                    </p:cTn>
+                  </p:par>
+                  <p:par>
+                    <p:cTn id="8" fill="hold">
+                      <p:stCondLst>
+                        <p:cond delay="indefinite"/>
+                      </p:stCondLst>
+                      <p:childTnLst>
+                        <p:par>
+                          <p:cTn id="9" fill="hold">
+                            <p:stCondLst>
+                              <p:cond delay="0"/>
+                            </p:stCondLst>
+                            <p:childTnLst>
+                              <p:par>
+                                <p:cTn id="10" presetID="10" presetClass="entr" presetSubtype="0" fill="hold" nodeType="clickEffect">
+                                  <p:stCondLst>
+                                    <p:cond delay="0"/>
+                                  </p:stCondLst>
+                                  <p:childTnLst>
+                                    <p:set>
+                                      <p:cBhvr>
+                                        <p:cTn id="11" dur="1" fill="hold">
+                                          <p:stCondLst>
+                                            <p:cond delay="0"/>
+                                          </p:stCondLst>
+                                        </p:cTn>
+                                        <p:tgtEl>
+                                          <p:spTgt spid="17"/>
+                                        </p:tgtEl>
+                                        <p:attrNameLst>
+                                          <p:attrName>style.visibility</p:attrName>
+                                        </p:attrNameLst>
+                                      </p:cBhvr>
+                                      <p:to>
+                                        <p:strVal val="visible"/>
+                                      </p:to>
+                                    </p:set>
+                                    <p:animEffect transition="in" filter="fade">
+                                      <p:cBhvr>
+                                        <p:cTn id="12" dur="500"/>
+                                        <p:tgtEl>
+                                          <p:spTgt spid="17"/>
+                                        </p:tgtEl>
+                                      </p:cBhvr>
+                                    </p:animEffect>
+                                  </p:childTnLst>
+                                </p:cTn>
+                              </p:par>
+                            </p:childTnLst>
+                          </p:cTn>
+                        </p:par>
+                      </p:childTnLst>
+                    </p:cTn>
+                  </p:par>
+                  <p:par>
+                    <p:cTn id="13" fill="hold">
+                      <p:stCondLst>
+                        <p:cond delay="indefinite"/>
+                      </p:stCondLst>
+                      <p:childTnLst>
+                        <p:par>
+                          <p:cTn id="14" fill="hold">
+                            <p:stCondLst>
+                              <p:cond delay="0"/>
+                            </p:stCondLst>
+                            <p:childTnLst>
+                              <p:par>
+                                <p:cTn id="15" presetID="10" presetClass="entr" presetSubtype="0" fill="hold" grpId="0" nodeType="clickEffect">
+                                  <p:stCondLst>
+                                    <p:cond delay="0"/>
+                                  </p:stCondLst>
+                                  <p:childTnLst>
+                                    <p:set>
+                                      <p:cBhvr>
+                                        <p:cTn id="16" dur="1" fill="hold">
+                                          <p:stCondLst>
+                                            <p:cond delay="0"/>
+                                          </p:stCondLst>
+                                        </p:cTn>
+                                        <p:tgtEl>
+                                          <p:spTgt spid="18"/>
+                                        </p:tgtEl>
+                                        <p:attrNameLst>
+                                          <p:attrName>style.visibility</p:attrName>
+                                        </p:attrNameLst>
+                                      </p:cBhvr>
+                                      <p:to>
+                                        <p:strVal val="visible"/>
+                                      </p:to>
+                                    </p:set>
+                                    <p:animEffect transition="in" filter="fade">
+                                      <p:cBhvr>
+                                        <p:cTn id="17" dur="500"/>
+                                        <p:tgtEl>
+                                          <p:spTgt spid="18"/>
+                                        </p:tgtEl>
+                                      </p:cBhvr>
+                                    </p:animEffect>
+                                  </p:childTnLst>
+                                </p:cTn>
+                              </p:par>
+                            </p:childTnLst>
+                          </p:cTn>
+                        </p:par>
+                      </p:childTnLst>
+                    </p:cTn>
+                  </p:par>
+                </p:childTnLst>
+              </p:cTn>
+              <p:prevCondLst>
+                <p:cond evt="onPrev" delay="0">
+                  <p:tgtEl>
+                    <p:sldTgt/>
+                  </p:tgtEl>
+                </p:cond>
+              </p:prevCondLst>
+              <p:nextCondLst>
+                <p:cond evt="onNext" delay="0">
+                  <p:tgtEl>
+                    <p:sldTgt/>
+                  </p:tgtEl>
+                </p:cond>
+              </p:nextCondLst>
+            </p:seq>
+          </p:childTnLst>
+        </p:cTn>
+      </p:par>
+    </p:tnLst>
+    <p:bldLst>
+      <p:bldP spid="18" grpId="0"/>
+    </p:bldLst>
+  </p:timing>
+</p:sld>
+</file>
+
+<file path=ppt/slides/slide3.xml><?xml version="1.0" encoding="utf-8"?>
+<p:sld xmlns:a="http://schemas.openxmlformats.org/drawingml/2006/main" xmlns:r="http://schemas.openxmlformats.org/officeDocument/2006/relationships" xmlns:p="http://schemas.openxmlformats.org/presentationml/2006/main">
+  <p:cSld>
+    <p:spTree>
+      <p:nvGrpSpPr>
+        <p:cNvPr id="1" name=""/>
+        <p:cNvGrpSpPr/>
+        <p:nvPr/>
+      </p:nvGrpSpPr>
+      <p:grpSpPr>
+        <a:xfrm>
+          <a:off x="0" y="0"/>
+          <a:ext cx="0" cy="0"/>
+          <a:chOff x="0" y="0"/>
+          <a:chExt cx="0" cy="0"/>
+        </a:xfrm>
+      </p:grpSpPr>
+      <p:sp>
+        <p:nvSpPr>
+          <p:cNvPr id="2" name="Title 1">
+            <a:extLst>
+              <a:ext uri="{FF2B5EF4-FFF2-40B4-BE49-F238E27FC236}">
+                <a16:creationId xmlns:a16="http://schemas.microsoft.com/office/drawing/2014/main" id="{746F533A-3ECB-4B97-912A-5C9216E77CD2}"/>
+              </a:ext>
+            </a:extLst>
+          </p:cNvPr>
+          <p:cNvSpPr>
+            <a:spLocks noGrp="1"/>
+          </p:cNvSpPr>
+          <p:nvPr>
+            <p:ph type="title"/>
+          </p:nvPr>
+        </p:nvSpPr>
         <p:spPr/>
         <p:txBody>
           <a:bodyPr/>
@@ -14396,13 +17472,13 @@
             <p:ph idx="1"/>
             <p:extLst>
               <p:ext uri="{D42A27DB-BD31-4B8C-83A1-F6EECF244321}">
-                <p14:modId xmlns:p14="http://schemas.microsoft.com/office/powerpoint/2010/main" val="3517401033"/>
+                <p14:modId xmlns:p14="http://schemas.microsoft.com/office/powerpoint/2010/main" val="1858203429"/>
               </p:ext>
             </p:extLst>
           </p:nvPr>
         </p:nvGraphicFramePr>
         <p:xfrm>
-          <a:off x="3693206" y="415764"/>
+          <a:off x="3853226" y="4073364"/>
           <a:ext cx="8007382" cy="2472144"/>
         </p:xfrm>
         <a:graphic>
@@ -15468,13 +18544,13 @@
           <p:nvPr>
             <p:extLst>
               <p:ext uri="{D42A27DB-BD31-4B8C-83A1-F6EECF244321}">
-                <p14:modId xmlns:p14="http://schemas.microsoft.com/office/powerpoint/2010/main" val="3210157222"/>
+                <p14:modId xmlns:p14="http://schemas.microsoft.com/office/powerpoint/2010/main" val="590340822"/>
               </p:ext>
             </p:extLst>
           </p:nvPr>
         </p:nvGraphicFramePr>
         <p:xfrm>
-          <a:off x="1222378" y="3150187"/>
+          <a:off x="0" y="2858296"/>
           <a:ext cx="4780292" cy="3967645"/>
         </p:xfrm>
         <a:graphic>
@@ -15497,7 +18573,7 @@
         </p:nvGrpSpPr>
         <p:grpSpPr>
           <a:xfrm>
-            <a:off x="176306" y="1270000"/>
+            <a:off x="5971316" y="2625640"/>
             <a:ext cx="3436218" cy="1320800"/>
             <a:chOff x="176306" y="1270000"/>
             <a:chExt cx="3436218" cy="1320800"/>
@@ -15635,12 +18711,17 @@
         </p:nvSpPr>
         <p:spPr>
           <a:xfrm>
-            <a:off x="6096000" y="3536576"/>
-            <a:ext cx="5280212" cy="2905660"/>
+            <a:off x="377112" y="1270000"/>
+            <a:ext cx="11437776" cy="1320800"/>
           </a:xfrm>
           <a:prstGeom prst="roundRect">
             <a:avLst/>
           </a:prstGeom>
+          <a:ln>
+            <a:solidFill>
+              <a:schemeClr val="bg1"/>
+            </a:solidFill>
+          </a:ln>
           <a:effectLst>
             <a:outerShdw blurRad="50800" dist="38100" dir="2700000" algn="tl" rotWithShape="0">
               <a:prstClr val="black">
@@ -15671,8 +18752,8 @@
           <a:p>
             <a:pPr algn="ctr"/>
             <a:r>
-              <a:rPr lang="en-US" sz="2800" dirty="0"/>
-              <a:t>Project purpose: characterizing air quality in Georgia and exploring any potential relationships with asthma / respiratory health.</a:t>
+              <a:rPr lang="en-US" dirty="0"/>
+              <a:t>According to The Asthma and Allergy Foundation of America, 8% of the US population has asthma. Air pollution is linked to asthma exacerbation in susceptible individuals. The objective of our project was to explore and characterize the relationship between air pollution and asthma prevalence.</a:t>
             </a:r>
           </a:p>
         </p:txBody>
@@ -15687,10 +18768,222 @@
   <p:clrMapOvr>
     <a:masterClrMapping/>
   </p:clrMapOvr>
+  <p:timing>
+    <p:tnLst>
+      <p:par>
+        <p:cTn id="1" dur="indefinite" restart="never" nodeType="tmRoot">
+          <p:childTnLst>
+            <p:seq concurrent="1" nextAc="seek">
+              <p:cTn id="2" dur="indefinite" nodeType="mainSeq">
+                <p:childTnLst>
+                  <p:par>
+                    <p:cTn id="3" fill="hold">
+                      <p:stCondLst>
+                        <p:cond delay="indefinite"/>
+                      </p:stCondLst>
+                      <p:childTnLst>
+                        <p:par>
+                          <p:cTn id="4" fill="hold">
+                            <p:stCondLst>
+                              <p:cond delay="0"/>
+                            </p:stCondLst>
+                            <p:childTnLst>
+                              <p:par>
+                                <p:cTn id="5" presetID="10" presetClass="entr" presetSubtype="0" fill="hold" grpId="0" nodeType="clickEffect">
+                                  <p:stCondLst>
+                                    <p:cond delay="0"/>
+                                  </p:stCondLst>
+                                  <p:childTnLst>
+                                    <p:set>
+                                      <p:cBhvr>
+                                        <p:cTn id="6" dur="1" fill="hold">
+                                          <p:stCondLst>
+                                            <p:cond delay="0"/>
+                                          </p:stCondLst>
+                                        </p:cTn>
+                                        <p:tgtEl>
+                                          <p:spTgt spid="14"/>
+                                        </p:tgtEl>
+                                        <p:attrNameLst>
+                                          <p:attrName>style.visibility</p:attrName>
+                                        </p:attrNameLst>
+                                      </p:cBhvr>
+                                      <p:to>
+                                        <p:strVal val="visible"/>
+                                      </p:to>
+                                    </p:set>
+                                    <p:animEffect transition="in" filter="fade">
+                                      <p:cBhvr>
+                                        <p:cTn id="7" dur="500"/>
+                                        <p:tgtEl>
+                                          <p:spTgt spid="14"/>
+                                        </p:tgtEl>
+                                      </p:cBhvr>
+                                    </p:animEffect>
+                                  </p:childTnLst>
+                                </p:cTn>
+                              </p:par>
+                            </p:childTnLst>
+                          </p:cTn>
+                        </p:par>
+                      </p:childTnLst>
+                    </p:cTn>
+                  </p:par>
+                  <p:par>
+                    <p:cTn id="8" fill="hold">
+                      <p:stCondLst>
+                        <p:cond delay="indefinite"/>
+                      </p:stCondLst>
+                      <p:childTnLst>
+                        <p:par>
+                          <p:cTn id="9" fill="hold">
+                            <p:stCondLst>
+                              <p:cond delay="0"/>
+                            </p:stCondLst>
+                            <p:childTnLst>
+                              <p:par>
+                                <p:cTn id="10" presetID="10" presetClass="entr" presetSubtype="0" fill="hold" nodeType="clickEffect">
+                                  <p:stCondLst>
+                                    <p:cond delay="0"/>
+                                  </p:stCondLst>
+                                  <p:childTnLst>
+                                    <p:set>
+                                      <p:cBhvr>
+                                        <p:cTn id="11" dur="1" fill="hold">
+                                          <p:stCondLst>
+                                            <p:cond delay="0"/>
+                                          </p:stCondLst>
+                                        </p:cTn>
+                                        <p:tgtEl>
+                                          <p:spTgt spid="13"/>
+                                        </p:tgtEl>
+                                        <p:attrNameLst>
+                                          <p:attrName>style.visibility</p:attrName>
+                                        </p:attrNameLst>
+                                      </p:cBhvr>
+                                      <p:to>
+                                        <p:strVal val="visible"/>
+                                      </p:to>
+                                    </p:set>
+                                    <p:animEffect transition="in" filter="fade">
+                                      <p:cBhvr>
+                                        <p:cTn id="12" dur="500"/>
+                                        <p:tgtEl>
+                                          <p:spTgt spid="13"/>
+                                        </p:tgtEl>
+                                      </p:cBhvr>
+                                    </p:animEffect>
+                                  </p:childTnLst>
+                                </p:cTn>
+                              </p:par>
+                              <p:par>
+                                <p:cTn id="13" presetID="10" presetClass="entr" presetSubtype="0" fill="hold" nodeType="withEffect">
+                                  <p:stCondLst>
+                                    <p:cond delay="0"/>
+                                  </p:stCondLst>
+                                  <p:childTnLst>
+                                    <p:set>
+                                      <p:cBhvr>
+                                        <p:cTn id="14" dur="1" fill="hold">
+                                          <p:stCondLst>
+                                            <p:cond delay="0"/>
+                                          </p:stCondLst>
+                                        </p:cTn>
+                                        <p:tgtEl>
+                                          <p:spTgt spid="5"/>
+                                        </p:tgtEl>
+                                        <p:attrNameLst>
+                                          <p:attrName>style.visibility</p:attrName>
+                                        </p:attrNameLst>
+                                      </p:cBhvr>
+                                      <p:to>
+                                        <p:strVal val="visible"/>
+                                      </p:to>
+                                    </p:set>
+                                    <p:animEffect transition="in" filter="fade">
+                                      <p:cBhvr>
+                                        <p:cTn id="15" dur="500"/>
+                                        <p:tgtEl>
+                                          <p:spTgt spid="5"/>
+                                        </p:tgtEl>
+                                      </p:cBhvr>
+                                    </p:animEffect>
+                                  </p:childTnLst>
+                                </p:cTn>
+                              </p:par>
+                              <p:par>
+                                <p:cTn id="16" presetID="10" presetClass="entr" presetSubtype="0" fill="hold" grpId="0" nodeType="withEffect">
+                                  <p:stCondLst>
+                                    <p:cond delay="0"/>
+                                  </p:stCondLst>
+                                  <p:childTnLst>
+                                    <p:set>
+                                      <p:cBhvr>
+                                        <p:cTn id="17" dur="1" fill="hold">
+                                          <p:stCondLst>
+                                            <p:cond delay="0"/>
+                                          </p:stCondLst>
+                                        </p:cTn>
+                                        <p:tgtEl>
+                                          <p:spTgt spid="6"/>
+                                        </p:tgtEl>
+                                        <p:attrNameLst>
+                                          <p:attrName>style.visibility</p:attrName>
+                                        </p:attrNameLst>
+                                      </p:cBhvr>
+                                      <p:to>
+                                        <p:strVal val="visible"/>
+                                      </p:to>
+                                    </p:set>
+                                    <p:animEffect transition="in" filter="fade">
+                                      <p:cBhvr>
+                                        <p:cTn id="18" dur="500"/>
+                                        <p:tgtEl>
+                                          <p:spTgt spid="6"/>
+                                        </p:tgtEl>
+                                      </p:cBhvr>
+                                    </p:animEffect>
+                                  </p:childTnLst>
+                                </p:cTn>
+                              </p:par>
+                            </p:childTnLst>
+                          </p:cTn>
+                        </p:par>
+                      </p:childTnLst>
+                    </p:cTn>
+                  </p:par>
+                </p:childTnLst>
+              </p:cTn>
+              <p:prevCondLst>
+                <p:cond evt="onPrev" delay="0">
+                  <p:tgtEl>
+                    <p:sldTgt/>
+                  </p:tgtEl>
+                </p:cond>
+              </p:prevCondLst>
+              <p:nextCondLst>
+                <p:cond evt="onNext" delay="0">
+                  <p:tgtEl>
+                    <p:sldTgt/>
+                  </p:tgtEl>
+                </p:cond>
+              </p:nextCondLst>
+            </p:seq>
+          </p:childTnLst>
+        </p:cTn>
+      </p:par>
+    </p:tnLst>
+    <p:bldLst>
+      <p:bldGraphic spid="6" grpId="0">
+        <p:bldAsOne/>
+      </p:bldGraphic>
+      <p:bldP spid="14" grpId="0" animBg="1"/>
+    </p:bldLst>
+  </p:timing>
 </p:sld>
 </file>
 
-<file path=ppt/slides/slide3.xml><?xml version="1.0" encoding="utf-8"?>
+<file path=ppt/slides/slide4.xml><?xml version="1.0" encoding="utf-8"?>
 <p:sld xmlns:a="http://schemas.openxmlformats.org/drawingml/2006/main" xmlns:r="http://schemas.openxmlformats.org/officeDocument/2006/relationships" xmlns:p="http://schemas.openxmlformats.org/presentationml/2006/main">
   <p:cSld>
     <p:spTree>
@@ -15723,7 +19016,12 @@
             <p:ph type="title"/>
           </p:nvPr>
         </p:nvSpPr>
-        <p:spPr/>
+        <p:spPr>
+          <a:xfrm>
+            <a:off x="677334" y="392430"/>
+            <a:ext cx="8596668" cy="1320800"/>
+          </a:xfrm>
+        </p:spPr>
         <p:txBody>
           <a:bodyPr/>
           <a:lstStyle/>
@@ -15751,14 +19049,19 @@
             <p:ph type="body" idx="1"/>
           </p:nvPr>
         </p:nvSpPr>
-        <p:spPr/>
+        <p:spPr>
+          <a:xfrm>
+            <a:off x="675745" y="3121103"/>
+            <a:ext cx="4185623" cy="576262"/>
+          </a:xfrm>
+        </p:spPr>
         <p:txBody>
           <a:bodyPr/>
           <a:lstStyle/>
           <a:p>
             <a:r>
               <a:rPr lang="en-US" sz="3200" dirty="0"/>
-              <a:t>Data</a:t>
+              <a:t>Data Sources</a:t>
             </a:r>
           </a:p>
         </p:txBody>
@@ -15779,7 +19082,12 @@
             <p:ph sz="half" idx="2"/>
           </p:nvPr>
         </p:nvSpPr>
-        <p:spPr/>
+        <p:spPr>
+          <a:xfrm>
+            <a:off x="675745" y="3788805"/>
+            <a:ext cx="4185623" cy="2932035"/>
+          </a:xfrm>
+        </p:spPr>
         <p:txBody>
           <a:bodyPr>
             <a:normAutofit/>
@@ -15816,9 +19124,6 @@
               <a:rPr lang="en-US" sz="2400" dirty="0"/>
               <a:t>Google Maps API</a:t>
             </a:r>
-          </a:p>
-          <a:p>
-            <a:endParaRPr lang="en-US" sz="2400" dirty="0"/>
           </a:p>
         </p:txBody>
       </p:sp>
@@ -15838,14 +19143,19 @@
             <p:ph type="body" sz="quarter" idx="3"/>
           </p:nvPr>
         </p:nvSpPr>
-        <p:spPr/>
+        <p:spPr>
+          <a:xfrm>
+            <a:off x="5088383" y="3121103"/>
+            <a:ext cx="4185618" cy="576262"/>
+          </a:xfrm>
+        </p:spPr>
         <p:txBody>
           <a:bodyPr/>
           <a:lstStyle/>
           <a:p>
             <a:r>
               <a:rPr lang="en-US" sz="3200" dirty="0"/>
-              <a:t>Methods</a:t>
+              <a:t>Python Methods</a:t>
             </a:r>
           </a:p>
         </p:txBody>
@@ -15868,8 +19178,8 @@
         </p:nvSpPr>
         <p:spPr>
           <a:xfrm>
-            <a:off x="5088384" y="2737245"/>
-            <a:ext cx="4539710" cy="3304117"/>
+            <a:off x="5088384" y="3788805"/>
+            <a:ext cx="4821426" cy="2932035"/>
           </a:xfrm>
         </p:spPr>
         <p:txBody>
@@ -15911,8 +19221,129 @@
             </a:r>
             <a:endParaRPr lang="en-US" sz="2400" dirty="0"/>
           </a:p>
-          <a:p>
-            <a:endParaRPr lang="en-US" sz="2400" dirty="0"/>
+        </p:txBody>
+      </p:sp>
+      <p:sp>
+        <p:nvSpPr>
+          <p:cNvPr id="3" name="Rectangle 2">
+            <a:extLst>
+              <a:ext uri="{FF2B5EF4-FFF2-40B4-BE49-F238E27FC236}">
+                <a16:creationId xmlns:a16="http://schemas.microsoft.com/office/drawing/2014/main" id="{3099BEEE-3DD9-44C0-88AA-8630F23DECEB}"/>
+              </a:ext>
+            </a:extLst>
+          </p:cNvPr>
+          <p:cNvSpPr/>
+          <p:nvPr/>
+        </p:nvSpPr>
+        <p:spPr>
+          <a:xfrm>
+            <a:off x="0" y="1263689"/>
+            <a:ext cx="12192000" cy="1515800"/>
+          </a:xfrm>
+          <a:prstGeom prst="rect">
+            <a:avLst/>
+          </a:prstGeom>
+          <a:solidFill>
+            <a:srgbClr val="FFFFFF">
+              <a:alpha val="50196"/>
+            </a:srgbClr>
+          </a:solidFill>
+        </p:spPr>
+        <p:txBody>
+          <a:bodyPr wrap="square">
+            <a:spAutoFit/>
+          </a:bodyPr>
+          <a:lstStyle/>
+          <a:p>
+            <a:pPr algn="ctr"/>
+            <a:r>
+              <a:rPr lang="en-US" sz="1850" dirty="0"/>
+              <a:t>We explored </a:t>
+            </a:r>
+            <a:r>
+              <a:rPr lang="en-US" sz="1850" dirty="0">
+                <a:solidFill>
+                  <a:schemeClr val="accent1"/>
+                </a:solidFill>
+              </a:rPr>
+              <a:t>asthma emergency visits by county from 2010 to 2017, </a:t>
+            </a:r>
+            <a:r>
+              <a:rPr lang="en-US" sz="1850" dirty="0"/>
+              <a:t>as the dependent variable. Independent variables included </a:t>
+            </a:r>
+            <a:r>
+              <a:rPr lang="en-US" sz="1850" dirty="0">
+                <a:solidFill>
+                  <a:schemeClr val="accent1"/>
+                </a:solidFill>
+              </a:rPr>
+              <a:t>air quality index</a:t>
+            </a:r>
+            <a:r>
+              <a:rPr lang="en-US" sz="1850" dirty="0"/>
+              <a:t> (AQI) &amp;  </a:t>
+            </a:r>
+            <a:r>
+              <a:rPr lang="en-US" sz="1850" dirty="0">
+                <a:solidFill>
+                  <a:schemeClr val="accent1"/>
+                </a:solidFill>
+              </a:rPr>
+              <a:t>air pollutants </a:t>
+            </a:r>
+            <a:r>
+              <a:rPr lang="en-US" sz="1850" dirty="0"/>
+              <a:t>(Ozone, PM2.5, and PM10). These variables were controlled for meteorological conditions and analyzed using </a:t>
+            </a:r>
+            <a:r>
+              <a:rPr lang="en-US" sz="1850" dirty="0">
+                <a:solidFill>
+                  <a:schemeClr val="accent1"/>
+                </a:solidFill>
+              </a:rPr>
+              <a:t>time-series</a:t>
+            </a:r>
+            <a:r>
+              <a:rPr lang="en-US" sz="1850" dirty="0"/>
+              <a:t> and </a:t>
+            </a:r>
+            <a:r>
+              <a:rPr lang="en-US" sz="1850" dirty="0">
+                <a:solidFill>
+                  <a:schemeClr val="accent1"/>
+                </a:solidFill>
+              </a:rPr>
+              <a:t>liner regression models</a:t>
+            </a:r>
+            <a:r>
+              <a:rPr lang="en-US" sz="1850" dirty="0"/>
+              <a:t>. Additionally, a </a:t>
+            </a:r>
+            <a:r>
+              <a:rPr lang="en-US" sz="1850" dirty="0">
+                <a:solidFill>
+                  <a:schemeClr val="accent1"/>
+                </a:solidFill>
+              </a:rPr>
+              <a:t>student t-test </a:t>
+            </a:r>
+            <a:r>
+              <a:rPr lang="en-US" sz="1850" dirty="0"/>
+              <a:t>was used to test the significant level of difference of asthma emergency department visits and air quality between </a:t>
+            </a:r>
+            <a:r>
+              <a:rPr lang="en-US" sz="1850" dirty="0">
+                <a:solidFill>
+                  <a:schemeClr val="accent1"/>
+                </a:solidFill>
+              </a:rPr>
+              <a:t>rural and urban areas</a:t>
+            </a:r>
+            <a:r>
+              <a:rPr lang="en-US" sz="1850" dirty="0"/>
+              <a:t>.</a:t>
+            </a:r>
           </a:p>
         </p:txBody>
       </p:sp>
@@ -15926,10 +19357,577 @@
   <p:clrMapOvr>
     <a:masterClrMapping/>
   </p:clrMapOvr>
+  <p:timing>
+    <p:tnLst>
+      <p:par>
+        <p:cTn id="1" dur="indefinite" restart="never" nodeType="tmRoot">
+          <p:childTnLst>
+            <p:seq concurrent="1" nextAc="seek">
+              <p:cTn id="2" dur="indefinite" nodeType="mainSeq">
+                <p:childTnLst>
+                  <p:par>
+                    <p:cTn id="3" fill="hold">
+                      <p:stCondLst>
+                        <p:cond delay="indefinite"/>
+                      </p:stCondLst>
+                      <p:childTnLst>
+                        <p:par>
+                          <p:cTn id="4" fill="hold">
+                            <p:stCondLst>
+                              <p:cond delay="0"/>
+                            </p:stCondLst>
+                            <p:childTnLst>
+                              <p:par>
+                                <p:cTn id="5" presetID="10" presetClass="entr" presetSubtype="0" fill="hold" grpId="0" nodeType="clickEffect">
+                                  <p:stCondLst>
+                                    <p:cond delay="0"/>
+                                  </p:stCondLst>
+                                  <p:childTnLst>
+                                    <p:set>
+                                      <p:cBhvr>
+                                        <p:cTn id="6" dur="1" fill="hold">
+                                          <p:stCondLst>
+                                            <p:cond delay="0"/>
+                                          </p:stCondLst>
+                                        </p:cTn>
+                                        <p:tgtEl>
+                                          <p:spTgt spid="3">
+                                            <p:bg/>
+                                          </p:spTgt>
+                                        </p:tgtEl>
+                                        <p:attrNameLst>
+                                          <p:attrName>style.visibility</p:attrName>
+                                        </p:attrNameLst>
+                                      </p:cBhvr>
+                                      <p:to>
+                                        <p:strVal val="visible"/>
+                                      </p:to>
+                                    </p:set>
+                                    <p:animEffect transition="in" filter="fade">
+                                      <p:cBhvr>
+                                        <p:cTn id="7" dur="500"/>
+                                        <p:tgtEl>
+                                          <p:spTgt spid="3">
+                                            <p:bg/>
+                                          </p:spTgt>
+                                        </p:tgtEl>
+                                      </p:cBhvr>
+                                    </p:animEffect>
+                                  </p:childTnLst>
+                                </p:cTn>
+                              </p:par>
+                              <p:par>
+                                <p:cTn id="8" presetID="10" presetClass="entr" presetSubtype="0" fill="hold" grpId="0" nodeType="withEffect">
+                                  <p:stCondLst>
+                                    <p:cond delay="0"/>
+                                  </p:stCondLst>
+                                  <p:childTnLst>
+                                    <p:set>
+                                      <p:cBhvr>
+                                        <p:cTn id="9" dur="1" fill="hold">
+                                          <p:stCondLst>
+                                            <p:cond delay="0"/>
+                                          </p:stCondLst>
+                                        </p:cTn>
+                                        <p:tgtEl>
+                                          <p:spTgt spid="3">
+                                            <p:txEl>
+                                              <p:pRg st="0" end="0"/>
+                                            </p:txEl>
+                                          </p:spTgt>
+                                        </p:tgtEl>
+                                        <p:attrNameLst>
+                                          <p:attrName>style.visibility</p:attrName>
+                                        </p:attrNameLst>
+                                      </p:cBhvr>
+                                      <p:to>
+                                        <p:strVal val="visible"/>
+                                      </p:to>
+                                    </p:set>
+                                    <p:animEffect transition="in" filter="fade">
+                                      <p:cBhvr>
+                                        <p:cTn id="10" dur="500"/>
+                                        <p:tgtEl>
+                                          <p:spTgt spid="3">
+                                            <p:txEl>
+                                              <p:pRg st="0" end="0"/>
+                                            </p:txEl>
+                                          </p:spTgt>
+                                        </p:tgtEl>
+                                      </p:cBhvr>
+                                    </p:animEffect>
+                                  </p:childTnLst>
+                                </p:cTn>
+                              </p:par>
+                              <p:par>
+                                <p:cTn id="11" presetID="10" presetClass="entr" presetSubtype="0" fill="hold" grpId="0" nodeType="withEffect">
+                                  <p:stCondLst>
+                                    <p:cond delay="0"/>
+                                  </p:stCondLst>
+                                  <p:childTnLst>
+                                    <p:set>
+                                      <p:cBhvr>
+                                        <p:cTn id="12" dur="1" fill="hold">
+                                          <p:stCondLst>
+                                            <p:cond delay="0"/>
+                                          </p:stCondLst>
+                                        </p:cTn>
+                                        <p:tgtEl>
+                                          <p:spTgt spid="4">
+                                            <p:txEl>
+                                              <p:pRg st="0" end="0"/>
+                                            </p:txEl>
+                                          </p:spTgt>
+                                        </p:tgtEl>
+                                        <p:attrNameLst>
+                                          <p:attrName>style.visibility</p:attrName>
+                                        </p:attrNameLst>
+                                      </p:cBhvr>
+                                      <p:to>
+                                        <p:strVal val="visible"/>
+                                      </p:to>
+                                    </p:set>
+                                    <p:animEffect transition="in" filter="fade">
+                                      <p:cBhvr>
+                                        <p:cTn id="13" dur="500"/>
+                                        <p:tgtEl>
+                                          <p:spTgt spid="4">
+                                            <p:txEl>
+                                              <p:pRg st="0" end="0"/>
+                                            </p:txEl>
+                                          </p:spTgt>
+                                        </p:tgtEl>
+                                      </p:cBhvr>
+                                    </p:animEffect>
+                                  </p:childTnLst>
+                                </p:cTn>
+                              </p:par>
+                              <p:par>
+                                <p:cTn id="14" presetID="10" presetClass="entr" presetSubtype="0" fill="hold" grpId="0" nodeType="withEffect">
+                                  <p:stCondLst>
+                                    <p:cond delay="0"/>
+                                  </p:stCondLst>
+                                  <p:childTnLst>
+                                    <p:set>
+                                      <p:cBhvr>
+                                        <p:cTn id="15" dur="1" fill="hold">
+                                          <p:stCondLst>
+                                            <p:cond delay="0"/>
+                                          </p:stCondLst>
+                                        </p:cTn>
+                                        <p:tgtEl>
+                                          <p:spTgt spid="5">
+                                            <p:txEl>
+                                              <p:pRg st="0" end="0"/>
+                                            </p:txEl>
+                                          </p:spTgt>
+                                        </p:tgtEl>
+                                        <p:attrNameLst>
+                                          <p:attrName>style.visibility</p:attrName>
+                                        </p:attrNameLst>
+                                      </p:cBhvr>
+                                      <p:to>
+                                        <p:strVal val="visible"/>
+                                      </p:to>
+                                    </p:set>
+                                    <p:animEffect transition="in" filter="fade">
+                                      <p:cBhvr>
+                                        <p:cTn id="16" dur="500"/>
+                                        <p:tgtEl>
+                                          <p:spTgt spid="5">
+                                            <p:txEl>
+                                              <p:pRg st="0" end="0"/>
+                                            </p:txEl>
+                                          </p:spTgt>
+                                        </p:tgtEl>
+                                      </p:cBhvr>
+                                    </p:animEffect>
+                                  </p:childTnLst>
+                                </p:cTn>
+                              </p:par>
+                              <p:par>
+                                <p:cTn id="17" presetID="10" presetClass="entr" presetSubtype="0" fill="hold" grpId="0" nodeType="withEffect">
+                                  <p:stCondLst>
+                                    <p:cond delay="0"/>
+                                  </p:stCondLst>
+                                  <p:childTnLst>
+                                    <p:set>
+                                      <p:cBhvr>
+                                        <p:cTn id="18" dur="1" fill="hold">
+                                          <p:stCondLst>
+                                            <p:cond delay="0"/>
+                                          </p:stCondLst>
+                                        </p:cTn>
+                                        <p:tgtEl>
+                                          <p:spTgt spid="5">
+                                            <p:txEl>
+                                              <p:pRg st="1" end="1"/>
+                                            </p:txEl>
+                                          </p:spTgt>
+                                        </p:tgtEl>
+                                        <p:attrNameLst>
+                                          <p:attrName>style.visibility</p:attrName>
+                                        </p:attrNameLst>
+                                      </p:cBhvr>
+                                      <p:to>
+                                        <p:strVal val="visible"/>
+                                      </p:to>
+                                    </p:set>
+                                    <p:animEffect transition="in" filter="fade">
+                                      <p:cBhvr>
+                                        <p:cTn id="19" dur="500"/>
+                                        <p:tgtEl>
+                                          <p:spTgt spid="5">
+                                            <p:txEl>
+                                              <p:pRg st="1" end="1"/>
+                                            </p:txEl>
+                                          </p:spTgt>
+                                        </p:tgtEl>
+                                      </p:cBhvr>
+                                    </p:animEffect>
+                                  </p:childTnLst>
+                                </p:cTn>
+                              </p:par>
+                              <p:par>
+                                <p:cTn id="20" presetID="10" presetClass="entr" presetSubtype="0" fill="hold" grpId="0" nodeType="withEffect">
+                                  <p:stCondLst>
+                                    <p:cond delay="0"/>
+                                  </p:stCondLst>
+                                  <p:childTnLst>
+                                    <p:set>
+                                      <p:cBhvr>
+                                        <p:cTn id="21" dur="1" fill="hold">
+                                          <p:stCondLst>
+                                            <p:cond delay="0"/>
+                                          </p:stCondLst>
+                                        </p:cTn>
+                                        <p:tgtEl>
+                                          <p:spTgt spid="5">
+                                            <p:txEl>
+                                              <p:pRg st="2" end="2"/>
+                                            </p:txEl>
+                                          </p:spTgt>
+                                        </p:tgtEl>
+                                        <p:attrNameLst>
+                                          <p:attrName>style.visibility</p:attrName>
+                                        </p:attrNameLst>
+                                      </p:cBhvr>
+                                      <p:to>
+                                        <p:strVal val="visible"/>
+                                      </p:to>
+                                    </p:set>
+                                    <p:animEffect transition="in" filter="fade">
+                                      <p:cBhvr>
+                                        <p:cTn id="22" dur="500"/>
+                                        <p:tgtEl>
+                                          <p:spTgt spid="5">
+                                            <p:txEl>
+                                              <p:pRg st="2" end="2"/>
+                                            </p:txEl>
+                                          </p:spTgt>
+                                        </p:tgtEl>
+                                      </p:cBhvr>
+                                    </p:animEffect>
+                                  </p:childTnLst>
+                                </p:cTn>
+                              </p:par>
+                              <p:par>
+                                <p:cTn id="23" presetID="10" presetClass="entr" presetSubtype="0" fill="hold" grpId="0" nodeType="withEffect">
+                                  <p:stCondLst>
+                                    <p:cond delay="0"/>
+                                  </p:stCondLst>
+                                  <p:childTnLst>
+                                    <p:set>
+                                      <p:cBhvr>
+                                        <p:cTn id="24" dur="1" fill="hold">
+                                          <p:stCondLst>
+                                            <p:cond delay="0"/>
+                                          </p:stCondLst>
+                                        </p:cTn>
+                                        <p:tgtEl>
+                                          <p:spTgt spid="5">
+                                            <p:txEl>
+                                              <p:pRg st="3" end="3"/>
+                                            </p:txEl>
+                                          </p:spTgt>
+                                        </p:tgtEl>
+                                        <p:attrNameLst>
+                                          <p:attrName>style.visibility</p:attrName>
+                                        </p:attrNameLst>
+                                      </p:cBhvr>
+                                      <p:to>
+                                        <p:strVal val="visible"/>
+                                      </p:to>
+                                    </p:set>
+                                    <p:animEffect transition="in" filter="fade">
+                                      <p:cBhvr>
+                                        <p:cTn id="25" dur="500"/>
+                                        <p:tgtEl>
+                                          <p:spTgt spid="5">
+                                            <p:txEl>
+                                              <p:pRg st="3" end="3"/>
+                                            </p:txEl>
+                                          </p:spTgt>
+                                        </p:tgtEl>
+                                      </p:cBhvr>
+                                    </p:animEffect>
+                                  </p:childTnLst>
+                                </p:cTn>
+                              </p:par>
+                              <p:par>
+                                <p:cTn id="26" presetID="10" presetClass="entr" presetSubtype="0" fill="hold" grpId="0" nodeType="withEffect">
+                                  <p:stCondLst>
+                                    <p:cond delay="0"/>
+                                  </p:stCondLst>
+                                  <p:childTnLst>
+                                    <p:set>
+                                      <p:cBhvr>
+                                        <p:cTn id="27" dur="1" fill="hold">
+                                          <p:stCondLst>
+                                            <p:cond delay="0"/>
+                                          </p:stCondLst>
+                                        </p:cTn>
+                                        <p:tgtEl>
+                                          <p:spTgt spid="6">
+                                            <p:txEl>
+                                              <p:pRg st="0" end="0"/>
+                                            </p:txEl>
+                                          </p:spTgt>
+                                        </p:tgtEl>
+                                        <p:attrNameLst>
+                                          <p:attrName>style.visibility</p:attrName>
+                                        </p:attrNameLst>
+                                      </p:cBhvr>
+                                      <p:to>
+                                        <p:strVal val="visible"/>
+                                      </p:to>
+                                    </p:set>
+                                    <p:animEffect transition="in" filter="fade">
+                                      <p:cBhvr>
+                                        <p:cTn id="28" dur="500"/>
+                                        <p:tgtEl>
+                                          <p:spTgt spid="6">
+                                            <p:txEl>
+                                              <p:pRg st="0" end="0"/>
+                                            </p:txEl>
+                                          </p:spTgt>
+                                        </p:tgtEl>
+                                      </p:cBhvr>
+                                    </p:animEffect>
+                                  </p:childTnLst>
+                                </p:cTn>
+                              </p:par>
+                              <p:par>
+                                <p:cTn id="29" presetID="10" presetClass="entr" presetSubtype="0" fill="hold" grpId="0" nodeType="withEffect">
+                                  <p:stCondLst>
+                                    <p:cond delay="0"/>
+                                  </p:stCondLst>
+                                  <p:childTnLst>
+                                    <p:set>
+                                      <p:cBhvr>
+                                        <p:cTn id="30" dur="1" fill="hold">
+                                          <p:stCondLst>
+                                            <p:cond delay="0"/>
+                                          </p:stCondLst>
+                                        </p:cTn>
+                                        <p:tgtEl>
+                                          <p:spTgt spid="7">
+                                            <p:txEl>
+                                              <p:pRg st="0" end="0"/>
+                                            </p:txEl>
+                                          </p:spTgt>
+                                        </p:tgtEl>
+                                        <p:attrNameLst>
+                                          <p:attrName>style.visibility</p:attrName>
+                                        </p:attrNameLst>
+                                      </p:cBhvr>
+                                      <p:to>
+                                        <p:strVal val="visible"/>
+                                      </p:to>
+                                    </p:set>
+                                    <p:animEffect transition="in" filter="fade">
+                                      <p:cBhvr>
+                                        <p:cTn id="31" dur="500"/>
+                                        <p:tgtEl>
+                                          <p:spTgt spid="7">
+                                            <p:txEl>
+                                              <p:pRg st="0" end="0"/>
+                                            </p:txEl>
+                                          </p:spTgt>
+                                        </p:tgtEl>
+                                      </p:cBhvr>
+                                    </p:animEffect>
+                                  </p:childTnLst>
+                                </p:cTn>
+                              </p:par>
+                              <p:par>
+                                <p:cTn id="32" presetID="10" presetClass="entr" presetSubtype="0" fill="hold" grpId="0" nodeType="withEffect">
+                                  <p:stCondLst>
+                                    <p:cond delay="0"/>
+                                  </p:stCondLst>
+                                  <p:childTnLst>
+                                    <p:set>
+                                      <p:cBhvr>
+                                        <p:cTn id="33" dur="1" fill="hold">
+                                          <p:stCondLst>
+                                            <p:cond delay="0"/>
+                                          </p:stCondLst>
+                                        </p:cTn>
+                                        <p:tgtEl>
+                                          <p:spTgt spid="7">
+                                            <p:txEl>
+                                              <p:pRg st="1" end="1"/>
+                                            </p:txEl>
+                                          </p:spTgt>
+                                        </p:tgtEl>
+                                        <p:attrNameLst>
+                                          <p:attrName>style.visibility</p:attrName>
+                                        </p:attrNameLst>
+                                      </p:cBhvr>
+                                      <p:to>
+                                        <p:strVal val="visible"/>
+                                      </p:to>
+                                    </p:set>
+                                    <p:animEffect transition="in" filter="fade">
+                                      <p:cBhvr>
+                                        <p:cTn id="34" dur="500"/>
+                                        <p:tgtEl>
+                                          <p:spTgt spid="7">
+                                            <p:txEl>
+                                              <p:pRg st="1" end="1"/>
+                                            </p:txEl>
+                                          </p:spTgt>
+                                        </p:tgtEl>
+                                      </p:cBhvr>
+                                    </p:animEffect>
+                                  </p:childTnLst>
+                                </p:cTn>
+                              </p:par>
+                              <p:par>
+                                <p:cTn id="35" presetID="10" presetClass="entr" presetSubtype="0" fill="hold" grpId="0" nodeType="withEffect">
+                                  <p:stCondLst>
+                                    <p:cond delay="0"/>
+                                  </p:stCondLst>
+                                  <p:childTnLst>
+                                    <p:set>
+                                      <p:cBhvr>
+                                        <p:cTn id="36" dur="1" fill="hold">
+                                          <p:stCondLst>
+                                            <p:cond delay="0"/>
+                                          </p:stCondLst>
+                                        </p:cTn>
+                                        <p:tgtEl>
+                                          <p:spTgt spid="7">
+                                            <p:txEl>
+                                              <p:pRg st="2" end="2"/>
+                                            </p:txEl>
+                                          </p:spTgt>
+                                        </p:tgtEl>
+                                        <p:attrNameLst>
+                                          <p:attrName>style.visibility</p:attrName>
+                                        </p:attrNameLst>
+                                      </p:cBhvr>
+                                      <p:to>
+                                        <p:strVal val="visible"/>
+                                      </p:to>
+                                    </p:set>
+                                    <p:animEffect transition="in" filter="fade">
+                                      <p:cBhvr>
+                                        <p:cTn id="37" dur="500"/>
+                                        <p:tgtEl>
+                                          <p:spTgt spid="7">
+                                            <p:txEl>
+                                              <p:pRg st="2" end="2"/>
+                                            </p:txEl>
+                                          </p:spTgt>
+                                        </p:tgtEl>
+                                      </p:cBhvr>
+                                    </p:animEffect>
+                                  </p:childTnLst>
+                                </p:cTn>
+                              </p:par>
+                              <p:par>
+                                <p:cTn id="38" presetID="10" presetClass="entr" presetSubtype="0" fill="hold" grpId="0" nodeType="withEffect">
+                                  <p:stCondLst>
+                                    <p:cond delay="0"/>
+                                  </p:stCondLst>
+                                  <p:childTnLst>
+                                    <p:set>
+                                      <p:cBhvr>
+                                        <p:cTn id="39" dur="1" fill="hold">
+                                          <p:stCondLst>
+                                            <p:cond delay="0"/>
+                                          </p:stCondLst>
+                                        </p:cTn>
+                                        <p:tgtEl>
+                                          <p:spTgt spid="7">
+                                            <p:txEl>
+                                              <p:pRg st="3" end="3"/>
+                                            </p:txEl>
+                                          </p:spTgt>
+                                        </p:tgtEl>
+                                        <p:attrNameLst>
+                                          <p:attrName>style.visibility</p:attrName>
+                                        </p:attrNameLst>
+                                      </p:cBhvr>
+                                      <p:to>
+                                        <p:strVal val="visible"/>
+                                      </p:to>
+                                    </p:set>
+                                    <p:animEffect transition="in" filter="fade">
+                                      <p:cBhvr>
+                                        <p:cTn id="40" dur="500"/>
+                                        <p:tgtEl>
+                                          <p:spTgt spid="7">
+                                            <p:txEl>
+                                              <p:pRg st="3" end="3"/>
+                                            </p:txEl>
+                                          </p:spTgt>
+                                        </p:tgtEl>
+                                      </p:cBhvr>
+                                    </p:animEffect>
+                                  </p:childTnLst>
+                                </p:cTn>
+                              </p:par>
+                            </p:childTnLst>
+                          </p:cTn>
+                        </p:par>
+                      </p:childTnLst>
+                    </p:cTn>
+                  </p:par>
+                </p:childTnLst>
+              </p:cTn>
+              <p:prevCondLst>
+                <p:cond evt="onPrev" delay="0">
+                  <p:tgtEl>
+                    <p:sldTgt/>
+                  </p:tgtEl>
+                </p:cond>
+              </p:prevCondLst>
+              <p:nextCondLst>
+                <p:cond evt="onNext" delay="0">
+                  <p:tgtEl>
+                    <p:sldTgt/>
+                  </p:tgtEl>
+                </p:cond>
+              </p:nextCondLst>
+            </p:seq>
+          </p:childTnLst>
+        </p:cTn>
+      </p:par>
+    </p:tnLst>
+    <p:bldLst>
+      <p:bldP spid="4" grpId="0" build="allAtOnce"/>
+      <p:bldP spid="5" grpId="0" build="allAtOnce"/>
+      <p:bldP spid="6" grpId="0" build="allAtOnce"/>
+      <p:bldP spid="7" grpId="0" build="allAtOnce"/>
+      <p:bldP spid="3" grpId="0" build="allAtOnce" animBg="1"/>
+    </p:bldLst>
+  </p:timing>
 </p:sld>
 </file>
 
-<file path=ppt/slides/slide4.xml><?xml version="1.0" encoding="utf-8"?>
+<file path=ppt/slides/slide5.xml><?xml version="1.0" encoding="utf-8"?>
 <p:sld xmlns:a="http://schemas.openxmlformats.org/drawingml/2006/main" xmlns:r="http://schemas.openxmlformats.org/officeDocument/2006/relationships" xmlns:p="http://schemas.openxmlformats.org/presentationml/2006/main">
   <p:cSld>
     <p:bg>
@@ -16033,34 +20031,40 @@
       </p:pic>
       <p:pic>
         <p:nvPicPr>
-          <p:cNvPr id="11" name="Content Placeholder 10">
+          <p:cNvPr id="2052" name="Picture 4">
             <a:extLst>
               <a:ext uri="{FF2B5EF4-FFF2-40B4-BE49-F238E27FC236}">
-                <a16:creationId xmlns:a16="http://schemas.microsoft.com/office/drawing/2014/main" id="{9E44D04A-2E16-466D-B8B1-8892031C3205}"/>
+                <a16:creationId xmlns:a16="http://schemas.microsoft.com/office/drawing/2014/main" id="{56242138-CBBF-43D5-9EB0-0B9CADC1C0D5}"/>
               </a:ext>
             </a:extLst>
           </p:cNvPr>
           <p:cNvPicPr>
-            <a:picLocks noGrp="1" noChangeAspect="1"/>
+            <a:picLocks noChangeAspect="1" noChangeArrowheads="1"/>
           </p:cNvPicPr>
-          <p:nvPr>
-            <p:ph idx="1"/>
-          </p:nvPr>
+          <p:nvPr/>
         </p:nvPicPr>
         <p:blipFill>
-          <a:blip r:embed="rId4"/>
+          <a:blip r:embed="rId4">
+            <a:extLst>
+              <a:ext uri="{28A0092B-C50C-407E-A947-70E740481C1C}">
+                <a14:useLocalDpi xmlns:a14="http://schemas.microsoft.com/office/drawing/2010/main" val="0"/>
+              </a:ext>
+            </a:extLst>
+          </a:blip>
+          <a:srcRect/>
           <a:stretch>
             <a:fillRect/>
           </a:stretch>
         </p:blipFill>
-        <p:spPr>
+        <p:spPr bwMode="auto">
           <a:xfrm>
-            <a:off x="5535230" y="1809378"/>
-            <a:ext cx="6511382" cy="4093880"/>
+            <a:off x="6392121" y="403538"/>
+            <a:ext cx="5257604" cy="6166200"/>
           </a:xfrm>
           <a:prstGeom prst="rect">
             <a:avLst/>
           </a:prstGeom>
+          <a:noFill/>
           <a:effectLst>
             <a:outerShdw blurRad="50800" dist="38100" dir="5400000" algn="t" rotWithShape="0">
               <a:prstClr val="black">
@@ -16068,6 +20072,15 @@
               </a:prstClr>
             </a:outerShdw>
           </a:effectLst>
+          <a:extLst>
+            <a:ext uri="{909E8E84-426E-40DD-AFC4-6F175D3DCCD1}">
+              <a14:hiddenFill xmlns:a14="http://schemas.microsoft.com/office/drawing/2010/main">
+                <a:solidFill>
+                  <a:srgbClr val="FFFFFF"/>
+                </a:solidFill>
+              </a14:hiddenFill>
+            </a:ext>
+          </a:extLst>
         </p:spPr>
       </p:pic>
     </p:spTree>
@@ -16080,480 +20093,128 @@
   <p:clrMapOvr>
     <a:masterClrMapping/>
   </p:clrMapOvr>
-</p:sld>
-</file>
-
-<file path=ppt/slides/slide5.xml><?xml version="1.0" encoding="utf-8"?>
-<p:sld xmlns:a="http://schemas.openxmlformats.org/drawingml/2006/main" xmlns:r="http://schemas.openxmlformats.org/officeDocument/2006/relationships" xmlns:p="http://schemas.openxmlformats.org/presentationml/2006/main">
-  <p:cSld>
-    <p:spTree>
-      <p:nvGrpSpPr>
-        <p:cNvPr id="1" name=""/>
-        <p:cNvGrpSpPr/>
-        <p:nvPr/>
-      </p:nvGrpSpPr>
-      <p:grpSpPr>
-        <a:xfrm>
-          <a:off x="0" y="0"/>
-          <a:ext cx="0" cy="0"/>
-          <a:chOff x="0" y="0"/>
-          <a:chExt cx="0" cy="0"/>
-        </a:xfrm>
-      </p:grpSpPr>
-      <p:sp>
-        <p:nvSpPr>
-          <p:cNvPr id="2" name="Title 1">
-            <a:extLst>
-              <a:ext uri="{FF2B5EF4-FFF2-40B4-BE49-F238E27FC236}">
-                <a16:creationId xmlns:a16="http://schemas.microsoft.com/office/drawing/2014/main" id="{9BD4F8C7-407A-4AE6-B6DC-A9F0404240BE}"/>
-              </a:ext>
-            </a:extLst>
-          </p:cNvPr>
-          <p:cNvSpPr>
-            <a:spLocks noGrp="1"/>
-          </p:cNvSpPr>
-          <p:nvPr>
-            <p:ph type="title"/>
-          </p:nvPr>
-        </p:nvSpPr>
-        <p:spPr>
-          <a:xfrm>
-            <a:off x="677334" y="52870"/>
-            <a:ext cx="8596668" cy="737834"/>
-          </a:xfrm>
-        </p:spPr>
-        <p:txBody>
-          <a:bodyPr/>
-          <a:lstStyle/>
-          <a:p>
-            <a:r>
-              <a:rPr lang="en-US" dirty="0"/>
-              <a:t>Georgia | By County</a:t>
-            </a:r>
-          </a:p>
-        </p:txBody>
-      </p:sp>
-      <p:pic>
-        <p:nvPicPr>
-          <p:cNvPr id="5" name="Picture 4" descr="A screenshot of a cell phone&#10;&#10;Description generated with very high confidence">
-            <a:extLst>
-              <a:ext uri="{FF2B5EF4-FFF2-40B4-BE49-F238E27FC236}">
-                <a16:creationId xmlns:a16="http://schemas.microsoft.com/office/drawing/2014/main" id="{C1519CE2-C32B-47D2-A740-63B447D06607}"/>
-              </a:ext>
-            </a:extLst>
-          </p:cNvPr>
-          <p:cNvPicPr>
-            <a:picLocks noChangeAspect="1"/>
-          </p:cNvPicPr>
-          <p:nvPr/>
-        </p:nvPicPr>
-        <p:blipFill>
-          <a:blip r:embed="rId3">
-            <a:extLst>
-              <a:ext uri="{28A0092B-C50C-407E-A947-70E740481C1C}">
-                <a14:useLocalDpi xmlns:a14="http://schemas.microsoft.com/office/drawing/2010/main" val="0"/>
-              </a:ext>
-            </a:extLst>
-          </a:blip>
-          <a:stretch>
-            <a:fillRect/>
-          </a:stretch>
-        </p:blipFill>
-        <p:spPr>
-          <a:xfrm>
-            <a:off x="257173" y="879974"/>
-            <a:ext cx="4415743" cy="2943828"/>
-          </a:xfrm>
-          <a:prstGeom prst="rect">
-            <a:avLst/>
-          </a:prstGeom>
-          <a:effectLst>
-            <a:outerShdw blurRad="50800" dist="38100" dir="5400000" algn="t" rotWithShape="0">
-              <a:prstClr val="black">
-                <a:alpha val="40000"/>
-              </a:prstClr>
-            </a:outerShdw>
-          </a:effectLst>
-        </p:spPr>
-      </p:pic>
-      <p:pic>
-        <p:nvPicPr>
-          <p:cNvPr id="7" name="Picture 6" descr="A screenshot of a cell phone&#10;&#10;Description generated with high confidence">
-            <a:extLst>
-              <a:ext uri="{FF2B5EF4-FFF2-40B4-BE49-F238E27FC236}">
-                <a16:creationId xmlns:a16="http://schemas.microsoft.com/office/drawing/2014/main" id="{D1CE828D-9B6E-4A98-BA57-9637FCEDD209}"/>
-              </a:ext>
-            </a:extLst>
-          </p:cNvPr>
-          <p:cNvPicPr>
-            <a:picLocks noChangeAspect="1"/>
-          </p:cNvPicPr>
-          <p:nvPr/>
-        </p:nvPicPr>
-        <p:blipFill>
-          <a:blip r:embed="rId4">
-            <a:extLst>
-              <a:ext uri="{28A0092B-C50C-407E-A947-70E740481C1C}">
-                <a14:useLocalDpi xmlns:a14="http://schemas.microsoft.com/office/drawing/2010/main" val="0"/>
-              </a:ext>
-            </a:extLst>
-          </a:blip>
-          <a:stretch>
-            <a:fillRect/>
-          </a:stretch>
-        </p:blipFill>
-        <p:spPr>
-          <a:xfrm>
-            <a:off x="6887424" y="3868436"/>
-            <a:ext cx="4415743" cy="2943828"/>
-          </a:xfrm>
-          <a:prstGeom prst="rect">
-            <a:avLst/>
-          </a:prstGeom>
-          <a:effectLst>
-            <a:outerShdw blurRad="50800" dist="38100" dir="5400000" algn="t" rotWithShape="0">
-              <a:prstClr val="black">
-                <a:alpha val="40000"/>
-              </a:prstClr>
-            </a:outerShdw>
-          </a:effectLst>
-        </p:spPr>
-      </p:pic>
-      <p:pic>
-        <p:nvPicPr>
-          <p:cNvPr id="9" name="Picture 8" descr="A close up of text on a white background&#10;&#10;Description generated with high confidence">
-            <a:extLst>
-              <a:ext uri="{FF2B5EF4-FFF2-40B4-BE49-F238E27FC236}">
-                <a16:creationId xmlns:a16="http://schemas.microsoft.com/office/drawing/2014/main" id="{F41DA199-2DE0-44EF-808E-92F660623BDB}"/>
-              </a:ext>
-            </a:extLst>
-          </p:cNvPr>
-          <p:cNvPicPr>
-            <a:picLocks noChangeAspect="1"/>
-          </p:cNvPicPr>
-          <p:nvPr/>
-        </p:nvPicPr>
-        <p:blipFill>
-          <a:blip r:embed="rId5">
-            <a:extLst>
-              <a:ext uri="{28A0092B-C50C-407E-A947-70E740481C1C}">
-                <a14:useLocalDpi xmlns:a14="http://schemas.microsoft.com/office/drawing/2010/main" val="0"/>
-              </a:ext>
-            </a:extLst>
-          </a:blip>
-          <a:stretch>
-            <a:fillRect/>
-          </a:stretch>
-        </p:blipFill>
-        <p:spPr>
-          <a:xfrm>
-            <a:off x="1989765" y="3868436"/>
-            <a:ext cx="4415743" cy="2943828"/>
-          </a:xfrm>
-          <a:prstGeom prst="rect">
-            <a:avLst/>
-          </a:prstGeom>
-          <a:effectLst>
-            <a:outerShdw blurRad="50800" dist="38100" dir="5400000" algn="t" rotWithShape="0">
-              <a:prstClr val="black">
-                <a:alpha val="40000"/>
-              </a:prstClr>
-            </a:outerShdw>
-          </a:effectLst>
-        </p:spPr>
-      </p:pic>
-      <p:pic>
-        <p:nvPicPr>
-          <p:cNvPr id="11" name="Picture 10" descr="A screenshot of a cell phone&#10;&#10;Description generated with very high confidence">
-            <a:extLst>
-              <a:ext uri="{FF2B5EF4-FFF2-40B4-BE49-F238E27FC236}">
-                <a16:creationId xmlns:a16="http://schemas.microsoft.com/office/drawing/2014/main" id="{8E6C98DD-A0FB-4150-8534-DBA5ECE56B5F}"/>
-              </a:ext>
-            </a:extLst>
-          </p:cNvPr>
-          <p:cNvPicPr>
-            <a:picLocks noChangeAspect="1"/>
-          </p:cNvPicPr>
-          <p:nvPr/>
-        </p:nvPicPr>
-        <p:blipFill>
-          <a:blip r:embed="rId6">
-            <a:extLst>
-              <a:ext uri="{28A0092B-C50C-407E-A947-70E740481C1C}">
-                <a14:useLocalDpi xmlns:a14="http://schemas.microsoft.com/office/drawing/2010/main" val="0"/>
-              </a:ext>
-            </a:extLst>
-          </a:blip>
-          <a:stretch>
-            <a:fillRect/>
-          </a:stretch>
-        </p:blipFill>
-        <p:spPr>
-          <a:xfrm>
-            <a:off x="5154832" y="857656"/>
-            <a:ext cx="4415743" cy="2943828"/>
-          </a:xfrm>
-          <a:prstGeom prst="rect">
-            <a:avLst/>
-          </a:prstGeom>
-          <a:effectLst>
-            <a:outerShdw blurRad="50800" dist="38100" dir="5400000" algn="t" rotWithShape="0">
-              <a:prstClr val="black">
-                <a:alpha val="40000"/>
-              </a:prstClr>
-            </a:outerShdw>
-          </a:effectLst>
-        </p:spPr>
-      </p:pic>
-    </p:spTree>
-    <p:extLst>
-      <p:ext uri="{BB962C8B-B14F-4D97-AF65-F5344CB8AC3E}">
-        <p14:creationId xmlns:p14="http://schemas.microsoft.com/office/powerpoint/2010/main" val="4003649483"/>
-      </p:ext>
-    </p:extLst>
-  </p:cSld>
-  <p:clrMapOvr>
-    <a:masterClrMapping/>
-  </p:clrMapOvr>
+  <p:timing>
+    <p:tnLst>
+      <p:par>
+        <p:cTn id="1" dur="indefinite" restart="never" nodeType="tmRoot">
+          <p:childTnLst>
+            <p:seq concurrent="1" nextAc="seek">
+              <p:cTn id="2" dur="indefinite" nodeType="mainSeq">
+                <p:childTnLst>
+                  <p:par>
+                    <p:cTn id="3" fill="hold">
+                      <p:stCondLst>
+                        <p:cond delay="indefinite"/>
+                      </p:stCondLst>
+                      <p:childTnLst>
+                        <p:par>
+                          <p:cTn id="4" fill="hold">
+                            <p:stCondLst>
+                              <p:cond delay="0"/>
+                            </p:stCondLst>
+                            <p:childTnLst>
+                              <p:par>
+                                <p:cTn id="5" presetID="10" presetClass="entr" presetSubtype="0" fill="hold" nodeType="clickEffect">
+                                  <p:stCondLst>
+                                    <p:cond delay="0"/>
+                                  </p:stCondLst>
+                                  <p:childTnLst>
+                                    <p:set>
+                                      <p:cBhvr>
+                                        <p:cTn id="6" dur="1" fill="hold">
+                                          <p:stCondLst>
+                                            <p:cond delay="0"/>
+                                          </p:stCondLst>
+                                        </p:cTn>
+                                        <p:tgtEl>
+                                          <p:spTgt spid="5"/>
+                                        </p:tgtEl>
+                                        <p:attrNameLst>
+                                          <p:attrName>style.visibility</p:attrName>
+                                        </p:attrNameLst>
+                                      </p:cBhvr>
+                                      <p:to>
+                                        <p:strVal val="visible"/>
+                                      </p:to>
+                                    </p:set>
+                                    <p:animEffect transition="in" filter="fade">
+                                      <p:cBhvr>
+                                        <p:cTn id="7" dur="500"/>
+                                        <p:tgtEl>
+                                          <p:spTgt spid="5"/>
+                                        </p:tgtEl>
+                                      </p:cBhvr>
+                                    </p:animEffect>
+                                  </p:childTnLst>
+                                </p:cTn>
+                              </p:par>
+                              <p:par>
+                                <p:cTn id="8" presetID="10" presetClass="entr" presetSubtype="0" fill="hold" nodeType="withEffect">
+                                  <p:stCondLst>
+                                    <p:cond delay="0"/>
+                                  </p:stCondLst>
+                                  <p:childTnLst>
+                                    <p:set>
+                                      <p:cBhvr>
+                                        <p:cTn id="9" dur="1" fill="hold">
+                                          <p:stCondLst>
+                                            <p:cond delay="0"/>
+                                          </p:stCondLst>
+                                        </p:cTn>
+                                        <p:tgtEl>
+                                          <p:spTgt spid="2052"/>
+                                        </p:tgtEl>
+                                        <p:attrNameLst>
+                                          <p:attrName>style.visibility</p:attrName>
+                                        </p:attrNameLst>
+                                      </p:cBhvr>
+                                      <p:to>
+                                        <p:strVal val="visible"/>
+                                      </p:to>
+                                    </p:set>
+                                    <p:animEffect transition="in" filter="fade">
+                                      <p:cBhvr>
+                                        <p:cTn id="10" dur="500"/>
+                                        <p:tgtEl>
+                                          <p:spTgt spid="2052"/>
+                                        </p:tgtEl>
+                                      </p:cBhvr>
+                                    </p:animEffect>
+                                  </p:childTnLst>
+                                </p:cTn>
+                              </p:par>
+                            </p:childTnLst>
+                          </p:cTn>
+                        </p:par>
+                      </p:childTnLst>
+                    </p:cTn>
+                  </p:par>
+                </p:childTnLst>
+              </p:cTn>
+              <p:prevCondLst>
+                <p:cond evt="onPrev" delay="0">
+                  <p:tgtEl>
+                    <p:sldTgt/>
+                  </p:tgtEl>
+                </p:cond>
+              </p:prevCondLst>
+              <p:nextCondLst>
+                <p:cond evt="onNext" delay="0">
+                  <p:tgtEl>
+                    <p:sldTgt/>
+                  </p:tgtEl>
+                </p:cond>
+              </p:nextCondLst>
+            </p:seq>
+          </p:childTnLst>
+        </p:cTn>
+      </p:par>
+    </p:tnLst>
+  </p:timing>
 </p:sld>
 </file>
 
 <file path=ppt/slides/slide6.xml><?xml version="1.0" encoding="utf-8"?>
-<p:sld xmlns:a="http://schemas.openxmlformats.org/drawingml/2006/main" xmlns:r="http://schemas.openxmlformats.org/officeDocument/2006/relationships" xmlns:p="http://schemas.openxmlformats.org/presentationml/2006/main">
-  <p:cSld>
-    <p:spTree>
-      <p:nvGrpSpPr>
-        <p:cNvPr id="1" name=""/>
-        <p:cNvGrpSpPr/>
-        <p:nvPr/>
-      </p:nvGrpSpPr>
-      <p:grpSpPr>
-        <a:xfrm>
-          <a:off x="0" y="0"/>
-          <a:ext cx="0" cy="0"/>
-          <a:chOff x="0" y="0"/>
-          <a:chExt cx="0" cy="0"/>
-        </a:xfrm>
-      </p:grpSpPr>
-      <p:sp>
-        <p:nvSpPr>
-          <p:cNvPr id="2" name="Title 1">
-            <a:extLst>
-              <a:ext uri="{FF2B5EF4-FFF2-40B4-BE49-F238E27FC236}">
-                <a16:creationId xmlns:a16="http://schemas.microsoft.com/office/drawing/2014/main" id="{C4668C95-4E1C-4B5A-BBBA-402A1624D67E}"/>
-              </a:ext>
-            </a:extLst>
-          </p:cNvPr>
-          <p:cNvSpPr>
-            <a:spLocks noGrp="1"/>
-          </p:cNvSpPr>
-          <p:nvPr>
-            <p:ph type="title"/>
-          </p:nvPr>
-        </p:nvSpPr>
-        <p:spPr>
-          <a:xfrm>
-            <a:off x="677334" y="127870"/>
-            <a:ext cx="8596668" cy="710647"/>
-          </a:xfrm>
-        </p:spPr>
-        <p:txBody>
-          <a:bodyPr/>
-          <a:lstStyle/>
-          <a:p>
-            <a:r>
-              <a:rPr lang="en-US" dirty="0"/>
-              <a:t>Georgia | By County</a:t>
-            </a:r>
-          </a:p>
-        </p:txBody>
-      </p:sp>
-      <p:pic>
-        <p:nvPicPr>
-          <p:cNvPr id="27" name="Picture 26" descr="A screenshot of a cell phone&#10;&#10;Description generated with high confidence">
-            <a:extLst>
-              <a:ext uri="{FF2B5EF4-FFF2-40B4-BE49-F238E27FC236}">
-                <a16:creationId xmlns:a16="http://schemas.microsoft.com/office/drawing/2014/main" id="{8BBB9348-0F12-42BC-B8FE-539A08259658}"/>
-              </a:ext>
-            </a:extLst>
-          </p:cNvPr>
-          <p:cNvPicPr>
-            <a:picLocks noChangeAspect="1"/>
-          </p:cNvPicPr>
-          <p:nvPr/>
-        </p:nvPicPr>
-        <p:blipFill>
-          <a:blip r:embed="rId2">
-            <a:extLst>
-              <a:ext uri="{28A0092B-C50C-407E-A947-70E740481C1C}">
-                <a14:useLocalDpi xmlns:a14="http://schemas.microsoft.com/office/drawing/2010/main" val="0"/>
-              </a:ext>
-            </a:extLst>
-          </a:blip>
-          <a:stretch>
-            <a:fillRect/>
-          </a:stretch>
-        </p:blipFill>
-        <p:spPr>
-          <a:xfrm>
-            <a:off x="356585" y="838517"/>
-            <a:ext cx="4415743" cy="2943828"/>
-          </a:xfrm>
-          <a:prstGeom prst="rect">
-            <a:avLst/>
-          </a:prstGeom>
-          <a:effectLst>
-            <a:outerShdw blurRad="50800" dist="38100" dir="5400000" algn="t" rotWithShape="0">
-              <a:prstClr val="black">
-                <a:alpha val="40000"/>
-              </a:prstClr>
-            </a:outerShdw>
-          </a:effectLst>
-        </p:spPr>
-      </p:pic>
-      <p:pic>
-        <p:nvPicPr>
-          <p:cNvPr id="28" name="Picture 27" descr="A screenshot of a cell phone&#10;&#10;Description generated with high confidence">
-            <a:extLst>
-              <a:ext uri="{FF2B5EF4-FFF2-40B4-BE49-F238E27FC236}">
-                <a16:creationId xmlns:a16="http://schemas.microsoft.com/office/drawing/2014/main" id="{B02EECAC-D411-4B86-893F-98DC8782001B}"/>
-              </a:ext>
-            </a:extLst>
-          </p:cNvPr>
-          <p:cNvPicPr>
-            <a:picLocks noChangeAspect="1"/>
-          </p:cNvPicPr>
-          <p:nvPr/>
-        </p:nvPicPr>
-        <p:blipFill>
-          <a:blip r:embed="rId3">
-            <a:extLst>
-              <a:ext uri="{28A0092B-C50C-407E-A947-70E740481C1C}">
-                <a14:useLocalDpi xmlns:a14="http://schemas.microsoft.com/office/drawing/2010/main" val="0"/>
-              </a:ext>
-            </a:extLst>
-          </a:blip>
-          <a:stretch>
-            <a:fillRect/>
-          </a:stretch>
-        </p:blipFill>
-        <p:spPr>
-          <a:xfrm>
-            <a:off x="5211802" y="838517"/>
-            <a:ext cx="4415743" cy="2943828"/>
-          </a:xfrm>
-          <a:prstGeom prst="rect">
-            <a:avLst/>
-          </a:prstGeom>
-          <a:effectLst>
-            <a:outerShdw blurRad="50800" dist="38100" dir="5400000" algn="t" rotWithShape="0">
-              <a:prstClr val="black">
-                <a:alpha val="40000"/>
-              </a:prstClr>
-            </a:outerShdw>
-          </a:effectLst>
-        </p:spPr>
-      </p:pic>
-      <p:pic>
-        <p:nvPicPr>
-          <p:cNvPr id="29" name="Picture 28" descr="A screenshot of a cell phone&#10;&#10;Description generated with high confidence">
-            <a:extLst>
-              <a:ext uri="{FF2B5EF4-FFF2-40B4-BE49-F238E27FC236}">
-                <a16:creationId xmlns:a16="http://schemas.microsoft.com/office/drawing/2014/main" id="{355DB675-DB81-4829-B960-8AFAAD20135C}"/>
-              </a:ext>
-            </a:extLst>
-          </p:cNvPr>
-          <p:cNvPicPr>
-            <a:picLocks noChangeAspect="1"/>
-          </p:cNvPicPr>
-          <p:nvPr/>
-        </p:nvPicPr>
-        <p:blipFill>
-          <a:blip r:embed="rId4">
-            <a:extLst>
-              <a:ext uri="{28A0092B-C50C-407E-A947-70E740481C1C}">
-                <a14:useLocalDpi xmlns:a14="http://schemas.microsoft.com/office/drawing/2010/main" val="0"/>
-              </a:ext>
-            </a:extLst>
-          </a:blip>
-          <a:stretch>
-            <a:fillRect/>
-          </a:stretch>
-        </p:blipFill>
-        <p:spPr>
-          <a:xfrm>
-            <a:off x="1680257" y="3875505"/>
-            <a:ext cx="4415743" cy="2943828"/>
-          </a:xfrm>
-          <a:prstGeom prst="rect">
-            <a:avLst/>
-          </a:prstGeom>
-          <a:effectLst>
-            <a:outerShdw blurRad="50800" dist="38100" dir="5400000" algn="t" rotWithShape="0">
-              <a:prstClr val="black">
-                <a:alpha val="40000"/>
-              </a:prstClr>
-            </a:outerShdw>
-          </a:effectLst>
-        </p:spPr>
-      </p:pic>
-      <p:pic>
-        <p:nvPicPr>
-          <p:cNvPr id="30" name="Picture 29" descr="A screenshot of a cell phone&#10;&#10;Description generated with very high confidence">
-            <a:extLst>
-              <a:ext uri="{FF2B5EF4-FFF2-40B4-BE49-F238E27FC236}">
-                <a16:creationId xmlns:a16="http://schemas.microsoft.com/office/drawing/2014/main" id="{808DE010-C951-4694-B551-7C0D2921673C}"/>
-              </a:ext>
-            </a:extLst>
-          </p:cNvPr>
-          <p:cNvPicPr>
-            <a:picLocks noChangeAspect="1"/>
-          </p:cNvPicPr>
-          <p:nvPr/>
-        </p:nvPicPr>
-        <p:blipFill>
-          <a:blip r:embed="rId5">
-            <a:extLst>
-              <a:ext uri="{28A0092B-C50C-407E-A947-70E740481C1C}">
-                <a14:useLocalDpi xmlns:a14="http://schemas.microsoft.com/office/drawing/2010/main" val="0"/>
-              </a:ext>
-            </a:extLst>
-          </a:blip>
-          <a:stretch>
-            <a:fillRect/>
-          </a:stretch>
-        </p:blipFill>
-        <p:spPr>
-          <a:xfrm>
-            <a:off x="6535474" y="3866984"/>
-            <a:ext cx="4415743" cy="2943828"/>
-          </a:xfrm>
-          <a:prstGeom prst="rect">
-            <a:avLst/>
-          </a:prstGeom>
-          <a:effectLst>
-            <a:outerShdw blurRad="50800" dist="38100" dir="5400000" algn="t" rotWithShape="0">
-              <a:prstClr val="black">
-                <a:alpha val="40000"/>
-              </a:prstClr>
-            </a:outerShdw>
-          </a:effectLst>
-        </p:spPr>
-      </p:pic>
-    </p:spTree>
-    <p:extLst>
-      <p:ext uri="{BB962C8B-B14F-4D97-AF65-F5344CB8AC3E}">
-        <p14:creationId xmlns:p14="http://schemas.microsoft.com/office/powerpoint/2010/main" val="3575713820"/>
-      </p:ext>
-    </p:extLst>
-  </p:cSld>
-  <p:clrMapOvr>
-    <a:masterClrMapping/>
-  </p:clrMapOvr>
-</p:sld>
-</file>
-
-<file path=ppt/slides/slide7.xml><?xml version="1.0" encoding="utf-8"?>
 <p:sld xmlns:a="http://schemas.openxmlformats.org/drawingml/2006/main" xmlns:r="http://schemas.openxmlformats.org/officeDocument/2006/relationships" xmlns:p="http://schemas.openxmlformats.org/presentationml/2006/main">
   <p:cSld>
     <p:spTree>
@@ -16600,10 +20261,10 @@
       </p:sp>
       <p:sp>
         <p:nvSpPr>
-          <p:cNvPr id="3" name="Content Placeholder 2">
+          <p:cNvPr id="5" name="Content Placeholder 4">
             <a:extLst>
               <a:ext uri="{FF2B5EF4-FFF2-40B4-BE49-F238E27FC236}">
-                <a16:creationId xmlns:a16="http://schemas.microsoft.com/office/drawing/2014/main" id="{46260BEB-C295-4B76-8172-77A79F5F80EB}"/>
+                <a16:creationId xmlns:a16="http://schemas.microsoft.com/office/drawing/2014/main" id="{C52A1659-3F06-4903-863A-6904E5098915}"/>
               </a:ext>
             </a:extLst>
           </p:cNvPr>
@@ -16619,7 +20280,10 @@
           <a:bodyPr/>
           <a:lstStyle/>
           <a:p>
-            <a:endParaRPr lang="en-US"/>
+            <a:r>
+              <a:rPr lang="en-US" dirty="0"/>
+              <a:t>TED WILL SEND CHART AND OBSERVATION</a:t>
+            </a:r>
           </a:p>
         </p:txBody>
       </p:sp>
@@ -16633,6 +20297,294 @@
   <p:clrMapOvr>
     <a:masterClrMapping/>
   </p:clrMapOvr>
+</p:sld>
+</file>
+
+<file path=ppt/slides/slide7.xml><?xml version="1.0" encoding="utf-8"?>
+<p:sld xmlns:a="http://schemas.openxmlformats.org/drawingml/2006/main" xmlns:r="http://schemas.openxmlformats.org/officeDocument/2006/relationships" xmlns:p="http://schemas.openxmlformats.org/presentationml/2006/main">
+  <p:cSld>
+    <p:spTree>
+      <p:nvGrpSpPr>
+        <p:cNvPr id="1" name=""/>
+        <p:cNvGrpSpPr/>
+        <p:nvPr/>
+      </p:nvGrpSpPr>
+      <p:grpSpPr>
+        <a:xfrm>
+          <a:off x="0" y="0"/>
+          <a:ext cx="0" cy="0"/>
+          <a:chOff x="0" y="0"/>
+          <a:chExt cx="0" cy="0"/>
+        </a:xfrm>
+      </p:grpSpPr>
+      <p:sp>
+        <p:nvSpPr>
+          <p:cNvPr id="2" name="Title 1">
+            <a:extLst>
+              <a:ext uri="{FF2B5EF4-FFF2-40B4-BE49-F238E27FC236}">
+                <a16:creationId xmlns:a16="http://schemas.microsoft.com/office/drawing/2014/main" id="{F7FD17BE-6D83-4023-BBF3-4361917A8D60}"/>
+              </a:ext>
+            </a:extLst>
+          </p:cNvPr>
+          <p:cNvSpPr>
+            <a:spLocks noGrp="1"/>
+          </p:cNvSpPr>
+          <p:nvPr>
+            <p:ph type="title"/>
+          </p:nvPr>
+        </p:nvSpPr>
+        <p:spPr/>
+        <p:txBody>
+          <a:bodyPr/>
+          <a:lstStyle/>
+          <a:p>
+            <a:r>
+              <a:rPr lang="en-US" dirty="0"/>
+              <a:t>Georgia | By County Type</a:t>
+            </a:r>
+          </a:p>
+        </p:txBody>
+      </p:sp>
+      <p:pic>
+        <p:nvPicPr>
+          <p:cNvPr id="3074" name="Picture 2" descr="gooddays_vs_ervisits_total.png">
+            <a:extLst>
+              <a:ext uri="{FF2B5EF4-FFF2-40B4-BE49-F238E27FC236}">
+                <a16:creationId xmlns:a16="http://schemas.microsoft.com/office/drawing/2014/main" id="{6C2D5809-67EF-4A39-81A7-61F673084DCE}"/>
+              </a:ext>
+            </a:extLst>
+          </p:cNvPr>
+          <p:cNvPicPr>
+            <a:picLocks noChangeAspect="1" noChangeArrowheads="1"/>
+          </p:cNvPicPr>
+          <p:nvPr/>
+        </p:nvPicPr>
+        <p:blipFill>
+          <a:blip r:embed="rId3">
+            <a:extLst>
+              <a:ext uri="{28A0092B-C50C-407E-A947-70E740481C1C}">
+                <a14:useLocalDpi xmlns:a14="http://schemas.microsoft.com/office/drawing/2010/main" val="0"/>
+              </a:ext>
+            </a:extLst>
+          </a:blip>
+          <a:srcRect/>
+          <a:stretch>
+            <a:fillRect/>
+          </a:stretch>
+        </p:blipFill>
+        <p:spPr bwMode="auto">
+          <a:xfrm>
+            <a:off x="6263640" y="1930400"/>
+            <a:ext cx="5820796" cy="3918114"/>
+          </a:xfrm>
+          <a:prstGeom prst="rect">
+            <a:avLst/>
+          </a:prstGeom>
+          <a:ln>
+            <a:noFill/>
+          </a:ln>
+          <a:effectLst>
+            <a:outerShdw blurRad="292100" dist="139700" dir="2700000" algn="tl" rotWithShape="0">
+              <a:srgbClr val="333333">
+                <a:alpha val="65000"/>
+              </a:srgbClr>
+            </a:outerShdw>
+          </a:effectLst>
+          <a:extLst>
+            <a:ext uri="{909E8E84-426E-40DD-AFC4-6F175D3DCCD1}">
+              <a14:hiddenFill xmlns:a14="http://schemas.microsoft.com/office/drawing/2010/main">
+                <a:solidFill>
+                  <a:srgbClr val="FFFFFF"/>
+                </a:solidFill>
+              </a14:hiddenFill>
+            </a:ext>
+          </a:extLst>
+        </p:spPr>
+      </p:pic>
+      <p:pic>
+        <p:nvPicPr>
+          <p:cNvPr id="3076" name="Picture 4" descr="gooddays_vs_ervisits_2017.png">
+            <a:extLst>
+              <a:ext uri="{FF2B5EF4-FFF2-40B4-BE49-F238E27FC236}">
+                <a16:creationId xmlns:a16="http://schemas.microsoft.com/office/drawing/2014/main" id="{AA7E5490-CA80-4D67-9169-20A60A21595A}"/>
+              </a:ext>
+            </a:extLst>
+          </p:cNvPr>
+          <p:cNvPicPr>
+            <a:picLocks noChangeAspect="1" noChangeArrowheads="1"/>
+          </p:cNvPicPr>
+          <p:nvPr/>
+        </p:nvPicPr>
+        <p:blipFill>
+          <a:blip r:embed="rId4">
+            <a:extLst>
+              <a:ext uri="{28A0092B-C50C-407E-A947-70E740481C1C}">
+                <a14:useLocalDpi xmlns:a14="http://schemas.microsoft.com/office/drawing/2010/main" val="0"/>
+              </a:ext>
+            </a:extLst>
+          </a:blip>
+          <a:srcRect/>
+          <a:stretch>
+            <a:fillRect/>
+          </a:stretch>
+        </p:blipFill>
+        <p:spPr bwMode="auto">
+          <a:xfrm>
+            <a:off x="103755" y="1930400"/>
+            <a:ext cx="5820795" cy="3918114"/>
+          </a:xfrm>
+          <a:prstGeom prst="rect">
+            <a:avLst/>
+          </a:prstGeom>
+          <a:ln>
+            <a:noFill/>
+          </a:ln>
+          <a:effectLst>
+            <a:outerShdw blurRad="292100" dist="139700" dir="2700000" algn="tl" rotWithShape="0">
+              <a:srgbClr val="333333">
+                <a:alpha val="65000"/>
+              </a:srgbClr>
+            </a:outerShdw>
+          </a:effectLst>
+          <a:extLst>
+            <a:ext uri="{909E8E84-426E-40DD-AFC4-6F175D3DCCD1}">
+              <a14:hiddenFill xmlns:a14="http://schemas.microsoft.com/office/drawing/2010/main">
+                <a:solidFill>
+                  <a:srgbClr val="FFFFFF"/>
+                </a:solidFill>
+              </a14:hiddenFill>
+            </a:ext>
+          </a:extLst>
+        </p:spPr>
+      </p:pic>
+    </p:spTree>
+    <p:extLst>
+      <p:ext uri="{BB962C8B-B14F-4D97-AF65-F5344CB8AC3E}">
+        <p14:creationId xmlns:p14="http://schemas.microsoft.com/office/powerpoint/2010/main" val="2674477844"/>
+      </p:ext>
+    </p:extLst>
+  </p:cSld>
+  <p:clrMapOvr>
+    <a:masterClrMapping/>
+  </p:clrMapOvr>
+  <p:timing>
+    <p:tnLst>
+      <p:par>
+        <p:cTn id="1" dur="indefinite" restart="never" nodeType="tmRoot">
+          <p:childTnLst>
+            <p:seq concurrent="1" nextAc="seek">
+              <p:cTn id="2" dur="indefinite" nodeType="mainSeq">
+                <p:childTnLst>
+                  <p:par>
+                    <p:cTn id="3" fill="hold">
+                      <p:stCondLst>
+                        <p:cond delay="indefinite"/>
+                      </p:stCondLst>
+                      <p:childTnLst>
+                        <p:par>
+                          <p:cTn id="4" fill="hold">
+                            <p:stCondLst>
+                              <p:cond delay="0"/>
+                            </p:stCondLst>
+                            <p:childTnLst>
+                              <p:par>
+                                <p:cTn id="5" presetID="10" presetClass="entr" presetSubtype="0" fill="hold" nodeType="clickEffect">
+                                  <p:stCondLst>
+                                    <p:cond delay="0"/>
+                                  </p:stCondLst>
+                                  <p:childTnLst>
+                                    <p:set>
+                                      <p:cBhvr>
+                                        <p:cTn id="6" dur="1" fill="hold">
+                                          <p:stCondLst>
+                                            <p:cond delay="0"/>
+                                          </p:stCondLst>
+                                        </p:cTn>
+                                        <p:tgtEl>
+                                          <p:spTgt spid="3076"/>
+                                        </p:tgtEl>
+                                        <p:attrNameLst>
+                                          <p:attrName>style.visibility</p:attrName>
+                                        </p:attrNameLst>
+                                      </p:cBhvr>
+                                      <p:to>
+                                        <p:strVal val="visible"/>
+                                      </p:to>
+                                    </p:set>
+                                    <p:animEffect transition="in" filter="fade">
+                                      <p:cBhvr>
+                                        <p:cTn id="7" dur="500"/>
+                                        <p:tgtEl>
+                                          <p:spTgt spid="3076"/>
+                                        </p:tgtEl>
+                                      </p:cBhvr>
+                                    </p:animEffect>
+                                  </p:childTnLst>
+                                </p:cTn>
+                              </p:par>
+                              <p:par>
+                                <p:cTn id="8" presetID="10" presetClass="entr" presetSubtype="0" fill="hold" nodeType="withEffect">
+                                  <p:stCondLst>
+                                    <p:cond delay="0"/>
+                                  </p:stCondLst>
+                                  <p:childTnLst>
+                                    <p:set>
+                                      <p:cBhvr>
+                                        <p:cTn id="9" dur="1" fill="hold">
+                                          <p:stCondLst>
+                                            <p:cond delay="0"/>
+                                          </p:stCondLst>
+                                        </p:cTn>
+                                        <p:tgtEl>
+                                          <p:spTgt spid="3074"/>
+                                        </p:tgtEl>
+                                        <p:attrNameLst>
+                                          <p:attrName>style.visibility</p:attrName>
+                                        </p:attrNameLst>
+                                      </p:cBhvr>
+                                      <p:to>
+                                        <p:strVal val="visible"/>
+                                      </p:to>
+                                    </p:set>
+                                    <p:animEffect transition="in" filter="fade">
+                                      <p:cBhvr>
+                                        <p:cTn id="10" dur="500"/>
+                                        <p:tgtEl>
+                                          <p:spTgt spid="3074"/>
+                                        </p:tgtEl>
+                                      </p:cBhvr>
+                                    </p:animEffect>
+                                  </p:childTnLst>
+                                </p:cTn>
+                              </p:par>
+                            </p:childTnLst>
+                          </p:cTn>
+                        </p:par>
+                      </p:childTnLst>
+                    </p:cTn>
+                  </p:par>
+                </p:childTnLst>
+              </p:cTn>
+              <p:prevCondLst>
+                <p:cond evt="onPrev" delay="0">
+                  <p:tgtEl>
+                    <p:sldTgt/>
+                  </p:tgtEl>
+                </p:cond>
+              </p:prevCondLst>
+              <p:nextCondLst>
+                <p:cond evt="onNext" delay="0">
+                  <p:tgtEl>
+                    <p:sldTgt/>
+                  </p:tgtEl>
+                </p:cond>
+              </p:nextCondLst>
+            </p:seq>
+          </p:childTnLst>
+        </p:cTn>
+      </p:par>
+    </p:tnLst>
+  </p:timing>
 </p:sld>
 </file>
 
@@ -16681,44 +20633,155 @@
           </a:p>
         </p:txBody>
       </p:sp>
-      <p:sp>
-        <p:nvSpPr>
-          <p:cNvPr id="3" name="Content Placeholder 2">
+      <p:pic>
+        <p:nvPicPr>
+          <p:cNvPr id="4098" name="Picture 2" descr="ttest_rural_vs_urban.png">
             <a:extLst>
               <a:ext uri="{FF2B5EF4-FFF2-40B4-BE49-F238E27FC236}">
-                <a16:creationId xmlns:a16="http://schemas.microsoft.com/office/drawing/2014/main" id="{80B66E5D-36CA-42A1-B3EE-0DDD5EC9584F}"/>
+                <a16:creationId xmlns:a16="http://schemas.microsoft.com/office/drawing/2014/main" id="{4A37FFD1-9269-4853-AB32-8288AB4787FB}"/>
               </a:ext>
             </a:extLst>
           </p:cNvPr>
-          <p:cNvSpPr>
-            <a:spLocks noGrp="1"/>
-          </p:cNvSpPr>
-          <p:nvPr>
-            <p:ph idx="1"/>
-          </p:nvPr>
-        </p:nvSpPr>
-        <p:spPr/>
-        <p:txBody>
-          <a:bodyPr/>
-          <a:lstStyle/>
-          <a:p>
-            <a:r>
-              <a:rPr lang="en-US" dirty="0"/>
-              <a:t>Add images that are most insightful</a:t>
-            </a:r>
-          </a:p>
-        </p:txBody>
-      </p:sp>
+          <p:cNvPicPr>
+            <a:picLocks noChangeAspect="1" noChangeArrowheads="1"/>
+          </p:cNvPicPr>
+          <p:nvPr/>
+        </p:nvPicPr>
+        <p:blipFill>
+          <a:blip r:embed="rId3">
+            <a:extLst>
+              <a:ext uri="{28A0092B-C50C-407E-A947-70E740481C1C}">
+                <a14:useLocalDpi xmlns:a14="http://schemas.microsoft.com/office/drawing/2010/main" val="0"/>
+              </a:ext>
+            </a:extLst>
+          </a:blip>
+          <a:srcRect/>
+          <a:stretch>
+            <a:fillRect/>
+          </a:stretch>
+        </p:blipFill>
+        <p:spPr bwMode="auto">
+          <a:xfrm>
+            <a:off x="1005840" y="1461769"/>
+            <a:ext cx="7600950" cy="5119007"/>
+          </a:xfrm>
+          <a:prstGeom prst="rect">
+            <a:avLst/>
+          </a:prstGeom>
+          <a:ln>
+            <a:noFill/>
+          </a:ln>
+          <a:effectLst>
+            <a:outerShdw blurRad="292100" dist="139700" dir="2700000" algn="tl" rotWithShape="0">
+              <a:srgbClr val="333333">
+                <a:alpha val="65000"/>
+              </a:srgbClr>
+            </a:outerShdw>
+          </a:effectLst>
+          <a:extLst>
+            <a:ext uri="{909E8E84-426E-40DD-AFC4-6F175D3DCCD1}">
+              <a14:hiddenFill xmlns:a14="http://schemas.microsoft.com/office/drawing/2010/main">
+                <a:solidFill>
+                  <a:srgbClr val="FFFFFF"/>
+                </a:solidFill>
+              </a14:hiddenFill>
+            </a:ext>
+          </a:extLst>
+        </p:spPr>
+      </p:pic>
     </p:spTree>
     <p:extLst>
       <p:ext uri="{BB962C8B-B14F-4D97-AF65-F5344CB8AC3E}">
-        <p14:creationId xmlns:p14="http://schemas.microsoft.com/office/powerpoint/2010/main" val="2674477844"/>
+        <p14:creationId xmlns:p14="http://schemas.microsoft.com/office/powerpoint/2010/main" val="2334785398"/>
       </p:ext>
     </p:extLst>
   </p:cSld>
   <p:clrMapOvr>
     <a:masterClrMapping/>
   </p:clrMapOvr>
+  <p:timing>
+    <p:tnLst>
+      <p:par>
+        <p:cTn id="1" dur="indefinite" restart="never" nodeType="tmRoot">
+          <p:childTnLst>
+            <p:seq concurrent="1" nextAc="seek">
+              <p:cTn id="2" dur="indefinite" nodeType="mainSeq">
+                <p:childTnLst>
+                  <p:par>
+                    <p:cTn id="3" fill="hold">
+                      <p:stCondLst>
+                        <p:cond delay="indefinite"/>
+                      </p:stCondLst>
+                      <p:childTnLst>
+                        <p:par>
+                          <p:cTn id="4" fill="hold">
+                            <p:stCondLst>
+                              <p:cond delay="0"/>
+                            </p:stCondLst>
+                            <p:childTnLst>
+                              <p:par>
+                                <p:cTn id="5" presetID="10" presetClass="entr" presetSubtype="0" fill="hold" nodeType="clickEffect">
+                                  <p:stCondLst>
+                                    <p:cond delay="0"/>
+                                  </p:stCondLst>
+                                  <p:childTnLst>
+                                    <p:set>
+                                      <p:cBhvr>
+                                        <p:cTn id="6" dur="1" fill="hold">
+                                          <p:stCondLst>
+                                            <p:cond delay="0"/>
+                                          </p:stCondLst>
+                                        </p:cTn>
+                                        <p:tgtEl>
+                                          <p:spTgt spid="4098"/>
+                                        </p:tgtEl>
+                                        <p:attrNameLst>
+                                          <p:attrName>style.visibility</p:attrName>
+                                        </p:attrNameLst>
+                                      </p:cBhvr>
+                                      <p:to>
+                                        <p:strVal val="visible"/>
+                                      </p:to>
+                                    </p:set>
+                                    <p:animEffect transition="in" filter="fade">
+                                      <p:cBhvr>
+                                        <p:cTn id="7" dur="500"/>
+                                        <p:tgtEl>
+                                          <p:spTgt spid="4098"/>
+                                        </p:tgtEl>
+                                      </p:cBhvr>
+                                    </p:animEffect>
+                                  </p:childTnLst>
+                                </p:cTn>
+                              </p:par>
+                            </p:childTnLst>
+                          </p:cTn>
+                        </p:par>
+                      </p:childTnLst>
+                    </p:cTn>
+                  </p:par>
+                </p:childTnLst>
+              </p:cTn>
+              <p:prevCondLst>
+                <p:cond evt="onPrev" delay="0">
+                  <p:tgtEl>
+                    <p:sldTgt/>
+                  </p:tgtEl>
+                </p:cond>
+              </p:prevCondLst>
+              <p:nextCondLst>
+                <p:cond evt="onNext" delay="0">
+                  <p:tgtEl>
+                    <p:sldTgt/>
+                  </p:tgtEl>
+                </p:cond>
+              </p:nextCondLst>
+            </p:seq>
+          </p:childTnLst>
+        </p:cTn>
+      </p:par>
+    </p:tnLst>
+  </p:timing>
 </p:sld>
 </file>
 
@@ -16741,10 +20804,10 @@
       </p:grpSpPr>
       <p:sp>
         <p:nvSpPr>
-          <p:cNvPr id="2" name="Title 1">
+          <p:cNvPr id="4" name="Title 3">
             <a:extLst>
               <a:ext uri="{FF2B5EF4-FFF2-40B4-BE49-F238E27FC236}">
-                <a16:creationId xmlns:a16="http://schemas.microsoft.com/office/drawing/2014/main" id="{F7FD17BE-6D83-4023-BBF3-4361917A8D60}"/>
+                <a16:creationId xmlns:a16="http://schemas.microsoft.com/office/drawing/2014/main" id="{FF3746D1-4640-4075-A395-B446C85A559C}"/>
               </a:ext>
             </a:extLst>
           </p:cNvPr>
@@ -16767,44 +20830,155 @@
           </a:p>
         </p:txBody>
       </p:sp>
-      <p:sp>
-        <p:nvSpPr>
-          <p:cNvPr id="3" name="Content Placeholder 2">
+      <p:pic>
+        <p:nvPicPr>
+          <p:cNvPr id="7170" name="Picture 2" descr="ttest_rural_vs_urban_ervisit.png">
             <a:extLst>
               <a:ext uri="{FF2B5EF4-FFF2-40B4-BE49-F238E27FC236}">
-                <a16:creationId xmlns:a16="http://schemas.microsoft.com/office/drawing/2014/main" id="{80B66E5D-36CA-42A1-B3EE-0DDD5EC9584F}"/>
+                <a16:creationId xmlns:a16="http://schemas.microsoft.com/office/drawing/2014/main" id="{AEE9D07C-A7CB-4854-82E1-6C46A949DA5C}"/>
               </a:ext>
             </a:extLst>
           </p:cNvPr>
-          <p:cNvSpPr>
-            <a:spLocks noGrp="1"/>
-          </p:cNvSpPr>
-          <p:nvPr>
-            <p:ph idx="1"/>
-          </p:nvPr>
-        </p:nvSpPr>
-        <p:spPr/>
-        <p:txBody>
-          <a:bodyPr/>
-          <a:lstStyle/>
-          <a:p>
-            <a:r>
-              <a:rPr lang="en-US" dirty="0"/>
-              <a:t>Add images that are most insightful</a:t>
-            </a:r>
-          </a:p>
-        </p:txBody>
-      </p:sp>
+          <p:cNvPicPr>
+            <a:picLocks noChangeAspect="1" noChangeArrowheads="1"/>
+          </p:cNvPicPr>
+          <p:nvPr/>
+        </p:nvPicPr>
+        <p:blipFill>
+          <a:blip r:embed="rId3">
+            <a:extLst>
+              <a:ext uri="{28A0092B-C50C-407E-A947-70E740481C1C}">
+                <a14:useLocalDpi xmlns:a14="http://schemas.microsoft.com/office/drawing/2010/main" val="0"/>
+              </a:ext>
+            </a:extLst>
+          </a:blip>
+          <a:srcRect/>
+          <a:stretch>
+            <a:fillRect/>
+          </a:stretch>
+        </p:blipFill>
+        <p:spPr bwMode="auto">
+          <a:xfrm>
+            <a:off x="914400" y="1337476"/>
+            <a:ext cx="8023861" cy="5116664"/>
+          </a:xfrm>
+          <a:prstGeom prst="rect">
+            <a:avLst/>
+          </a:prstGeom>
+          <a:ln>
+            <a:noFill/>
+          </a:ln>
+          <a:effectLst>
+            <a:outerShdw blurRad="292100" dist="139700" dir="2700000" algn="tl" rotWithShape="0">
+              <a:srgbClr val="333333">
+                <a:alpha val="65000"/>
+              </a:srgbClr>
+            </a:outerShdw>
+          </a:effectLst>
+          <a:extLst>
+            <a:ext uri="{909E8E84-426E-40DD-AFC4-6F175D3DCCD1}">
+              <a14:hiddenFill xmlns:a14="http://schemas.microsoft.com/office/drawing/2010/main">
+                <a:solidFill>
+                  <a:srgbClr val="FFFFFF"/>
+                </a:solidFill>
+              </a14:hiddenFill>
+            </a:ext>
+          </a:extLst>
+        </p:spPr>
+      </p:pic>
     </p:spTree>
     <p:extLst>
       <p:ext uri="{BB962C8B-B14F-4D97-AF65-F5344CB8AC3E}">
-        <p14:creationId xmlns:p14="http://schemas.microsoft.com/office/powerpoint/2010/main" val="2334785398"/>
+        <p14:creationId xmlns:p14="http://schemas.microsoft.com/office/powerpoint/2010/main" val="813744610"/>
       </p:ext>
     </p:extLst>
   </p:cSld>
   <p:clrMapOvr>
     <a:masterClrMapping/>
   </p:clrMapOvr>
+  <p:timing>
+    <p:tnLst>
+      <p:par>
+        <p:cTn id="1" dur="indefinite" restart="never" nodeType="tmRoot">
+          <p:childTnLst>
+            <p:seq concurrent="1" nextAc="seek">
+              <p:cTn id="2" dur="indefinite" nodeType="mainSeq">
+                <p:childTnLst>
+                  <p:par>
+                    <p:cTn id="3" fill="hold">
+                      <p:stCondLst>
+                        <p:cond delay="indefinite"/>
+                      </p:stCondLst>
+                      <p:childTnLst>
+                        <p:par>
+                          <p:cTn id="4" fill="hold">
+                            <p:stCondLst>
+                              <p:cond delay="0"/>
+                            </p:stCondLst>
+                            <p:childTnLst>
+                              <p:par>
+                                <p:cTn id="5" presetID="10" presetClass="entr" presetSubtype="0" fill="hold" nodeType="clickEffect">
+                                  <p:stCondLst>
+                                    <p:cond delay="0"/>
+                                  </p:stCondLst>
+                                  <p:childTnLst>
+                                    <p:set>
+                                      <p:cBhvr>
+                                        <p:cTn id="6" dur="1" fill="hold">
+                                          <p:stCondLst>
+                                            <p:cond delay="0"/>
+                                          </p:stCondLst>
+                                        </p:cTn>
+                                        <p:tgtEl>
+                                          <p:spTgt spid="7170"/>
+                                        </p:tgtEl>
+                                        <p:attrNameLst>
+                                          <p:attrName>style.visibility</p:attrName>
+                                        </p:attrNameLst>
+                                      </p:cBhvr>
+                                      <p:to>
+                                        <p:strVal val="visible"/>
+                                      </p:to>
+                                    </p:set>
+                                    <p:animEffect transition="in" filter="fade">
+                                      <p:cBhvr>
+                                        <p:cTn id="7" dur="500"/>
+                                        <p:tgtEl>
+                                          <p:spTgt spid="7170"/>
+                                        </p:tgtEl>
+                                      </p:cBhvr>
+                                    </p:animEffect>
+                                  </p:childTnLst>
+                                </p:cTn>
+                              </p:par>
+                            </p:childTnLst>
+                          </p:cTn>
+                        </p:par>
+                      </p:childTnLst>
+                    </p:cTn>
+                  </p:par>
+                </p:childTnLst>
+              </p:cTn>
+              <p:prevCondLst>
+                <p:cond evt="onPrev" delay="0">
+                  <p:tgtEl>
+                    <p:sldTgt/>
+                  </p:tgtEl>
+                </p:cond>
+              </p:prevCondLst>
+              <p:nextCondLst>
+                <p:cond evt="onNext" delay="0">
+                  <p:tgtEl>
+                    <p:sldTgt/>
+                  </p:tgtEl>
+                </p:cond>
+              </p:nextCondLst>
+            </p:seq>
+          </p:childTnLst>
+        </p:cTn>
+      </p:par>
+    </p:tnLst>
+  </p:timing>
 </p:sld>
 </file>
 

--- a/AdditionalResources/Air Quality and Asthma.pptx
+++ b/AdditionalResources/Air Quality and Asthma.pptx
@@ -13,10 +13,10 @@
     <p:sldId id="257" r:id="rId4"/>
     <p:sldId id="262" r:id="rId5"/>
     <p:sldId id="258" r:id="rId6"/>
-    <p:sldId id="273" r:id="rId7"/>
-    <p:sldId id="268" r:id="rId8"/>
-    <p:sldId id="275" r:id="rId9"/>
-    <p:sldId id="278" r:id="rId10"/>
+    <p:sldId id="268" r:id="rId7"/>
+    <p:sldId id="275" r:id="rId8"/>
+    <p:sldId id="278" r:id="rId9"/>
+    <p:sldId id="273" r:id="rId10"/>
     <p:sldId id="277" r:id="rId11"/>
     <p:sldId id="267" r:id="rId12"/>
     <p:sldId id="261" r:id="rId13"/>
@@ -8277,7 +8277,19 @@
           <a:p>
             <a:r>
               <a:rPr lang="en-US" dirty="0"/>
-              <a:t>Ted</a:t>
+              <a:t>Joseph</a:t>
+            </a:r>
+          </a:p>
+          <a:p>
+            <a:r>
+              <a:rPr lang="en-US" dirty="0"/>
+              <a:t>Urban / rural stats - # good days ratio</a:t>
+            </a:r>
+          </a:p>
+          <a:p>
+            <a:r>
+              <a:rPr lang="en-US" dirty="0"/>
+              <a:t>Good days: not above 50 AQI</a:t>
             </a:r>
           </a:p>
         </p:txBody>
@@ -8308,7 +8320,7 @@
     </p:spTree>
     <p:extLst>
       <p:ext uri="{BB962C8B-B14F-4D97-AF65-F5344CB8AC3E}">
-        <p14:creationId xmlns:p14="http://schemas.microsoft.com/office/powerpoint/2010/main" val="1537271502"/>
+        <p14:creationId xmlns:p14="http://schemas.microsoft.com/office/powerpoint/2010/main" val="1187719279"/>
       </p:ext>
     </p:extLst>
   </p:cSld>
@@ -8368,15 +8380,36 @@
             </a:r>
           </a:p>
           <a:p>
+            <a:endParaRPr lang="en-US" dirty="0"/>
+          </a:p>
+          <a:p>
+            <a:r>
+              <a:rPr lang="en-US" dirty="0" err="1"/>
+              <a:t>Ttest</a:t>
+            </a:r>
             <a:r>
               <a:rPr lang="en-US" dirty="0"/>
-              <a:t>Urban / rural stats - # good days ratio</a:t>
+              <a:t> median AQI between </a:t>
             </a:r>
-          </a:p>
-          <a:p>
+            <a:r>
+              <a:rPr lang="en-US" dirty="0" err="1"/>
+              <a:t>urb</a:t>
+            </a:r>
             <a:r>
               <a:rPr lang="en-US" dirty="0"/>
-              <a:t>Good days: not above 50 AQI</a:t>
+              <a:t> / rural – significant</a:t>
+            </a:r>
+          </a:p>
+          <a:p>
+            <a:r>
+              <a:rPr lang="en-US" dirty="0"/>
+              <a:t>Median value = 37 (rural), 42 (urban)</a:t>
+            </a:r>
+          </a:p>
+          <a:p>
+            <a:r>
+              <a:rPr lang="en-US" dirty="0"/>
+              <a:t>Mean values = 36.79 (rural), 42.35 ( urban)</a:t>
             </a:r>
           </a:p>
         </p:txBody>
@@ -8407,7 +8440,7 @@
     </p:spTree>
     <p:extLst>
       <p:ext uri="{BB962C8B-B14F-4D97-AF65-F5344CB8AC3E}">
-        <p14:creationId xmlns:p14="http://schemas.microsoft.com/office/powerpoint/2010/main" val="1187719279"/>
+        <p14:creationId xmlns:p14="http://schemas.microsoft.com/office/powerpoint/2010/main" val="980072028"/>
       </p:ext>
     </p:extLst>
   </p:cSld>
@@ -8466,39 +8499,6 @@
               <a:t>Joseph</a:t>
             </a:r>
           </a:p>
-          <a:p>
-            <a:endParaRPr lang="en-US" dirty="0"/>
-          </a:p>
-          <a:p>
-            <a:r>
-              <a:rPr lang="en-US" dirty="0" err="1"/>
-              <a:t>Ttest</a:t>
-            </a:r>
-            <a:r>
-              <a:rPr lang="en-US" dirty="0"/>
-              <a:t> median AQI between </a:t>
-            </a:r>
-            <a:r>
-              <a:rPr lang="en-US" dirty="0" err="1"/>
-              <a:t>urb</a:t>
-            </a:r>
-            <a:r>
-              <a:rPr lang="en-US" dirty="0"/>
-              <a:t> / rural – significant</a:t>
-            </a:r>
-          </a:p>
-          <a:p>
-            <a:r>
-              <a:rPr lang="en-US" dirty="0"/>
-              <a:t>Median value = 37 (rural), 42 (urban)</a:t>
-            </a:r>
-          </a:p>
-          <a:p>
-            <a:r>
-              <a:rPr lang="en-US" dirty="0"/>
-              <a:t>Mean values = 36.79 (rural), 42.35 ( urban)</a:t>
-            </a:r>
-          </a:p>
         </p:txBody>
       </p:sp>
       <p:sp>
@@ -8527,7 +8527,7 @@
     </p:spTree>
     <p:extLst>
       <p:ext uri="{BB962C8B-B14F-4D97-AF65-F5344CB8AC3E}">
-        <p14:creationId xmlns:p14="http://schemas.microsoft.com/office/powerpoint/2010/main" val="980072028"/>
+        <p14:creationId xmlns:p14="http://schemas.microsoft.com/office/powerpoint/2010/main" val="2667740634"/>
       </p:ext>
     </p:extLst>
   </p:cSld>
@@ -8583,7 +8583,7 @@
           <a:p>
             <a:r>
               <a:rPr lang="en-US" dirty="0"/>
-              <a:t>Joseph</a:t>
+              <a:t>Ted</a:t>
             </a:r>
           </a:p>
         </p:txBody>
@@ -8614,7 +8614,7 @@
     </p:spTree>
     <p:extLst>
       <p:ext uri="{BB962C8B-B14F-4D97-AF65-F5344CB8AC3E}">
-        <p14:creationId xmlns:p14="http://schemas.microsoft.com/office/powerpoint/2010/main" val="2667740634"/>
+        <p14:creationId xmlns:p14="http://schemas.microsoft.com/office/powerpoint/2010/main" val="1537271502"/>
       </p:ext>
     </p:extLst>
   </p:cSld>
@@ -16001,8 +16001,8 @@
         </p:nvSpPr>
         <p:spPr>
           <a:xfrm>
-            <a:off x="677334" y="1611630"/>
-            <a:ext cx="8596668" cy="4789169"/>
+            <a:off x="677334" y="1463040"/>
+            <a:ext cx="9403926" cy="5223510"/>
           </a:xfrm>
         </p:spPr>
         <p:txBody>
@@ -16030,12 +16030,8 @@
           </a:p>
           <a:p>
             <a:r>
-              <a:rPr lang="en-US" sz="2200" dirty="0">
-                <a:highlight>
-                  <a:srgbClr val="FFFF00"/>
-                </a:highlight>
-              </a:rPr>
-              <a:t>Difference between adults and children</a:t>
+              <a:rPr lang="en-US" sz="2200" dirty="0"/>
+              <a:t>There is not a strong difference between the amount of asthma ER visits for children vs all ages, as a result of air quality.</a:t>
             </a:r>
           </a:p>
         </p:txBody>
@@ -20236,92 +20232,6 @@
           <p:cNvPr id="2" name="Title 1">
             <a:extLst>
               <a:ext uri="{FF2B5EF4-FFF2-40B4-BE49-F238E27FC236}">
-                <a16:creationId xmlns:a16="http://schemas.microsoft.com/office/drawing/2014/main" id="{D1BD4BB5-C1E0-425C-B996-A0B9E1FDE338}"/>
-              </a:ext>
-            </a:extLst>
-          </p:cNvPr>
-          <p:cNvSpPr>
-            <a:spLocks noGrp="1"/>
-          </p:cNvSpPr>
-          <p:nvPr>
-            <p:ph type="title"/>
-          </p:nvPr>
-        </p:nvSpPr>
-        <p:spPr/>
-        <p:txBody>
-          <a:bodyPr/>
-          <a:lstStyle/>
-          <a:p>
-            <a:r>
-              <a:rPr lang="en-US" dirty="0"/>
-              <a:t>A Closer Look at Childhood Asthma</a:t>
-            </a:r>
-          </a:p>
-        </p:txBody>
-      </p:sp>
-      <p:sp>
-        <p:nvSpPr>
-          <p:cNvPr id="5" name="Content Placeholder 4">
-            <a:extLst>
-              <a:ext uri="{FF2B5EF4-FFF2-40B4-BE49-F238E27FC236}">
-                <a16:creationId xmlns:a16="http://schemas.microsoft.com/office/drawing/2014/main" id="{C52A1659-3F06-4903-863A-6904E5098915}"/>
-              </a:ext>
-            </a:extLst>
-          </p:cNvPr>
-          <p:cNvSpPr>
-            <a:spLocks noGrp="1"/>
-          </p:cNvSpPr>
-          <p:nvPr>
-            <p:ph idx="1"/>
-          </p:nvPr>
-        </p:nvSpPr>
-        <p:spPr/>
-        <p:txBody>
-          <a:bodyPr/>
-          <a:lstStyle/>
-          <a:p>
-            <a:r>
-              <a:rPr lang="en-US" dirty="0"/>
-              <a:t>TED WILL SEND CHART AND OBSERVATION</a:t>
-            </a:r>
-          </a:p>
-        </p:txBody>
-      </p:sp>
-    </p:spTree>
-    <p:extLst>
-      <p:ext uri="{BB962C8B-B14F-4D97-AF65-F5344CB8AC3E}">
-        <p14:creationId xmlns:p14="http://schemas.microsoft.com/office/powerpoint/2010/main" val="3258836976"/>
-      </p:ext>
-    </p:extLst>
-  </p:cSld>
-  <p:clrMapOvr>
-    <a:masterClrMapping/>
-  </p:clrMapOvr>
-</p:sld>
-</file>
-
-<file path=ppt/slides/slide7.xml><?xml version="1.0" encoding="utf-8"?>
-<p:sld xmlns:a="http://schemas.openxmlformats.org/drawingml/2006/main" xmlns:r="http://schemas.openxmlformats.org/officeDocument/2006/relationships" xmlns:p="http://schemas.openxmlformats.org/presentationml/2006/main">
-  <p:cSld>
-    <p:spTree>
-      <p:nvGrpSpPr>
-        <p:cNvPr id="1" name=""/>
-        <p:cNvGrpSpPr/>
-        <p:nvPr/>
-      </p:nvGrpSpPr>
-      <p:grpSpPr>
-        <a:xfrm>
-          <a:off x="0" y="0"/>
-          <a:ext cx="0" cy="0"/>
-          <a:chOff x="0" y="0"/>
-          <a:chExt cx="0" cy="0"/>
-        </a:xfrm>
-      </p:grpSpPr>
-      <p:sp>
-        <p:nvSpPr>
-          <p:cNvPr id="2" name="Title 1">
-            <a:extLst>
-              <a:ext uri="{FF2B5EF4-FFF2-40B4-BE49-F238E27FC236}">
                 <a16:creationId xmlns:a16="http://schemas.microsoft.com/office/drawing/2014/main" id="{F7FD17BE-6D83-4023-BBF3-4361917A8D60}"/>
               </a:ext>
             </a:extLst>
@@ -20588,7 +20498,7 @@
 </p:sld>
 </file>
 
-<file path=ppt/slides/slide8.xml><?xml version="1.0" encoding="utf-8"?>
+<file path=ppt/slides/slide7.xml><?xml version="1.0" encoding="utf-8"?>
 <p:sld xmlns:a="http://schemas.openxmlformats.org/drawingml/2006/main" xmlns:r="http://schemas.openxmlformats.org/officeDocument/2006/relationships" xmlns:p="http://schemas.openxmlformats.org/presentationml/2006/main">
   <p:cSld>
     <p:spTree>
@@ -20785,7 +20695,7 @@
 </p:sld>
 </file>
 
-<file path=ppt/slides/slide9.xml><?xml version="1.0" encoding="utf-8"?>
+<file path=ppt/slides/slide8.xml><?xml version="1.0" encoding="utf-8"?>
 <p:sld xmlns:a="http://schemas.openxmlformats.org/drawingml/2006/main" xmlns:r="http://schemas.openxmlformats.org/officeDocument/2006/relationships" xmlns:p="http://schemas.openxmlformats.org/presentationml/2006/main">
   <p:cSld>
     <p:spTree>
@@ -20945,6 +20855,312 @@
                                         <p:cTn id="7" dur="500"/>
                                         <p:tgtEl>
                                           <p:spTgt spid="7170"/>
+                                        </p:tgtEl>
+                                      </p:cBhvr>
+                                    </p:animEffect>
+                                  </p:childTnLst>
+                                </p:cTn>
+                              </p:par>
+                            </p:childTnLst>
+                          </p:cTn>
+                        </p:par>
+                      </p:childTnLst>
+                    </p:cTn>
+                  </p:par>
+                </p:childTnLst>
+              </p:cTn>
+              <p:prevCondLst>
+                <p:cond evt="onPrev" delay="0">
+                  <p:tgtEl>
+                    <p:sldTgt/>
+                  </p:tgtEl>
+                </p:cond>
+              </p:prevCondLst>
+              <p:nextCondLst>
+                <p:cond evt="onNext" delay="0">
+                  <p:tgtEl>
+                    <p:sldTgt/>
+                  </p:tgtEl>
+                </p:cond>
+              </p:nextCondLst>
+            </p:seq>
+          </p:childTnLst>
+        </p:cTn>
+      </p:par>
+    </p:tnLst>
+  </p:timing>
+</p:sld>
+</file>
+
+<file path=ppt/slides/slide9.xml><?xml version="1.0" encoding="utf-8"?>
+<p:sld xmlns:a="http://schemas.openxmlformats.org/drawingml/2006/main" xmlns:r="http://schemas.openxmlformats.org/officeDocument/2006/relationships" xmlns:p="http://schemas.openxmlformats.org/presentationml/2006/main">
+  <p:cSld>
+    <p:spTree>
+      <p:nvGrpSpPr>
+        <p:cNvPr id="1" name=""/>
+        <p:cNvGrpSpPr/>
+        <p:nvPr/>
+      </p:nvGrpSpPr>
+      <p:grpSpPr>
+        <a:xfrm>
+          <a:off x="0" y="0"/>
+          <a:ext cx="0" cy="0"/>
+          <a:chOff x="0" y="0"/>
+          <a:chExt cx="0" cy="0"/>
+        </a:xfrm>
+      </p:grpSpPr>
+      <p:sp>
+        <p:nvSpPr>
+          <p:cNvPr id="2" name="Title 1">
+            <a:extLst>
+              <a:ext uri="{FF2B5EF4-FFF2-40B4-BE49-F238E27FC236}">
+                <a16:creationId xmlns:a16="http://schemas.microsoft.com/office/drawing/2014/main" id="{D1BD4BB5-C1E0-425C-B996-A0B9E1FDE338}"/>
+              </a:ext>
+            </a:extLst>
+          </p:cNvPr>
+          <p:cNvSpPr>
+            <a:spLocks noGrp="1"/>
+          </p:cNvSpPr>
+          <p:nvPr>
+            <p:ph type="title"/>
+          </p:nvPr>
+        </p:nvSpPr>
+        <p:spPr/>
+        <p:txBody>
+          <a:bodyPr/>
+          <a:lstStyle/>
+          <a:p>
+            <a:r>
+              <a:rPr lang="en-US" dirty="0"/>
+              <a:t>A Closer Look at Childhood Asthma Visits</a:t>
+            </a:r>
+          </a:p>
+        </p:txBody>
+      </p:sp>
+      <p:pic>
+        <p:nvPicPr>
+          <p:cNvPr id="1026" name="Picture 2" descr="totalsChildrenTGoodDaysByTDays_vs_erAsthmaVisits_2017.png">
+            <a:extLst>
+              <a:ext uri="{FF2B5EF4-FFF2-40B4-BE49-F238E27FC236}">
+                <a16:creationId xmlns:a16="http://schemas.microsoft.com/office/drawing/2014/main" id="{447C718F-BE53-4A43-9F1A-697C19CBC962}"/>
+              </a:ext>
+            </a:extLst>
+          </p:cNvPr>
+          <p:cNvPicPr>
+            <a:picLocks noChangeAspect="1" noChangeArrowheads="1"/>
+          </p:cNvPicPr>
+          <p:nvPr/>
+        </p:nvPicPr>
+        <p:blipFill>
+          <a:blip r:embed="rId3">
+            <a:extLst>
+              <a:ext uri="{28A0092B-C50C-407E-A947-70E740481C1C}">
+                <a14:useLocalDpi xmlns:a14="http://schemas.microsoft.com/office/drawing/2010/main" val="0"/>
+              </a:ext>
+            </a:extLst>
+          </a:blip>
+          <a:srcRect/>
+          <a:stretch>
+            <a:fillRect/>
+          </a:stretch>
+        </p:blipFill>
+        <p:spPr bwMode="auto">
+          <a:xfrm>
+            <a:off x="140124" y="1672547"/>
+            <a:ext cx="5875866" cy="4104249"/>
+          </a:xfrm>
+          <a:prstGeom prst="rect">
+            <a:avLst/>
+          </a:prstGeom>
+          <a:ln>
+            <a:noFill/>
+          </a:ln>
+          <a:effectLst>
+            <a:outerShdw blurRad="292100" dist="139700" dir="2700000" algn="tl" rotWithShape="0">
+              <a:srgbClr val="333333">
+                <a:alpha val="65000"/>
+              </a:srgbClr>
+            </a:outerShdw>
+          </a:effectLst>
+          <a:extLst>
+            <a:ext uri="{909E8E84-426E-40DD-AFC4-6F175D3DCCD1}">
+              <a14:hiddenFill xmlns:a14="http://schemas.microsoft.com/office/drawing/2010/main">
+                <a:solidFill>
+                  <a:srgbClr val="FFFFFF"/>
+                </a:solidFill>
+              </a14:hiddenFill>
+            </a:ext>
+          </a:extLst>
+        </p:spPr>
+      </p:pic>
+      <p:pic>
+        <p:nvPicPr>
+          <p:cNvPr id="1028" name="Picture 4" descr="totalsChildrenMAQIDays_vs_erAsthmaVisits_2017.png">
+            <a:extLst>
+              <a:ext uri="{FF2B5EF4-FFF2-40B4-BE49-F238E27FC236}">
+                <a16:creationId xmlns:a16="http://schemas.microsoft.com/office/drawing/2014/main" id="{5F49AF43-824E-43EC-B7DB-4C18C10A5F82}"/>
+              </a:ext>
+            </a:extLst>
+          </p:cNvPr>
+          <p:cNvPicPr>
+            <a:picLocks noChangeAspect="1" noChangeArrowheads="1"/>
+          </p:cNvPicPr>
+          <p:nvPr/>
+        </p:nvPicPr>
+        <p:blipFill>
+          <a:blip r:embed="rId4">
+            <a:extLst>
+              <a:ext uri="{28A0092B-C50C-407E-A947-70E740481C1C}">
+                <a14:useLocalDpi xmlns:a14="http://schemas.microsoft.com/office/drawing/2010/main" val="0"/>
+              </a:ext>
+            </a:extLst>
+          </a:blip>
+          <a:srcRect/>
+          <a:stretch>
+            <a:fillRect/>
+          </a:stretch>
+        </p:blipFill>
+        <p:spPr bwMode="auto">
+          <a:xfrm>
+            <a:off x="6187440" y="1672547"/>
+            <a:ext cx="5875867" cy="4104249"/>
+          </a:xfrm>
+          <a:prstGeom prst="rect">
+            <a:avLst/>
+          </a:prstGeom>
+          <a:ln>
+            <a:noFill/>
+          </a:ln>
+          <a:effectLst>
+            <a:outerShdw blurRad="292100" dist="139700" dir="2700000" algn="tl" rotWithShape="0">
+              <a:srgbClr val="333333">
+                <a:alpha val="65000"/>
+              </a:srgbClr>
+            </a:outerShdw>
+          </a:effectLst>
+          <a:extLst>
+            <a:ext uri="{909E8E84-426E-40DD-AFC4-6F175D3DCCD1}">
+              <a14:hiddenFill xmlns:a14="http://schemas.microsoft.com/office/drawing/2010/main">
+                <a:solidFill>
+                  <a:srgbClr val="FFFFFF"/>
+                </a:solidFill>
+              </a14:hiddenFill>
+            </a:ext>
+          </a:extLst>
+        </p:spPr>
+      </p:pic>
+    </p:spTree>
+    <p:extLst>
+      <p:ext uri="{BB962C8B-B14F-4D97-AF65-F5344CB8AC3E}">
+        <p14:creationId xmlns:p14="http://schemas.microsoft.com/office/powerpoint/2010/main" val="3258836976"/>
+      </p:ext>
+    </p:extLst>
+  </p:cSld>
+  <p:clrMapOvr>
+    <a:masterClrMapping/>
+  </p:clrMapOvr>
+  <p:timing>
+    <p:tnLst>
+      <p:par>
+        <p:cTn id="1" dur="indefinite" restart="never" nodeType="tmRoot">
+          <p:childTnLst>
+            <p:seq concurrent="1" nextAc="seek">
+              <p:cTn id="2" dur="indefinite" nodeType="mainSeq">
+                <p:childTnLst>
+                  <p:par>
+                    <p:cTn id="3" fill="hold">
+                      <p:stCondLst>
+                        <p:cond delay="indefinite"/>
+                      </p:stCondLst>
+                      <p:childTnLst>
+                        <p:par>
+                          <p:cTn id="4" fill="hold">
+                            <p:stCondLst>
+                              <p:cond delay="0"/>
+                            </p:stCondLst>
+                            <p:childTnLst>
+                              <p:par>
+                                <p:cTn id="5" presetID="10" presetClass="entr" presetSubtype="0" fill="hold" nodeType="clickEffect">
+                                  <p:stCondLst>
+                                    <p:cond delay="0"/>
+                                  </p:stCondLst>
+                                  <p:childTnLst>
+                                    <p:set>
+                                      <p:cBhvr>
+                                        <p:cTn id="6" dur="1" fill="hold">
+                                          <p:stCondLst>
+                                            <p:cond delay="0"/>
+                                          </p:stCondLst>
+                                        </p:cTn>
+                                        <p:tgtEl>
+                                          <p:spTgt spid="1026"/>
+                                        </p:tgtEl>
+                                        <p:attrNameLst>
+                                          <p:attrName>style.visibility</p:attrName>
+                                        </p:attrNameLst>
+                                      </p:cBhvr>
+                                      <p:to>
+                                        <p:strVal val="visible"/>
+                                      </p:to>
+                                    </p:set>
+                                    <p:animEffect transition="in" filter="fade">
+                                      <p:cBhvr>
+                                        <p:cTn id="7" dur="500"/>
+                                        <p:tgtEl>
+                                          <p:spTgt spid="1026"/>
+                                        </p:tgtEl>
+                                      </p:cBhvr>
+                                    </p:animEffect>
+                                  </p:childTnLst>
+                                </p:cTn>
+                              </p:par>
+                            </p:childTnLst>
+                          </p:cTn>
+                        </p:par>
+                      </p:childTnLst>
+                    </p:cTn>
+                  </p:par>
+                  <p:par>
+                    <p:cTn id="8" fill="hold">
+                      <p:stCondLst>
+                        <p:cond delay="indefinite"/>
+                      </p:stCondLst>
+                      <p:childTnLst>
+                        <p:par>
+                          <p:cTn id="9" fill="hold">
+                            <p:stCondLst>
+                              <p:cond delay="0"/>
+                            </p:stCondLst>
+                            <p:childTnLst>
+                              <p:par>
+                                <p:cTn id="10" presetID="10" presetClass="entr" presetSubtype="0" fill="hold" nodeType="clickEffect">
+                                  <p:stCondLst>
+                                    <p:cond delay="0"/>
+                                  </p:stCondLst>
+                                  <p:childTnLst>
+                                    <p:set>
+                                      <p:cBhvr>
+                                        <p:cTn id="11" dur="1" fill="hold">
+                                          <p:stCondLst>
+                                            <p:cond delay="0"/>
+                                          </p:stCondLst>
+                                        </p:cTn>
+                                        <p:tgtEl>
+                                          <p:spTgt spid="1028"/>
+                                        </p:tgtEl>
+                                        <p:attrNameLst>
+                                          <p:attrName>style.visibility</p:attrName>
+                                        </p:attrNameLst>
+                                      </p:cBhvr>
+                                      <p:to>
+                                        <p:strVal val="visible"/>
+                                      </p:to>
+                                    </p:set>
+                                    <p:animEffect transition="in" filter="fade">
+                                      <p:cBhvr>
+                                        <p:cTn id="12" dur="500"/>
+                                        <p:tgtEl>
+                                          <p:spTgt spid="1028"/>
                                         </p:tgtEl>
                                       </p:cBhvr>
                                     </p:animEffect>
